--- a/EntityFramework tip&tricks.pptx
+++ b/EntityFramework tip&tricks.pptx
@@ -5,19 +5,23 @@
     <p:sldMasterId id="2147484005" r:id="rId4"/>
   </p:sldMasterIdLst>
   <p:notesMasterIdLst>
-    <p:notesMasterId r:id="rId12"/>
+    <p:notesMasterId r:id="rId16"/>
   </p:notesMasterIdLst>
   <p:handoutMasterIdLst>
-    <p:handoutMasterId r:id="rId13"/>
+    <p:handoutMasterId r:id="rId17"/>
   </p:handoutMasterIdLst>
   <p:sldIdLst>
     <p:sldId id="4334" r:id="rId5"/>
     <p:sldId id="4354" r:id="rId6"/>
-    <p:sldId id="4353" r:id="rId7"/>
-    <p:sldId id="4355" r:id="rId8"/>
-    <p:sldId id="4356" r:id="rId9"/>
-    <p:sldId id="4357" r:id="rId10"/>
-    <p:sldId id="4358" r:id="rId11"/>
+    <p:sldId id="4360" r:id="rId7"/>
+    <p:sldId id="4353" r:id="rId8"/>
+    <p:sldId id="4355" r:id="rId9"/>
+    <p:sldId id="4356" r:id="rId10"/>
+    <p:sldId id="4357" r:id="rId11"/>
+    <p:sldId id="4362" r:id="rId12"/>
+    <p:sldId id="4358" r:id="rId13"/>
+    <p:sldId id="4363" r:id="rId14"/>
+    <p:sldId id="4359" r:id="rId15"/>
   </p:sldIdLst>
   <p:sldSz cx="12192000" cy="6858000"/>
   <p:notesSz cx="6858000" cy="9144000"/>
@@ -27423,15 +27427,15 @@
           <a:p>
             <a:r>
               <a:rPr lang="it-IT" dirty="0" err="1"/>
-              <a:t>EntityFramework</a:t>
+              <a:t>Entity</a:t>
             </a:r>
             <a:r>
               <a:rPr lang="it-IT" dirty="0"/>
-              <a:t> </a:t>
+              <a:t> Framework </a:t>
             </a:r>
             <a:r>
               <a:rPr lang="it-IT" dirty="0" err="1"/>
-              <a:t>Tip&amp;Tricks</a:t>
+              <a:t>Tips&amp;Tricks</a:t>
             </a:r>
             <a:r>
               <a:rPr lang="it-IT" dirty="0"/>
@@ -27474,6 +27478,1664 @@
     <p:extLst>
       <p:ext uri="{BB962C8B-B14F-4D97-AF65-F5344CB8AC3E}">
         <p14:creationId xmlns:p14="http://schemas.microsoft.com/office/powerpoint/2010/main" val="163858576"/>
+      </p:ext>
+    </p:extLst>
+  </p:cSld>
+  <p:clrMapOvr>
+    <a:masterClrMapping/>
+  </p:clrMapOvr>
+</p:sld>
+</file>
+
+<file path=ppt/slides/slide10.xml><?xml version="1.0" encoding="utf-8"?>
+<p:sld xmlns:a="http://schemas.openxmlformats.org/drawingml/2006/main" xmlns:r="http://schemas.openxmlformats.org/officeDocument/2006/relationships" xmlns:p="http://schemas.openxmlformats.org/presentationml/2006/main">
+  <p:cSld>
+    <p:spTree>
+      <p:nvGrpSpPr>
+        <p:cNvPr id="1" name="">
+          <a:extLst>
+            <a:ext uri="{FF2B5EF4-FFF2-40B4-BE49-F238E27FC236}">
+              <a16:creationId xmlns:a16="http://schemas.microsoft.com/office/drawing/2014/main" id="{77C1B7F4-5A09-9CEF-0F1F-680FC0ABBC4A}"/>
+            </a:ext>
+          </a:extLst>
+        </p:cNvPr>
+        <p:cNvGrpSpPr/>
+        <p:nvPr/>
+      </p:nvGrpSpPr>
+      <p:grpSpPr>
+        <a:xfrm>
+          <a:off x="0" y="0"/>
+          <a:ext cx="0" cy="0"/>
+          <a:chOff x="0" y="0"/>
+          <a:chExt cx="0" cy="0"/>
+        </a:xfrm>
+      </p:grpSpPr>
+      <p:sp>
+        <p:nvSpPr>
+          <p:cNvPr id="2" name="Titolo 1">
+            <a:extLst>
+              <a:ext uri="{FF2B5EF4-FFF2-40B4-BE49-F238E27FC236}">
+                <a16:creationId xmlns:a16="http://schemas.microsoft.com/office/drawing/2014/main" id="{4A001CE3-71FF-E203-B99B-1E01DEEF4A6F}"/>
+              </a:ext>
+            </a:extLst>
+          </p:cNvPr>
+          <p:cNvSpPr>
+            <a:spLocks noGrp="1"/>
+          </p:cNvSpPr>
+          <p:nvPr>
+            <p:ph type="title"/>
+          </p:nvPr>
+        </p:nvSpPr>
+        <p:spPr>
+          <a:xfrm>
+            <a:off x="571500" y="571501"/>
+            <a:ext cx="11013948" cy="900683"/>
+          </a:xfrm>
+        </p:spPr>
+        <p:txBody>
+          <a:bodyPr>
+            <a:normAutofit/>
+          </a:bodyPr>
+          <a:lstStyle/>
+          <a:p>
+            <a:r>
+              <a:rPr lang="it-IT" dirty="0"/>
+              <a:t>Approcci di sviluppo: Code First</a:t>
+            </a:r>
+          </a:p>
+        </p:txBody>
+      </p:sp>
+      <p:sp>
+        <p:nvSpPr>
+          <p:cNvPr id="4" name="Segnaposto numero diapositiva 3">
+            <a:extLst>
+              <a:ext uri="{FF2B5EF4-FFF2-40B4-BE49-F238E27FC236}">
+                <a16:creationId xmlns:a16="http://schemas.microsoft.com/office/drawing/2014/main" id="{13CCE9ED-1E69-5919-F26E-E908AB79465A}"/>
+              </a:ext>
+            </a:extLst>
+          </p:cNvPr>
+          <p:cNvSpPr>
+            <a:spLocks noGrp="1"/>
+          </p:cNvSpPr>
+          <p:nvPr>
+            <p:ph type="sldNum" sz="quarter" idx="12"/>
+          </p:nvPr>
+        </p:nvSpPr>
+        <p:spPr/>
+        <p:txBody>
+          <a:bodyPr/>
+          <a:lstStyle/>
+          <a:p>
+            <a:fld id="{2EF81360-97CB-4A43-A0EB-C1B998444415}" type="slidenum">
+              <a:rPr lang="en-US" smtClean="0"/>
+              <a:t>10</a:t>
+            </a:fld>
+            <a:endParaRPr lang="en-US" dirty="0"/>
+          </a:p>
+        </p:txBody>
+      </p:sp>
+      <p:sp>
+        <p:nvSpPr>
+          <p:cNvPr id="6" name="CasellaDiTesto 5">
+            <a:extLst>
+              <a:ext uri="{FF2B5EF4-FFF2-40B4-BE49-F238E27FC236}">
+                <a16:creationId xmlns:a16="http://schemas.microsoft.com/office/drawing/2014/main" id="{59C189B8-B620-4FE5-AA4D-22F6EEB72242}"/>
+              </a:ext>
+            </a:extLst>
+          </p:cNvPr>
+          <p:cNvSpPr txBox="1"/>
+          <p:nvPr/>
+        </p:nvSpPr>
+        <p:spPr>
+          <a:xfrm>
+            <a:off x="768096" y="4325112"/>
+            <a:ext cx="10552176" cy="969264"/>
+          </a:xfrm>
+          <a:prstGeom prst="rect">
+            <a:avLst/>
+          </a:prstGeom>
+          <a:effectLst/>
+        </p:spPr>
+        <p:txBody>
+          <a:bodyPr vert="horz" wrap="square" lIns="0" tIns="192024" rIns="0" bIns="0" rtlCol="0" anchor="t" anchorCtr="0">
+            <a:noAutofit/>
+          </a:bodyPr>
+          <a:lstStyle/>
+          <a:p>
+            <a:pPr algn="l"/>
+            <a:endParaRPr lang="it-IT" sz="4400" dirty="0">
+              <a:latin typeface="Mathilde" panose="03050500000000020004" pitchFamily="66" charset="0"/>
+            </a:endParaRPr>
+          </a:p>
+        </p:txBody>
+      </p:sp>
+      <p:sp>
+        <p:nvSpPr>
+          <p:cNvPr id="7" name="CasellaDiTesto 6">
+            <a:extLst>
+              <a:ext uri="{FF2B5EF4-FFF2-40B4-BE49-F238E27FC236}">
+                <a16:creationId xmlns:a16="http://schemas.microsoft.com/office/drawing/2014/main" id="{E5BE85BB-A065-6AFC-4C64-984252F30122}"/>
+              </a:ext>
+            </a:extLst>
+          </p:cNvPr>
+          <p:cNvSpPr txBox="1"/>
+          <p:nvPr/>
+        </p:nvSpPr>
+        <p:spPr>
+          <a:xfrm>
+            <a:off x="635508" y="1517269"/>
+            <a:ext cx="10817352" cy="4769230"/>
+          </a:xfrm>
+          <a:prstGeom prst="rect">
+            <a:avLst/>
+          </a:prstGeom>
+          <a:effectLst/>
+        </p:spPr>
+        <p:txBody>
+          <a:bodyPr vert="horz" wrap="square" lIns="0" tIns="192024" rIns="0" bIns="0" rtlCol="0" anchor="t" anchorCtr="0">
+            <a:noAutofit/>
+          </a:bodyPr>
+          <a:lstStyle/>
+          <a:p>
+            <a:pPr algn="l"/>
+            <a:r>
+              <a:rPr lang="it-IT" dirty="0">
+                <a:latin typeface="Mathilde" panose="03050500000000020004" pitchFamily="66" charset="0"/>
+              </a:rPr>
+              <a:t>Il modello </a:t>
+            </a:r>
+            <a:r>
+              <a:rPr lang="it-IT" dirty="0" err="1">
+                <a:latin typeface="Mathilde" panose="03050500000000020004" pitchFamily="66" charset="0"/>
+              </a:rPr>
+              <a:t>db</a:t>
+            </a:r>
+            <a:r>
+              <a:rPr lang="it-IT" dirty="0">
+                <a:latin typeface="Mathilde" panose="03050500000000020004" pitchFamily="66" charset="0"/>
+              </a:rPr>
+              <a:t> viene definito con classi C#, </a:t>
+            </a:r>
+            <a:r>
+              <a:rPr lang="it-IT" dirty="0" err="1">
+                <a:latin typeface="Mathilde" panose="03050500000000020004" pitchFamily="66" charset="0"/>
+              </a:rPr>
+              <a:t>Entity</a:t>
+            </a:r>
+            <a:r>
+              <a:rPr lang="it-IT" dirty="0">
+                <a:latin typeface="Mathilde" panose="03050500000000020004" pitchFamily="66" charset="0"/>
+              </a:rPr>
+              <a:t> Framework si occupa della conversione in query SQL per creare le tabelle di persistenza </a:t>
+            </a:r>
+          </a:p>
+          <a:p>
+            <a:pPr algn="l"/>
+            <a:r>
+              <a:rPr lang="it-IT" dirty="0">
+                <a:latin typeface="Mathilde" panose="03050500000000020004" pitchFamily="66" charset="0"/>
+              </a:rPr>
+              <a:t> </a:t>
+            </a:r>
+          </a:p>
+          <a:p>
+            <a:pPr algn="l"/>
+            <a:r>
+              <a:rPr lang="it-IT" b="1" dirty="0">
+                <a:solidFill>
+                  <a:srgbClr val="00B050"/>
+                </a:solidFill>
+                <a:latin typeface="Mathilde" panose="03050500000000020004" pitchFamily="66" charset="0"/>
+              </a:rPr>
+              <a:t>Vantaggi</a:t>
+            </a:r>
+            <a:r>
+              <a:rPr lang="it-IT" dirty="0">
+                <a:latin typeface="Mathilde" panose="03050500000000020004" pitchFamily="66" charset="0"/>
+              </a:rPr>
+              <a:t>:</a:t>
+            </a:r>
+          </a:p>
+          <a:p>
+            <a:pPr marL="285750" indent="-285750" algn="l">
+              <a:buFont typeface="Arial" panose="020B0604020202020204" pitchFamily="34" charset="0"/>
+              <a:buChar char="•"/>
+            </a:pPr>
+            <a:r>
+              <a:rPr lang="it-IT" dirty="0">
+                <a:latin typeface="Mathilde" panose="03050500000000020004" pitchFamily="66" charset="0"/>
+              </a:rPr>
+              <a:t>Controllo totale del modello</a:t>
+            </a:r>
+          </a:p>
+          <a:p>
+            <a:pPr marL="285750" indent="-285750" algn="l">
+              <a:buFont typeface="Arial" panose="020B0604020202020204" pitchFamily="34" charset="0"/>
+              <a:buChar char="•"/>
+            </a:pPr>
+            <a:r>
+              <a:rPr lang="it-IT" dirty="0">
+                <a:latin typeface="Mathilde" panose="03050500000000020004" pitchFamily="66" charset="0"/>
+              </a:rPr>
+              <a:t>Possibilità di sfruttare le potenzialità di astrazione di C#</a:t>
+            </a:r>
+          </a:p>
+          <a:p>
+            <a:pPr marL="285750" indent="-285750" algn="l">
+              <a:buFont typeface="Arial" panose="020B0604020202020204" pitchFamily="34" charset="0"/>
+              <a:buChar char="•"/>
+            </a:pPr>
+            <a:r>
+              <a:rPr lang="it-IT" dirty="0">
+                <a:latin typeface="Mathilde" panose="03050500000000020004" pitchFamily="66" charset="0"/>
+              </a:rPr>
+              <a:t>Possibilità di sfruttare i pattern architetturali dei linguaggi OO</a:t>
+            </a:r>
+          </a:p>
+          <a:p>
+            <a:pPr marL="285750" indent="-285750" algn="l">
+              <a:buFont typeface="Arial" panose="020B0604020202020204" pitchFamily="34" charset="0"/>
+              <a:buChar char="•"/>
+            </a:pPr>
+            <a:r>
+              <a:rPr lang="it-IT" dirty="0">
+                <a:latin typeface="Mathilde" panose="03050500000000020004" pitchFamily="66" charset="0"/>
+              </a:rPr>
+              <a:t>Maggiore testabilità del modello</a:t>
+            </a:r>
+          </a:p>
+          <a:p>
+            <a:pPr marL="285750" indent="-285750" algn="l">
+              <a:buFont typeface="Arial" panose="020B0604020202020204" pitchFamily="34" charset="0"/>
+              <a:buChar char="•"/>
+            </a:pPr>
+            <a:endParaRPr lang="it-IT" dirty="0">
+              <a:latin typeface="Mathilde" panose="03050500000000020004" pitchFamily="66" charset="0"/>
+            </a:endParaRPr>
+          </a:p>
+          <a:p>
+            <a:pPr algn="l"/>
+            <a:r>
+              <a:rPr lang="it-IT" b="1" dirty="0">
+                <a:solidFill>
+                  <a:schemeClr val="accent2"/>
+                </a:solidFill>
+                <a:latin typeface="Mathilde" panose="03050500000000020004" pitchFamily="66" charset="0"/>
+              </a:rPr>
+              <a:t>Svantaggi</a:t>
+            </a:r>
+            <a:r>
+              <a:rPr lang="it-IT" dirty="0">
+                <a:latin typeface="Mathilde" panose="03050500000000020004" pitchFamily="66" charset="0"/>
+              </a:rPr>
+              <a:t>:</a:t>
+            </a:r>
+          </a:p>
+          <a:p>
+            <a:pPr marL="285750" indent="-285750" algn="l">
+              <a:buFont typeface="Arial" panose="020B0604020202020204" pitchFamily="34" charset="0"/>
+              <a:buChar char="•"/>
+            </a:pPr>
+            <a:r>
+              <a:rPr lang="it-IT" dirty="0">
+                <a:latin typeface="Mathilde" panose="03050500000000020004" pitchFamily="66" charset="0"/>
+              </a:rPr>
+              <a:t>Aggiunge uno strato di complessità</a:t>
+            </a:r>
+          </a:p>
+          <a:p>
+            <a:pPr marL="285750" indent="-285750" algn="l">
+              <a:buFont typeface="Arial" panose="020B0604020202020204" pitchFamily="34" charset="0"/>
+              <a:buChar char="•"/>
+            </a:pPr>
+            <a:r>
+              <a:rPr lang="it-IT" dirty="0">
+                <a:latin typeface="Mathilde" panose="03050500000000020004" pitchFamily="66" charset="0"/>
+              </a:rPr>
+              <a:t>Difficilmente applicabile su DB legacy complessi</a:t>
+            </a:r>
+          </a:p>
+          <a:p>
+            <a:pPr marL="285750" indent="-285750" algn="l">
+              <a:buFont typeface="Arial" panose="020B0604020202020204" pitchFamily="34" charset="0"/>
+              <a:buChar char="•"/>
+            </a:pPr>
+            <a:endParaRPr lang="it-IT" dirty="0">
+              <a:latin typeface="Mathilde" panose="03050500000000020004" pitchFamily="66" charset="0"/>
+            </a:endParaRPr>
+          </a:p>
+          <a:p>
+            <a:pPr algn="l"/>
+            <a:endParaRPr lang="it-IT" dirty="0">
+              <a:latin typeface="Mathilde" panose="03050500000000020004" pitchFamily="66" charset="0"/>
+            </a:endParaRPr>
+          </a:p>
+          <a:p>
+            <a:pPr marL="285750" indent="-285750" algn="l">
+              <a:buFont typeface="Arial" panose="020B0604020202020204" pitchFamily="34" charset="0"/>
+              <a:buChar char="•"/>
+            </a:pPr>
+            <a:endParaRPr lang="it-IT" dirty="0">
+              <a:latin typeface="Mathilde" panose="03050500000000020004" pitchFamily="66" charset="0"/>
+            </a:endParaRPr>
+          </a:p>
+          <a:p>
+            <a:pPr marL="285750" indent="-285750" algn="l">
+              <a:buFont typeface="Arial" panose="020B0604020202020204" pitchFamily="34" charset="0"/>
+              <a:buChar char="•"/>
+            </a:pPr>
+            <a:endParaRPr lang="it-IT" dirty="0">
+              <a:latin typeface="Mathilde" panose="03050500000000020004" pitchFamily="66" charset="0"/>
+            </a:endParaRPr>
+          </a:p>
+        </p:txBody>
+      </p:sp>
+    </p:spTree>
+    <p:extLst>
+      <p:ext uri="{BB962C8B-B14F-4D97-AF65-F5344CB8AC3E}">
+        <p14:creationId xmlns:p14="http://schemas.microsoft.com/office/powerpoint/2010/main" val="3940009145"/>
+      </p:ext>
+    </p:extLst>
+  </p:cSld>
+  <p:clrMapOvr>
+    <a:masterClrMapping/>
+  </p:clrMapOvr>
+</p:sld>
+</file>
+
+<file path=ppt/slides/slide11.xml><?xml version="1.0" encoding="utf-8"?>
+<p:sld xmlns:a="http://schemas.openxmlformats.org/drawingml/2006/main" xmlns:r="http://schemas.openxmlformats.org/officeDocument/2006/relationships" xmlns:p="http://schemas.openxmlformats.org/presentationml/2006/main">
+  <p:cSld>
+    <p:spTree>
+      <p:nvGrpSpPr>
+        <p:cNvPr id="1" name="">
+          <a:extLst>
+            <a:ext uri="{FF2B5EF4-FFF2-40B4-BE49-F238E27FC236}">
+              <a16:creationId xmlns:a16="http://schemas.microsoft.com/office/drawing/2014/main" id="{C04A05D2-39E3-BF5B-575B-895EB851F32D}"/>
+            </a:ext>
+          </a:extLst>
+        </p:cNvPr>
+        <p:cNvGrpSpPr/>
+        <p:nvPr/>
+      </p:nvGrpSpPr>
+      <p:grpSpPr>
+        <a:xfrm>
+          <a:off x="0" y="0"/>
+          <a:ext cx="0" cy="0"/>
+          <a:chOff x="0" y="0"/>
+          <a:chExt cx="0" cy="0"/>
+        </a:xfrm>
+      </p:grpSpPr>
+      <p:sp>
+        <p:nvSpPr>
+          <p:cNvPr id="2" name="Titolo 1">
+            <a:extLst>
+              <a:ext uri="{FF2B5EF4-FFF2-40B4-BE49-F238E27FC236}">
+                <a16:creationId xmlns:a16="http://schemas.microsoft.com/office/drawing/2014/main" id="{A8D9EAF2-0DFE-C0B9-98FE-C07651384FB9}"/>
+              </a:ext>
+            </a:extLst>
+          </p:cNvPr>
+          <p:cNvSpPr>
+            <a:spLocks noGrp="1"/>
+          </p:cNvSpPr>
+          <p:nvPr>
+            <p:ph type="title"/>
+          </p:nvPr>
+        </p:nvSpPr>
+        <p:spPr>
+          <a:xfrm>
+            <a:off x="537210" y="577972"/>
+            <a:ext cx="11013948" cy="900683"/>
+          </a:xfrm>
+        </p:spPr>
+        <p:txBody>
+          <a:bodyPr>
+            <a:normAutofit/>
+          </a:bodyPr>
+          <a:lstStyle/>
+          <a:p>
+            <a:r>
+              <a:rPr lang="it-IT" dirty="0" err="1"/>
+              <a:t>DbContext</a:t>
+            </a:r>
+            <a:endParaRPr lang="it-IT" dirty="0"/>
+          </a:p>
+        </p:txBody>
+      </p:sp>
+      <p:sp>
+        <p:nvSpPr>
+          <p:cNvPr id="4" name="Segnaposto numero diapositiva 3">
+            <a:extLst>
+              <a:ext uri="{FF2B5EF4-FFF2-40B4-BE49-F238E27FC236}">
+                <a16:creationId xmlns:a16="http://schemas.microsoft.com/office/drawing/2014/main" id="{06426090-A99D-A3D1-F58B-61B5C4090B8F}"/>
+              </a:ext>
+            </a:extLst>
+          </p:cNvPr>
+          <p:cNvSpPr>
+            <a:spLocks noGrp="1"/>
+          </p:cNvSpPr>
+          <p:nvPr>
+            <p:ph type="sldNum" sz="quarter" idx="12"/>
+          </p:nvPr>
+        </p:nvSpPr>
+        <p:spPr/>
+        <p:txBody>
+          <a:bodyPr/>
+          <a:lstStyle/>
+          <a:p>
+            <a:fld id="{2EF81360-97CB-4A43-A0EB-C1B998444415}" type="slidenum">
+              <a:rPr lang="en-US" smtClean="0"/>
+              <a:t>11</a:t>
+            </a:fld>
+            <a:endParaRPr lang="en-US" dirty="0"/>
+          </a:p>
+        </p:txBody>
+      </p:sp>
+      <p:sp>
+        <p:nvSpPr>
+          <p:cNvPr id="6" name="CasellaDiTesto 5">
+            <a:extLst>
+              <a:ext uri="{FF2B5EF4-FFF2-40B4-BE49-F238E27FC236}">
+                <a16:creationId xmlns:a16="http://schemas.microsoft.com/office/drawing/2014/main" id="{FBF4F585-9F8A-8613-638C-F2B178954E85}"/>
+              </a:ext>
+            </a:extLst>
+          </p:cNvPr>
+          <p:cNvSpPr txBox="1"/>
+          <p:nvPr/>
+        </p:nvSpPr>
+        <p:spPr>
+          <a:xfrm>
+            <a:off x="768096" y="4325112"/>
+            <a:ext cx="10552176" cy="969264"/>
+          </a:xfrm>
+          <a:prstGeom prst="rect">
+            <a:avLst/>
+          </a:prstGeom>
+          <a:effectLst/>
+        </p:spPr>
+        <p:txBody>
+          <a:bodyPr vert="horz" wrap="square" lIns="0" tIns="192024" rIns="0" bIns="0" rtlCol="0" anchor="t" anchorCtr="0">
+            <a:noAutofit/>
+          </a:bodyPr>
+          <a:lstStyle/>
+          <a:p>
+            <a:pPr algn="l"/>
+            <a:endParaRPr lang="it-IT" sz="4400" dirty="0">
+              <a:latin typeface="Mathilde" panose="03050500000000020004" pitchFamily="66" charset="0"/>
+            </a:endParaRPr>
+          </a:p>
+        </p:txBody>
+      </p:sp>
+      <p:sp>
+        <p:nvSpPr>
+          <p:cNvPr id="7" name="CasellaDiTesto 6">
+            <a:extLst>
+              <a:ext uri="{FF2B5EF4-FFF2-40B4-BE49-F238E27FC236}">
+                <a16:creationId xmlns:a16="http://schemas.microsoft.com/office/drawing/2014/main" id="{F93F46CB-8E0D-07A1-A243-355F7D0932CD}"/>
+              </a:ext>
+            </a:extLst>
+          </p:cNvPr>
+          <p:cNvSpPr txBox="1"/>
+          <p:nvPr/>
+        </p:nvSpPr>
+        <p:spPr>
+          <a:xfrm>
+            <a:off x="635508" y="1517269"/>
+            <a:ext cx="4732020" cy="4769230"/>
+          </a:xfrm>
+          <a:prstGeom prst="rect">
+            <a:avLst/>
+          </a:prstGeom>
+          <a:effectLst/>
+        </p:spPr>
+        <p:txBody>
+          <a:bodyPr vert="horz" wrap="square" lIns="0" tIns="192024" rIns="0" bIns="0" rtlCol="0" anchor="t" anchorCtr="0">
+            <a:noAutofit/>
+          </a:bodyPr>
+          <a:lstStyle/>
+          <a:p>
+            <a:pPr algn="l"/>
+            <a:r>
+              <a:rPr lang="it-IT" dirty="0">
+                <a:latin typeface="Mathilde" panose="03050500000000020004" pitchFamily="66" charset="0"/>
+              </a:rPr>
+              <a:t>La classe </a:t>
+            </a:r>
+            <a:r>
+              <a:rPr lang="it-IT" dirty="0" err="1">
+                <a:latin typeface="Mathilde" panose="03050500000000020004" pitchFamily="66" charset="0"/>
+              </a:rPr>
+              <a:t>DbContext</a:t>
+            </a:r>
+            <a:r>
+              <a:rPr lang="it-IT" dirty="0">
+                <a:latin typeface="Mathilde" panose="03050500000000020004" pitchFamily="66" charset="0"/>
+              </a:rPr>
+              <a:t> è il cuore di </a:t>
+            </a:r>
+            <a:r>
+              <a:rPr lang="it-IT" dirty="0" err="1">
+                <a:latin typeface="Mathilde" panose="03050500000000020004" pitchFamily="66" charset="0"/>
+              </a:rPr>
+              <a:t>Entity</a:t>
+            </a:r>
+            <a:r>
+              <a:rPr lang="it-IT" dirty="0">
+                <a:latin typeface="Mathilde" panose="03050500000000020004" pitchFamily="66" charset="0"/>
+              </a:rPr>
+              <a:t> Framework, gestisce:</a:t>
+            </a:r>
+          </a:p>
+          <a:p>
+            <a:pPr algn="l"/>
+            <a:endParaRPr lang="it-IT" dirty="0">
+              <a:latin typeface="Mathilde" panose="03050500000000020004" pitchFamily="66" charset="0"/>
+            </a:endParaRPr>
+          </a:p>
+          <a:p>
+            <a:pPr marL="285750" indent="-285750" algn="l">
+              <a:buFont typeface="Arial" panose="020B0604020202020204" pitchFamily="34" charset="0"/>
+              <a:buChar char="•"/>
+            </a:pPr>
+            <a:r>
+              <a:rPr lang="it-IT" dirty="0">
+                <a:latin typeface="Mathilde" panose="03050500000000020004" pitchFamily="66" charset="0"/>
+              </a:rPr>
+              <a:t>Ciclo di vita degli accessi al DB</a:t>
+            </a:r>
+          </a:p>
+          <a:p>
+            <a:pPr marL="285750" indent="-285750" algn="l">
+              <a:buFont typeface="Arial" panose="020B0604020202020204" pitchFamily="34" charset="0"/>
+              <a:buChar char="•"/>
+            </a:pPr>
+            <a:r>
+              <a:rPr lang="it-IT" dirty="0">
+                <a:latin typeface="Mathilde" panose="03050500000000020004" pitchFamily="66" charset="0"/>
+              </a:rPr>
+              <a:t>Set di oggetti che mappano le tabelle</a:t>
+            </a:r>
+          </a:p>
+          <a:p>
+            <a:pPr marL="285750" indent="-285750" algn="l">
+              <a:buFont typeface="Arial" panose="020B0604020202020204" pitchFamily="34" charset="0"/>
+              <a:buChar char="•"/>
+            </a:pPr>
+            <a:r>
+              <a:rPr lang="it-IT" dirty="0">
+                <a:latin typeface="Mathilde" panose="03050500000000020004" pitchFamily="66" charset="0"/>
+              </a:rPr>
+              <a:t>Tracking delle entità</a:t>
+            </a:r>
+          </a:p>
+          <a:p>
+            <a:pPr marL="285750" indent="-285750" algn="l">
+              <a:buFont typeface="Arial" panose="020B0604020202020204" pitchFamily="34" charset="0"/>
+              <a:buChar char="•"/>
+            </a:pPr>
+            <a:r>
+              <a:rPr lang="it-IT" dirty="0">
+                <a:latin typeface="Mathilde" panose="03050500000000020004" pitchFamily="66" charset="0"/>
+              </a:rPr>
+              <a:t>Configurazioni delle entità</a:t>
+            </a:r>
+          </a:p>
+          <a:p>
+            <a:pPr marL="285750" indent="-285750" algn="l">
+              <a:buFont typeface="Arial" panose="020B0604020202020204" pitchFamily="34" charset="0"/>
+              <a:buChar char="•"/>
+            </a:pPr>
+            <a:r>
+              <a:rPr lang="it-IT" dirty="0">
+                <a:latin typeface="Mathilde" panose="03050500000000020004" pitchFamily="66" charset="0"/>
+              </a:rPr>
+              <a:t>Chiusura delle connessioni</a:t>
+            </a:r>
+          </a:p>
+          <a:p>
+            <a:pPr algn="l"/>
+            <a:endParaRPr lang="it-IT" dirty="0">
+              <a:latin typeface="Mathilde" panose="03050500000000020004" pitchFamily="66" charset="0"/>
+            </a:endParaRPr>
+          </a:p>
+          <a:p>
+            <a:pPr marL="285750" indent="-285750" algn="l">
+              <a:buFont typeface="Arial" panose="020B0604020202020204" pitchFamily="34" charset="0"/>
+              <a:buChar char="•"/>
+            </a:pPr>
+            <a:endParaRPr lang="it-IT" dirty="0">
+              <a:latin typeface="Mathilde" panose="03050500000000020004" pitchFamily="66" charset="0"/>
+            </a:endParaRPr>
+          </a:p>
+          <a:p>
+            <a:pPr marL="285750" indent="-285750" algn="l">
+              <a:buFont typeface="Arial" panose="020B0604020202020204" pitchFamily="34" charset="0"/>
+              <a:buChar char="•"/>
+            </a:pPr>
+            <a:endParaRPr lang="it-IT" dirty="0">
+              <a:latin typeface="Mathilde" panose="03050500000000020004" pitchFamily="66" charset="0"/>
+            </a:endParaRPr>
+          </a:p>
+        </p:txBody>
+      </p:sp>
+      <p:sp>
+        <p:nvSpPr>
+          <p:cNvPr id="5" name="CasellaDiTesto 4">
+            <a:extLst>
+              <a:ext uri="{FF2B5EF4-FFF2-40B4-BE49-F238E27FC236}">
+                <a16:creationId xmlns:a16="http://schemas.microsoft.com/office/drawing/2014/main" id="{F25338C7-A598-E501-A7FC-F49CE9C1C9F2}"/>
+              </a:ext>
+            </a:extLst>
+          </p:cNvPr>
+          <p:cNvSpPr txBox="1"/>
+          <p:nvPr/>
+        </p:nvSpPr>
+        <p:spPr>
+          <a:xfrm>
+            <a:off x="5715000" y="1534922"/>
+            <a:ext cx="6226127" cy="2677656"/>
+          </a:xfrm>
+          <a:prstGeom prst="rect">
+            <a:avLst/>
+          </a:prstGeom>
+          <a:solidFill>
+            <a:schemeClr val="accent4">
+              <a:lumMod val="50000"/>
+            </a:schemeClr>
+          </a:solidFill>
+          <a:effectLst/>
+        </p:spPr>
+        <p:txBody>
+          <a:bodyPr wrap="square">
+            <a:spAutoFit/>
+          </a:bodyPr>
+          <a:lstStyle/>
+          <a:p>
+            <a:r>
+              <a:rPr lang="it-IT" sz="1400" dirty="0">
+                <a:solidFill>
+                  <a:srgbClr val="C678DD"/>
+                </a:solidFill>
+                <a:effectLst/>
+                <a:latin typeface="Consolas" panose="020B0609020204030204" pitchFamily="49" charset="0"/>
+              </a:rPr>
+              <a:t>public</a:t>
+            </a:r>
+            <a:r>
+              <a:rPr lang="it-IT" sz="1400" dirty="0">
+                <a:latin typeface="Consolas" panose="020B0609020204030204" pitchFamily="49" charset="0"/>
+              </a:rPr>
+              <a:t> </a:t>
+            </a:r>
+            <a:r>
+              <a:rPr lang="it-IT" sz="1400" dirty="0">
+                <a:solidFill>
+                  <a:srgbClr val="C678DD"/>
+                </a:solidFill>
+                <a:effectLst/>
+                <a:latin typeface="Consolas" panose="020B0609020204030204" pitchFamily="49" charset="0"/>
+              </a:rPr>
+              <a:t>class</a:t>
+            </a:r>
+            <a:r>
+              <a:rPr lang="it-IT" sz="1400" dirty="0">
+                <a:latin typeface="Consolas" panose="020B0609020204030204" pitchFamily="49" charset="0"/>
+              </a:rPr>
+              <a:t> </a:t>
+            </a:r>
+            <a:r>
+              <a:rPr lang="it-IT" sz="1400" dirty="0" err="1">
+                <a:solidFill>
+                  <a:srgbClr val="D19A66"/>
+                </a:solidFill>
+                <a:effectLst/>
+                <a:latin typeface="Consolas" panose="020B0609020204030204" pitchFamily="49" charset="0"/>
+              </a:rPr>
+              <a:t>AppDbContext</a:t>
+            </a:r>
+            <a:r>
+              <a:rPr lang="it-IT" sz="1400" dirty="0">
+                <a:latin typeface="Consolas" panose="020B0609020204030204" pitchFamily="49" charset="0"/>
+              </a:rPr>
+              <a:t> </a:t>
+            </a:r>
+            <a:r>
+              <a:rPr lang="it-IT" sz="1400" dirty="0">
+                <a:solidFill>
+                  <a:srgbClr val="ABB2BF"/>
+                </a:solidFill>
+                <a:effectLst/>
+                <a:latin typeface="Consolas" panose="020B0609020204030204" pitchFamily="49" charset="0"/>
+              </a:rPr>
+              <a:t>:</a:t>
+            </a:r>
+            <a:r>
+              <a:rPr lang="it-IT" sz="1400" dirty="0">
+                <a:latin typeface="Consolas" panose="020B0609020204030204" pitchFamily="49" charset="0"/>
+              </a:rPr>
+              <a:t> </a:t>
+            </a:r>
+            <a:r>
+              <a:rPr lang="it-IT" sz="1400" dirty="0" err="1">
+                <a:solidFill>
+                  <a:srgbClr val="D19A66"/>
+                </a:solidFill>
+                <a:effectLst/>
+                <a:latin typeface="Consolas" panose="020B0609020204030204" pitchFamily="49" charset="0"/>
+              </a:rPr>
+              <a:t>DbContext</a:t>
+            </a:r>
+            <a:r>
+              <a:rPr lang="it-IT" sz="1400" dirty="0">
+                <a:latin typeface="Consolas" panose="020B0609020204030204" pitchFamily="49" charset="0"/>
+              </a:rPr>
+              <a:t> </a:t>
+            </a:r>
+            <a:r>
+              <a:rPr lang="it-IT" sz="1400" dirty="0">
+                <a:solidFill>
+                  <a:srgbClr val="ABB2BF"/>
+                </a:solidFill>
+                <a:effectLst/>
+                <a:latin typeface="Consolas" panose="020B0609020204030204" pitchFamily="49" charset="0"/>
+              </a:rPr>
+              <a:t>{</a:t>
+            </a:r>
+            <a:r>
+              <a:rPr lang="it-IT" sz="1400" dirty="0">
+                <a:latin typeface="Consolas" panose="020B0609020204030204" pitchFamily="49" charset="0"/>
+              </a:rPr>
+              <a:t> </a:t>
+            </a:r>
+          </a:p>
+          <a:p>
+            <a:r>
+              <a:rPr lang="it-IT" sz="1400" i="1" dirty="0">
+                <a:solidFill>
+                  <a:srgbClr val="5C6370"/>
+                </a:solidFill>
+                <a:effectLst/>
+                <a:latin typeface="Consolas" panose="020B0609020204030204" pitchFamily="49" charset="0"/>
+              </a:rPr>
+              <a:t>	// </a:t>
+            </a:r>
+            <a:r>
+              <a:rPr lang="it-IT" sz="1400" i="1" dirty="0" err="1">
+                <a:solidFill>
+                  <a:srgbClr val="5C6370"/>
+                </a:solidFill>
+                <a:effectLst/>
+                <a:latin typeface="Consolas" panose="020B0609020204030204" pitchFamily="49" charset="0"/>
+              </a:rPr>
+              <a:t>DbSet</a:t>
+            </a:r>
+            <a:r>
+              <a:rPr lang="it-IT" sz="1400" i="1" dirty="0">
+                <a:solidFill>
+                  <a:srgbClr val="5C6370"/>
+                </a:solidFill>
+                <a:effectLst/>
+                <a:latin typeface="Consolas" panose="020B0609020204030204" pitchFamily="49" charset="0"/>
+              </a:rPr>
+              <a:t> = "tabelle" del database</a:t>
+            </a:r>
+            <a:r>
+              <a:rPr lang="it-IT" sz="1400" dirty="0">
+                <a:latin typeface="Consolas" panose="020B0609020204030204" pitchFamily="49" charset="0"/>
+              </a:rPr>
+              <a:t> </a:t>
+            </a:r>
+          </a:p>
+          <a:p>
+            <a:r>
+              <a:rPr lang="it-IT" sz="1400" dirty="0">
+                <a:solidFill>
+                  <a:srgbClr val="C678DD"/>
+                </a:solidFill>
+                <a:effectLst/>
+                <a:latin typeface="Consolas" panose="020B0609020204030204" pitchFamily="49" charset="0"/>
+              </a:rPr>
+              <a:t>	public </a:t>
+            </a:r>
+            <a:r>
+              <a:rPr lang="it-IT" sz="1400" dirty="0" err="1">
+                <a:solidFill>
+                  <a:srgbClr val="D19A66"/>
+                </a:solidFill>
+                <a:effectLst/>
+                <a:latin typeface="Consolas" panose="020B0609020204030204" pitchFamily="49" charset="0"/>
+              </a:rPr>
+              <a:t>DbSet</a:t>
+            </a:r>
+            <a:r>
+              <a:rPr lang="it-IT" sz="1400" dirty="0">
+                <a:solidFill>
+                  <a:srgbClr val="ABB2BF"/>
+                </a:solidFill>
+                <a:effectLst/>
+                <a:latin typeface="Consolas" panose="020B0609020204030204" pitchFamily="49" charset="0"/>
+              </a:rPr>
+              <a:t>&lt;</a:t>
+            </a:r>
+            <a:r>
+              <a:rPr lang="it-IT" sz="1400" dirty="0">
+                <a:solidFill>
+                  <a:srgbClr val="D19A66"/>
+                </a:solidFill>
+                <a:effectLst/>
+                <a:latin typeface="Consolas" panose="020B0609020204030204" pitchFamily="49" charset="0"/>
+              </a:rPr>
+              <a:t>Product</a:t>
+            </a:r>
+            <a:r>
+              <a:rPr lang="it-IT" sz="1400" dirty="0">
+                <a:solidFill>
+                  <a:srgbClr val="ABB2BF"/>
+                </a:solidFill>
+                <a:effectLst/>
+                <a:latin typeface="Consolas" panose="020B0609020204030204" pitchFamily="49" charset="0"/>
+              </a:rPr>
+              <a:t>&gt;</a:t>
+            </a:r>
+            <a:r>
+              <a:rPr lang="it-IT" sz="1400" dirty="0">
+                <a:latin typeface="Consolas" panose="020B0609020204030204" pitchFamily="49" charset="0"/>
+              </a:rPr>
+              <a:t> </a:t>
+            </a:r>
+            <a:r>
+              <a:rPr lang="it-IT" sz="1400" dirty="0">
+                <a:solidFill>
+                  <a:schemeClr val="bg1"/>
+                </a:solidFill>
+                <a:latin typeface="Consolas" panose="020B0609020204030204" pitchFamily="49" charset="0"/>
+              </a:rPr>
+              <a:t>Products</a:t>
+            </a:r>
+            <a:r>
+              <a:rPr lang="it-IT" sz="1400" dirty="0">
+                <a:latin typeface="Consolas" panose="020B0609020204030204" pitchFamily="49" charset="0"/>
+              </a:rPr>
+              <a:t> </a:t>
+            </a:r>
+            <a:r>
+              <a:rPr lang="it-IT" sz="1400" dirty="0">
+                <a:solidFill>
+                  <a:srgbClr val="ABB2BF"/>
+                </a:solidFill>
+                <a:effectLst/>
+                <a:latin typeface="Consolas" panose="020B0609020204030204" pitchFamily="49" charset="0"/>
+              </a:rPr>
+              <a:t>{</a:t>
+            </a:r>
+            <a:r>
+              <a:rPr lang="it-IT" sz="1400" dirty="0">
+                <a:latin typeface="Consolas" panose="020B0609020204030204" pitchFamily="49" charset="0"/>
+              </a:rPr>
+              <a:t> </a:t>
+            </a:r>
+            <a:r>
+              <a:rPr lang="it-IT" sz="1400" dirty="0" err="1">
+                <a:solidFill>
+                  <a:srgbClr val="C678DD"/>
+                </a:solidFill>
+                <a:effectLst/>
+                <a:latin typeface="Consolas" panose="020B0609020204030204" pitchFamily="49" charset="0"/>
+              </a:rPr>
+              <a:t>get</a:t>
+            </a:r>
+            <a:r>
+              <a:rPr lang="it-IT" sz="1400" dirty="0">
+                <a:solidFill>
+                  <a:srgbClr val="ABB2BF"/>
+                </a:solidFill>
+                <a:effectLst/>
+                <a:latin typeface="Consolas" panose="020B0609020204030204" pitchFamily="49" charset="0"/>
+              </a:rPr>
+              <a:t>;</a:t>
+            </a:r>
+            <a:r>
+              <a:rPr lang="it-IT" sz="1400" dirty="0">
+                <a:latin typeface="Consolas" panose="020B0609020204030204" pitchFamily="49" charset="0"/>
+              </a:rPr>
+              <a:t> </a:t>
+            </a:r>
+            <a:r>
+              <a:rPr lang="it-IT" sz="1400" dirty="0">
+                <a:solidFill>
+                  <a:srgbClr val="C678DD"/>
+                </a:solidFill>
+                <a:effectLst/>
+                <a:latin typeface="Consolas" panose="020B0609020204030204" pitchFamily="49" charset="0"/>
+              </a:rPr>
+              <a:t>set</a:t>
+            </a:r>
+            <a:r>
+              <a:rPr lang="it-IT" sz="1400" dirty="0">
+                <a:solidFill>
+                  <a:srgbClr val="ABB2BF"/>
+                </a:solidFill>
+                <a:effectLst/>
+                <a:latin typeface="Consolas" panose="020B0609020204030204" pitchFamily="49" charset="0"/>
+              </a:rPr>
+              <a:t>;</a:t>
+            </a:r>
+            <a:r>
+              <a:rPr lang="it-IT" sz="1400" dirty="0">
+                <a:latin typeface="Consolas" panose="020B0609020204030204" pitchFamily="49" charset="0"/>
+              </a:rPr>
+              <a:t> </a:t>
+            </a:r>
+            <a:r>
+              <a:rPr lang="it-IT" sz="1400" dirty="0">
+                <a:solidFill>
+                  <a:srgbClr val="ABB2BF"/>
+                </a:solidFill>
+                <a:effectLst/>
+                <a:latin typeface="Consolas" panose="020B0609020204030204" pitchFamily="49" charset="0"/>
+              </a:rPr>
+              <a:t>}</a:t>
+            </a:r>
+            <a:r>
+              <a:rPr lang="it-IT" sz="1400" dirty="0">
+                <a:latin typeface="Consolas" panose="020B0609020204030204" pitchFamily="49" charset="0"/>
+              </a:rPr>
+              <a:t> </a:t>
+            </a:r>
+          </a:p>
+          <a:p>
+            <a:r>
+              <a:rPr lang="it-IT" sz="1400" dirty="0">
+                <a:solidFill>
+                  <a:srgbClr val="C678DD"/>
+                </a:solidFill>
+                <a:effectLst/>
+                <a:latin typeface="Consolas" panose="020B0609020204030204" pitchFamily="49" charset="0"/>
+              </a:rPr>
+              <a:t>	public</a:t>
+            </a:r>
+            <a:r>
+              <a:rPr lang="it-IT" sz="1400" dirty="0">
+                <a:solidFill>
+                  <a:srgbClr val="C678DD"/>
+                </a:solidFill>
+                <a:latin typeface="Consolas" panose="020B0609020204030204" pitchFamily="49" charset="0"/>
+              </a:rPr>
+              <a:t> </a:t>
+            </a:r>
+            <a:r>
+              <a:rPr lang="it-IT" sz="1400" dirty="0" err="1">
+                <a:solidFill>
+                  <a:srgbClr val="D19A66"/>
+                </a:solidFill>
+                <a:effectLst/>
+                <a:latin typeface="Consolas" panose="020B0609020204030204" pitchFamily="49" charset="0"/>
+              </a:rPr>
+              <a:t>DbSet</a:t>
+            </a:r>
+            <a:r>
+              <a:rPr lang="it-IT" sz="1400" dirty="0">
+                <a:solidFill>
+                  <a:srgbClr val="ABB2BF"/>
+                </a:solidFill>
+                <a:effectLst/>
+                <a:latin typeface="Consolas" panose="020B0609020204030204" pitchFamily="49" charset="0"/>
+              </a:rPr>
+              <a:t>&lt;</a:t>
+            </a:r>
+            <a:r>
+              <a:rPr lang="it-IT" sz="1400" dirty="0">
+                <a:solidFill>
+                  <a:srgbClr val="D19A66"/>
+                </a:solidFill>
+                <a:effectLst/>
+                <a:latin typeface="Consolas" panose="020B0609020204030204" pitchFamily="49" charset="0"/>
+              </a:rPr>
+              <a:t>Category</a:t>
+            </a:r>
+            <a:r>
+              <a:rPr lang="it-IT" sz="1400" dirty="0">
+                <a:solidFill>
+                  <a:srgbClr val="ABB2BF"/>
+                </a:solidFill>
+                <a:effectLst/>
+                <a:latin typeface="Consolas" panose="020B0609020204030204" pitchFamily="49" charset="0"/>
+              </a:rPr>
+              <a:t>&gt;</a:t>
+            </a:r>
+            <a:r>
+              <a:rPr lang="it-IT" sz="1400" dirty="0">
+                <a:latin typeface="Consolas" panose="020B0609020204030204" pitchFamily="49" charset="0"/>
+              </a:rPr>
+              <a:t> </a:t>
+            </a:r>
+            <a:r>
+              <a:rPr lang="it-IT" sz="1400" dirty="0" err="1">
+                <a:solidFill>
+                  <a:schemeClr val="bg1"/>
+                </a:solidFill>
+                <a:latin typeface="Consolas" panose="020B0609020204030204" pitchFamily="49" charset="0"/>
+              </a:rPr>
+              <a:t>Categories</a:t>
+            </a:r>
+            <a:r>
+              <a:rPr lang="it-IT" sz="1400" dirty="0">
+                <a:latin typeface="Consolas" panose="020B0609020204030204" pitchFamily="49" charset="0"/>
+              </a:rPr>
+              <a:t> </a:t>
+            </a:r>
+            <a:r>
+              <a:rPr lang="it-IT" sz="1400" dirty="0">
+                <a:solidFill>
+                  <a:srgbClr val="ABB2BF"/>
+                </a:solidFill>
+                <a:effectLst/>
+                <a:latin typeface="Consolas" panose="020B0609020204030204" pitchFamily="49" charset="0"/>
+              </a:rPr>
+              <a:t>{</a:t>
+            </a:r>
+            <a:r>
+              <a:rPr lang="it-IT" sz="1400" dirty="0">
+                <a:latin typeface="Consolas" panose="020B0609020204030204" pitchFamily="49" charset="0"/>
+              </a:rPr>
+              <a:t> </a:t>
+            </a:r>
+            <a:r>
+              <a:rPr lang="it-IT" sz="1400" dirty="0" err="1">
+                <a:solidFill>
+                  <a:srgbClr val="C678DD"/>
+                </a:solidFill>
+                <a:effectLst/>
+                <a:latin typeface="Consolas" panose="020B0609020204030204" pitchFamily="49" charset="0"/>
+              </a:rPr>
+              <a:t>get</a:t>
+            </a:r>
+            <a:r>
+              <a:rPr lang="it-IT" sz="1400" dirty="0">
+                <a:solidFill>
+                  <a:srgbClr val="ABB2BF"/>
+                </a:solidFill>
+                <a:effectLst/>
+                <a:latin typeface="Consolas" panose="020B0609020204030204" pitchFamily="49" charset="0"/>
+              </a:rPr>
+              <a:t>;</a:t>
+            </a:r>
+            <a:r>
+              <a:rPr lang="it-IT" sz="1400" dirty="0">
+                <a:latin typeface="Consolas" panose="020B0609020204030204" pitchFamily="49" charset="0"/>
+              </a:rPr>
+              <a:t> </a:t>
+            </a:r>
+            <a:r>
+              <a:rPr lang="it-IT" sz="1400" dirty="0">
+                <a:solidFill>
+                  <a:srgbClr val="C678DD"/>
+                </a:solidFill>
+                <a:effectLst/>
+                <a:latin typeface="Consolas" panose="020B0609020204030204" pitchFamily="49" charset="0"/>
+              </a:rPr>
+              <a:t>set</a:t>
+            </a:r>
+            <a:r>
+              <a:rPr lang="it-IT" sz="1400" dirty="0">
+                <a:solidFill>
+                  <a:srgbClr val="ABB2BF"/>
+                </a:solidFill>
+                <a:effectLst/>
+                <a:latin typeface="Consolas" panose="020B0609020204030204" pitchFamily="49" charset="0"/>
+              </a:rPr>
+              <a:t>;</a:t>
+            </a:r>
+            <a:r>
+              <a:rPr lang="it-IT" sz="1400" dirty="0">
+                <a:latin typeface="Consolas" panose="020B0609020204030204" pitchFamily="49" charset="0"/>
+              </a:rPr>
+              <a:t> </a:t>
+            </a:r>
+            <a:r>
+              <a:rPr lang="it-IT" sz="1400" dirty="0">
+                <a:solidFill>
+                  <a:srgbClr val="ABB2BF"/>
+                </a:solidFill>
+                <a:effectLst/>
+                <a:latin typeface="Consolas" panose="020B0609020204030204" pitchFamily="49" charset="0"/>
+              </a:rPr>
+              <a:t>}</a:t>
+            </a:r>
+            <a:r>
+              <a:rPr lang="it-IT" sz="1400" dirty="0">
+                <a:latin typeface="Consolas" panose="020B0609020204030204" pitchFamily="49" charset="0"/>
+              </a:rPr>
+              <a:t> </a:t>
+            </a:r>
+          </a:p>
+          <a:p>
+            <a:r>
+              <a:rPr lang="it-IT" sz="1400" dirty="0">
+                <a:solidFill>
+                  <a:srgbClr val="C678DD"/>
+                </a:solidFill>
+                <a:effectLst/>
+                <a:latin typeface="Consolas" panose="020B0609020204030204" pitchFamily="49" charset="0"/>
+              </a:rPr>
+              <a:t>	public</a:t>
+            </a:r>
+            <a:r>
+              <a:rPr lang="it-IT" sz="1400" dirty="0">
+                <a:solidFill>
+                  <a:srgbClr val="C678DD"/>
+                </a:solidFill>
+                <a:latin typeface="Consolas" panose="020B0609020204030204" pitchFamily="49" charset="0"/>
+              </a:rPr>
+              <a:t> </a:t>
+            </a:r>
+            <a:r>
+              <a:rPr lang="it-IT" sz="1400" dirty="0" err="1">
+                <a:solidFill>
+                  <a:srgbClr val="D19A66"/>
+                </a:solidFill>
+                <a:effectLst/>
+                <a:latin typeface="Consolas" panose="020B0609020204030204" pitchFamily="49" charset="0"/>
+              </a:rPr>
+              <a:t>DbSet</a:t>
+            </a:r>
+            <a:r>
+              <a:rPr lang="it-IT" sz="1400" dirty="0">
+                <a:solidFill>
+                  <a:srgbClr val="ABB2BF"/>
+                </a:solidFill>
+                <a:effectLst/>
+                <a:latin typeface="Consolas" panose="020B0609020204030204" pitchFamily="49" charset="0"/>
+              </a:rPr>
+              <a:t>&lt;</a:t>
+            </a:r>
+            <a:r>
+              <a:rPr lang="it-IT" sz="1400" dirty="0">
+                <a:solidFill>
+                  <a:srgbClr val="D19A66"/>
+                </a:solidFill>
+                <a:effectLst/>
+                <a:latin typeface="Consolas" panose="020B0609020204030204" pitchFamily="49" charset="0"/>
+              </a:rPr>
+              <a:t>Order</a:t>
+            </a:r>
+            <a:r>
+              <a:rPr lang="it-IT" sz="1400" dirty="0">
+                <a:solidFill>
+                  <a:srgbClr val="ABB2BF"/>
+                </a:solidFill>
+                <a:effectLst/>
+                <a:latin typeface="Consolas" panose="020B0609020204030204" pitchFamily="49" charset="0"/>
+              </a:rPr>
+              <a:t>&gt;</a:t>
+            </a:r>
+            <a:r>
+              <a:rPr lang="it-IT" sz="1400" dirty="0">
+                <a:latin typeface="Consolas" panose="020B0609020204030204" pitchFamily="49" charset="0"/>
+              </a:rPr>
+              <a:t> </a:t>
+            </a:r>
+            <a:r>
+              <a:rPr lang="it-IT" sz="1400" dirty="0" err="1">
+                <a:solidFill>
+                  <a:schemeClr val="bg1"/>
+                </a:solidFill>
+                <a:latin typeface="Consolas" panose="020B0609020204030204" pitchFamily="49" charset="0"/>
+              </a:rPr>
+              <a:t>Orders</a:t>
+            </a:r>
+            <a:r>
+              <a:rPr lang="it-IT" sz="1400" dirty="0">
+                <a:latin typeface="Consolas" panose="020B0609020204030204" pitchFamily="49" charset="0"/>
+              </a:rPr>
+              <a:t> </a:t>
+            </a:r>
+            <a:r>
+              <a:rPr lang="it-IT" sz="1400" dirty="0">
+                <a:solidFill>
+                  <a:srgbClr val="ABB2BF"/>
+                </a:solidFill>
+                <a:effectLst/>
+                <a:latin typeface="Consolas" panose="020B0609020204030204" pitchFamily="49" charset="0"/>
+              </a:rPr>
+              <a:t>{</a:t>
+            </a:r>
+            <a:r>
+              <a:rPr lang="it-IT" sz="1400" dirty="0">
+                <a:latin typeface="Consolas" panose="020B0609020204030204" pitchFamily="49" charset="0"/>
+              </a:rPr>
+              <a:t> </a:t>
+            </a:r>
+            <a:r>
+              <a:rPr lang="it-IT" sz="1400" dirty="0" err="1">
+                <a:solidFill>
+                  <a:srgbClr val="C678DD"/>
+                </a:solidFill>
+                <a:effectLst/>
+                <a:latin typeface="Consolas" panose="020B0609020204030204" pitchFamily="49" charset="0"/>
+              </a:rPr>
+              <a:t>get</a:t>
+            </a:r>
+            <a:r>
+              <a:rPr lang="it-IT" sz="1400" dirty="0">
+                <a:solidFill>
+                  <a:srgbClr val="ABB2BF"/>
+                </a:solidFill>
+                <a:effectLst/>
+                <a:latin typeface="Consolas" panose="020B0609020204030204" pitchFamily="49" charset="0"/>
+              </a:rPr>
+              <a:t>;</a:t>
+            </a:r>
+            <a:r>
+              <a:rPr lang="it-IT" sz="1400" dirty="0">
+                <a:latin typeface="Consolas" panose="020B0609020204030204" pitchFamily="49" charset="0"/>
+              </a:rPr>
+              <a:t> </a:t>
+            </a:r>
+            <a:r>
+              <a:rPr lang="it-IT" sz="1400" dirty="0">
+                <a:solidFill>
+                  <a:srgbClr val="C678DD"/>
+                </a:solidFill>
+                <a:effectLst/>
+                <a:latin typeface="Consolas" panose="020B0609020204030204" pitchFamily="49" charset="0"/>
+              </a:rPr>
+              <a:t>set</a:t>
+            </a:r>
+            <a:r>
+              <a:rPr lang="it-IT" sz="1400" dirty="0">
+                <a:solidFill>
+                  <a:srgbClr val="ABB2BF"/>
+                </a:solidFill>
+                <a:effectLst/>
+                <a:latin typeface="Consolas" panose="020B0609020204030204" pitchFamily="49" charset="0"/>
+              </a:rPr>
+              <a:t>;</a:t>
+            </a:r>
+            <a:r>
+              <a:rPr lang="it-IT" sz="1400" dirty="0">
+                <a:latin typeface="Consolas" panose="020B0609020204030204" pitchFamily="49" charset="0"/>
+              </a:rPr>
+              <a:t> </a:t>
+            </a:r>
+            <a:r>
+              <a:rPr lang="it-IT" sz="1400" dirty="0">
+                <a:solidFill>
+                  <a:srgbClr val="ABB2BF"/>
+                </a:solidFill>
+                <a:effectLst/>
+                <a:latin typeface="Consolas" panose="020B0609020204030204" pitchFamily="49" charset="0"/>
+              </a:rPr>
+              <a:t>}</a:t>
+            </a:r>
+          </a:p>
+          <a:p>
+            <a:endParaRPr lang="it-IT" sz="1400" dirty="0">
+              <a:solidFill>
+                <a:srgbClr val="ABB2BF"/>
+              </a:solidFill>
+              <a:effectLst/>
+              <a:latin typeface="Consolas" panose="020B0609020204030204" pitchFamily="49" charset="0"/>
+            </a:endParaRPr>
+          </a:p>
+          <a:p>
+            <a:r>
+              <a:rPr lang="it-IT" sz="1400" dirty="0">
+                <a:solidFill>
+                  <a:srgbClr val="C678DD"/>
+                </a:solidFill>
+                <a:effectLst/>
+                <a:latin typeface="Consolas" panose="020B0609020204030204" pitchFamily="49" charset="0"/>
+              </a:rPr>
+              <a:t>	public </a:t>
+            </a:r>
+            <a:r>
+              <a:rPr lang="it-IT" sz="1400" dirty="0" err="1">
+                <a:solidFill>
+                  <a:srgbClr val="61AFEF"/>
+                </a:solidFill>
+                <a:effectLst/>
+                <a:latin typeface="Consolas" panose="020B0609020204030204" pitchFamily="49" charset="0"/>
+              </a:rPr>
+              <a:t>AppDbContext</a:t>
+            </a:r>
+            <a:r>
+              <a:rPr lang="it-IT" sz="1400" dirty="0">
+                <a:solidFill>
+                  <a:srgbClr val="ABB2BF"/>
+                </a:solidFill>
+                <a:effectLst/>
+                <a:latin typeface="Consolas" panose="020B0609020204030204" pitchFamily="49" charset="0"/>
+              </a:rPr>
+              <a:t>(</a:t>
+            </a:r>
+            <a:r>
+              <a:rPr lang="it-IT" sz="1400" dirty="0" err="1">
+                <a:solidFill>
+                  <a:srgbClr val="D19A66"/>
+                </a:solidFill>
+                <a:effectLst/>
+                <a:latin typeface="Consolas" panose="020B0609020204030204" pitchFamily="49" charset="0"/>
+              </a:rPr>
+              <a:t>DbContextOptions</a:t>
+            </a:r>
+            <a:r>
+              <a:rPr lang="it-IT" sz="1400" dirty="0">
+                <a:solidFill>
+                  <a:srgbClr val="ABB2BF"/>
+                </a:solidFill>
+                <a:effectLst/>
+                <a:latin typeface="Consolas" panose="020B0609020204030204" pitchFamily="49" charset="0"/>
+              </a:rPr>
+              <a:t>&lt;</a:t>
+            </a:r>
+            <a:r>
+              <a:rPr lang="it-IT" sz="1400" dirty="0" err="1">
+                <a:solidFill>
+                  <a:srgbClr val="D19A66"/>
+                </a:solidFill>
+                <a:effectLst/>
+                <a:latin typeface="Consolas" panose="020B0609020204030204" pitchFamily="49" charset="0"/>
+              </a:rPr>
+              <a:t>AppDbContext</a:t>
+            </a:r>
+            <a:r>
+              <a:rPr lang="it-IT" sz="1400" dirty="0">
+                <a:solidFill>
+                  <a:srgbClr val="ABB2BF"/>
+                </a:solidFill>
+                <a:effectLst/>
+                <a:latin typeface="Consolas" panose="020B0609020204030204" pitchFamily="49" charset="0"/>
+              </a:rPr>
+              <a:t>&gt;</a:t>
+            </a:r>
+            <a:r>
+              <a:rPr lang="it-IT" sz="1400" dirty="0">
+                <a:latin typeface="Consolas" panose="020B0609020204030204" pitchFamily="49" charset="0"/>
+              </a:rPr>
+              <a:t> </a:t>
+            </a:r>
+            <a:r>
+              <a:rPr lang="it-IT" sz="1400" dirty="0">
+                <a:solidFill>
+                  <a:srgbClr val="ABB2BF"/>
+                </a:solidFill>
+                <a:latin typeface="Consolas" panose="020B0609020204030204" pitchFamily="49" charset="0"/>
+              </a:rPr>
+              <a:t>( 	</a:t>
+            </a:r>
+            <a:r>
+              <a:rPr lang="it-IT" sz="1400" dirty="0">
+                <a:solidFill>
+                  <a:schemeClr val="bg1"/>
+                </a:solidFill>
+                <a:latin typeface="Consolas" panose="020B0609020204030204" pitchFamily="49" charset="0"/>
+              </a:rPr>
+              <a:t>options</a:t>
+            </a:r>
+            <a:r>
+              <a:rPr lang="it-IT" sz="1400" dirty="0">
+                <a:solidFill>
+                  <a:srgbClr val="ABB2BF"/>
+                </a:solidFill>
+                <a:effectLst/>
+                <a:latin typeface="Consolas" panose="020B0609020204030204" pitchFamily="49" charset="0"/>
+              </a:rPr>
+              <a:t>)</a:t>
+            </a:r>
+            <a:r>
+              <a:rPr lang="it-IT" sz="1400" dirty="0">
+                <a:latin typeface="Consolas" panose="020B0609020204030204" pitchFamily="49" charset="0"/>
+              </a:rPr>
+              <a:t> </a:t>
+            </a:r>
+            <a:r>
+              <a:rPr lang="it-IT" sz="1400" dirty="0">
+                <a:solidFill>
+                  <a:srgbClr val="ABB2BF"/>
+                </a:solidFill>
+                <a:effectLst/>
+                <a:latin typeface="Consolas" panose="020B0609020204030204" pitchFamily="49" charset="0"/>
+              </a:rPr>
+              <a:t>:</a:t>
+            </a:r>
+            <a:r>
+              <a:rPr lang="it-IT" sz="1400" dirty="0">
+                <a:latin typeface="Consolas" panose="020B0609020204030204" pitchFamily="49" charset="0"/>
+              </a:rPr>
+              <a:t> </a:t>
+            </a:r>
+            <a:r>
+              <a:rPr lang="it-IT" sz="1400" dirty="0">
+                <a:solidFill>
+                  <a:srgbClr val="C678DD"/>
+                </a:solidFill>
+                <a:effectLst/>
+                <a:latin typeface="Consolas" panose="020B0609020204030204" pitchFamily="49" charset="0"/>
+              </a:rPr>
+              <a:t>base</a:t>
+            </a:r>
+            <a:r>
+              <a:rPr lang="it-IT" sz="1400" dirty="0">
+                <a:solidFill>
+                  <a:srgbClr val="ABB2BF"/>
+                </a:solidFill>
+                <a:effectLst/>
+                <a:latin typeface="Consolas" panose="020B0609020204030204" pitchFamily="49" charset="0"/>
+              </a:rPr>
+              <a:t>(</a:t>
+            </a:r>
+            <a:r>
+              <a:rPr lang="it-IT" sz="1400" dirty="0">
+                <a:solidFill>
+                  <a:schemeClr val="bg1"/>
+                </a:solidFill>
+                <a:latin typeface="Consolas" panose="020B0609020204030204" pitchFamily="49" charset="0"/>
+              </a:rPr>
+              <a:t>options</a:t>
+            </a:r>
+            <a:r>
+              <a:rPr lang="it-IT" sz="1400" dirty="0">
+                <a:solidFill>
+                  <a:srgbClr val="ABB2BF"/>
+                </a:solidFill>
+                <a:effectLst/>
+                <a:latin typeface="Consolas" panose="020B0609020204030204" pitchFamily="49" charset="0"/>
+              </a:rPr>
+              <a:t>)</a:t>
+            </a:r>
+            <a:r>
+              <a:rPr lang="it-IT" sz="1400" dirty="0">
+                <a:latin typeface="Consolas" panose="020B0609020204030204" pitchFamily="49" charset="0"/>
+              </a:rPr>
+              <a:t> </a:t>
+            </a:r>
+            <a:r>
+              <a:rPr lang="it-IT" sz="1400" dirty="0">
+                <a:solidFill>
+                  <a:srgbClr val="ABB2BF"/>
+                </a:solidFill>
+                <a:effectLst/>
+                <a:latin typeface="Consolas" panose="020B0609020204030204" pitchFamily="49" charset="0"/>
+              </a:rPr>
+              <a:t>{</a:t>
+            </a:r>
+            <a:r>
+              <a:rPr lang="it-IT" sz="1400" dirty="0">
+                <a:latin typeface="Consolas" panose="020B0609020204030204" pitchFamily="49" charset="0"/>
+              </a:rPr>
+              <a:t> </a:t>
+            </a:r>
+            <a:r>
+              <a:rPr lang="it-IT" sz="1400" dirty="0">
+                <a:solidFill>
+                  <a:srgbClr val="ABB2BF"/>
+                </a:solidFill>
+                <a:effectLst/>
+                <a:latin typeface="Consolas" panose="020B0609020204030204" pitchFamily="49" charset="0"/>
+              </a:rPr>
+              <a:t>}</a:t>
+            </a:r>
+          </a:p>
+          <a:p>
+            <a:endParaRPr lang="it-IT" sz="1400" dirty="0">
+              <a:solidFill>
+                <a:srgbClr val="ABB2BF"/>
+              </a:solidFill>
+              <a:latin typeface="Consolas" panose="020B0609020204030204" pitchFamily="49" charset="0"/>
+            </a:endParaRPr>
+          </a:p>
+          <a:p>
+            <a:r>
+              <a:rPr lang="it-IT" sz="1400" dirty="0">
+                <a:solidFill>
+                  <a:srgbClr val="C678DD"/>
+                </a:solidFill>
+                <a:effectLst/>
+                <a:latin typeface="Consolas" panose="020B0609020204030204" pitchFamily="49" charset="0"/>
+              </a:rPr>
+              <a:t>	</a:t>
+            </a:r>
+            <a:r>
+              <a:rPr lang="it-IT" sz="1400" dirty="0" err="1">
+                <a:solidFill>
+                  <a:srgbClr val="C678DD"/>
+                </a:solidFill>
+                <a:effectLst/>
+                <a:latin typeface="Consolas" panose="020B0609020204030204" pitchFamily="49" charset="0"/>
+              </a:rPr>
+              <a:t>protected</a:t>
+            </a:r>
+            <a:r>
+              <a:rPr lang="it-IT" sz="1400" dirty="0">
+                <a:latin typeface="Consolas" panose="020B0609020204030204" pitchFamily="49" charset="0"/>
+              </a:rPr>
+              <a:t> </a:t>
+            </a:r>
+            <a:r>
+              <a:rPr lang="it-IT" sz="1400" dirty="0" err="1">
+                <a:solidFill>
+                  <a:srgbClr val="C678DD"/>
+                </a:solidFill>
+                <a:effectLst/>
+                <a:latin typeface="Consolas" panose="020B0609020204030204" pitchFamily="49" charset="0"/>
+              </a:rPr>
+              <a:t>override</a:t>
+            </a:r>
+            <a:r>
+              <a:rPr lang="it-IT" sz="1400" dirty="0">
+                <a:latin typeface="Consolas" panose="020B0609020204030204" pitchFamily="49" charset="0"/>
+              </a:rPr>
+              <a:t> </a:t>
+            </a:r>
+            <a:r>
+              <a:rPr lang="it-IT" sz="1400" dirty="0" err="1">
+                <a:solidFill>
+                  <a:srgbClr val="C678DD"/>
+                </a:solidFill>
+                <a:effectLst/>
+                <a:latin typeface="Consolas" panose="020B0609020204030204" pitchFamily="49" charset="0"/>
+              </a:rPr>
+              <a:t>void</a:t>
+            </a:r>
+            <a:r>
+              <a:rPr lang="it-IT" sz="1400" dirty="0">
+                <a:latin typeface="Consolas" panose="020B0609020204030204" pitchFamily="49" charset="0"/>
+              </a:rPr>
+              <a:t> </a:t>
+            </a:r>
+            <a:r>
+              <a:rPr lang="it-IT" sz="1400" dirty="0" err="1">
+                <a:solidFill>
+                  <a:srgbClr val="61AFEF"/>
+                </a:solidFill>
+                <a:effectLst/>
+                <a:latin typeface="Consolas" panose="020B0609020204030204" pitchFamily="49" charset="0"/>
+              </a:rPr>
+              <a:t>OnModelCreating</a:t>
+            </a:r>
+            <a:r>
+              <a:rPr lang="it-IT" sz="1400" dirty="0">
+                <a:solidFill>
+                  <a:srgbClr val="ABB2BF"/>
+                </a:solidFill>
+                <a:effectLst/>
+                <a:latin typeface="Consolas" panose="020B0609020204030204" pitchFamily="49" charset="0"/>
+              </a:rPr>
+              <a:t>(</a:t>
+            </a:r>
+            <a:r>
+              <a:rPr lang="it-IT" sz="1400" dirty="0" err="1">
+                <a:solidFill>
+                  <a:srgbClr val="D19A66"/>
+                </a:solidFill>
+                <a:effectLst/>
+                <a:latin typeface="Consolas" panose="020B0609020204030204" pitchFamily="49" charset="0"/>
+              </a:rPr>
+              <a:t>ModelBuilder</a:t>
+            </a:r>
+            <a:r>
+              <a:rPr lang="it-IT" sz="1400" dirty="0">
+                <a:latin typeface="Consolas" panose="020B0609020204030204" pitchFamily="49" charset="0"/>
+              </a:rPr>
+              <a:t> 	</a:t>
+            </a:r>
+            <a:r>
+              <a:rPr lang="it-IT" sz="1400" dirty="0" err="1">
+                <a:solidFill>
+                  <a:schemeClr val="bg1"/>
+                </a:solidFill>
+                <a:latin typeface="Consolas" panose="020B0609020204030204" pitchFamily="49" charset="0"/>
+              </a:rPr>
+              <a:t>modelBuilder</a:t>
+            </a:r>
+            <a:r>
+              <a:rPr lang="it-IT" sz="1400" dirty="0">
+                <a:solidFill>
+                  <a:srgbClr val="ABB2BF"/>
+                </a:solidFill>
+                <a:effectLst/>
+                <a:latin typeface="Consolas" panose="020B0609020204030204" pitchFamily="49" charset="0"/>
+              </a:rPr>
+              <a:t>)</a:t>
+            </a:r>
+            <a:r>
+              <a:rPr lang="it-IT" sz="1400" dirty="0">
+                <a:latin typeface="Consolas" panose="020B0609020204030204" pitchFamily="49" charset="0"/>
+              </a:rPr>
+              <a:t> </a:t>
+            </a:r>
+            <a:r>
+              <a:rPr lang="it-IT" sz="1400" dirty="0">
+                <a:solidFill>
+                  <a:srgbClr val="ABB2BF"/>
+                </a:solidFill>
+                <a:effectLst/>
+                <a:latin typeface="Consolas" panose="020B0609020204030204" pitchFamily="49" charset="0"/>
+              </a:rPr>
+              <a:t>{}</a:t>
+            </a:r>
+          </a:p>
+          <a:p>
+            <a:r>
+              <a:rPr lang="it-IT" sz="1400" dirty="0">
+                <a:solidFill>
+                  <a:srgbClr val="ABB2BF"/>
+                </a:solidFill>
+                <a:latin typeface="Consolas" panose="020B0609020204030204" pitchFamily="49" charset="0"/>
+              </a:rPr>
+              <a:t>}</a:t>
+            </a:r>
+            <a:endParaRPr lang="it-IT" sz="1400" dirty="0">
+              <a:latin typeface="Consolas" panose="020B0609020204030204" pitchFamily="49" charset="0"/>
+            </a:endParaRPr>
+          </a:p>
+        </p:txBody>
+      </p:sp>
+    </p:spTree>
+    <p:extLst>
+      <p:ext uri="{BB962C8B-B14F-4D97-AF65-F5344CB8AC3E}">
+        <p14:creationId xmlns:p14="http://schemas.microsoft.com/office/powerpoint/2010/main" val="949185704"/>
       </p:ext>
     </p:extLst>
   </p:cSld>
@@ -27665,6 +29327,108 @@
         <p:cNvPr id="1" name="">
           <a:extLst>
             <a:ext uri="{FF2B5EF4-FFF2-40B4-BE49-F238E27FC236}">
+              <a16:creationId xmlns:a16="http://schemas.microsoft.com/office/drawing/2014/main" id="{28ABA157-E7E8-7761-57E5-FEF8744A8265}"/>
+            </a:ext>
+          </a:extLst>
+        </p:cNvPr>
+        <p:cNvGrpSpPr/>
+        <p:nvPr/>
+      </p:nvGrpSpPr>
+      <p:grpSpPr>
+        <a:xfrm>
+          <a:off x="0" y="0"/>
+          <a:ext cx="0" cy="0"/>
+          <a:chOff x="0" y="0"/>
+          <a:chExt cx="0" cy="0"/>
+        </a:xfrm>
+      </p:grpSpPr>
+      <p:sp>
+        <p:nvSpPr>
+          <p:cNvPr id="2" name="Titolo 1">
+            <a:extLst>
+              <a:ext uri="{FF2B5EF4-FFF2-40B4-BE49-F238E27FC236}">
+                <a16:creationId xmlns:a16="http://schemas.microsoft.com/office/drawing/2014/main" id="{117BFC3C-7C46-F1E6-49D4-E1F7EC30CC53}"/>
+              </a:ext>
+            </a:extLst>
+          </p:cNvPr>
+          <p:cNvSpPr>
+            <a:spLocks noGrp="1"/>
+          </p:cNvSpPr>
+          <p:nvPr>
+            <p:ph type="title"/>
+          </p:nvPr>
+        </p:nvSpPr>
+        <p:spPr>
+          <a:xfrm>
+            <a:off x="1459611" y="2985065"/>
+            <a:ext cx="9272778" cy="887869"/>
+          </a:xfrm>
+        </p:spPr>
+        <p:txBody>
+          <a:bodyPr/>
+          <a:lstStyle/>
+          <a:p>
+            <a:pPr marL="457200" indent="-457200" algn="ctr">
+              <a:buFont typeface="+mj-lt"/>
+              <a:buAutoNum type="arabicPeriod"/>
+            </a:pPr>
+            <a:r>
+              <a:rPr lang="it-IT" sz="4800" dirty="0"/>
+              <a:t> Introduzione e Concetti Base</a:t>
+            </a:r>
+          </a:p>
+        </p:txBody>
+      </p:sp>
+      <p:sp>
+        <p:nvSpPr>
+          <p:cNvPr id="4" name="Segnaposto numero diapositiva 3">
+            <a:extLst>
+              <a:ext uri="{FF2B5EF4-FFF2-40B4-BE49-F238E27FC236}">
+                <a16:creationId xmlns:a16="http://schemas.microsoft.com/office/drawing/2014/main" id="{A626D79A-404E-7FAC-1E91-749D1DC95C6F}"/>
+              </a:ext>
+            </a:extLst>
+          </p:cNvPr>
+          <p:cNvSpPr>
+            <a:spLocks noGrp="1"/>
+          </p:cNvSpPr>
+          <p:nvPr>
+            <p:ph type="sldNum" sz="quarter" idx="16"/>
+          </p:nvPr>
+        </p:nvSpPr>
+        <p:spPr/>
+        <p:txBody>
+          <a:bodyPr/>
+          <a:lstStyle/>
+          <a:p>
+            <a:fld id="{E32394A6-AED1-4B79-B4B6-933D748A7F18}" type="slidenum">
+              <a:rPr lang="en-US" smtClean="0"/>
+              <a:t>3</a:t>
+            </a:fld>
+            <a:endParaRPr lang="en-US"/>
+          </a:p>
+        </p:txBody>
+      </p:sp>
+    </p:spTree>
+    <p:extLst>
+      <p:ext uri="{BB962C8B-B14F-4D97-AF65-F5344CB8AC3E}">
+        <p14:creationId xmlns:p14="http://schemas.microsoft.com/office/powerpoint/2010/main" val="2447990501"/>
+      </p:ext>
+    </p:extLst>
+  </p:cSld>
+  <p:clrMapOvr>
+    <a:masterClrMapping/>
+  </p:clrMapOvr>
+</p:sld>
+</file>
+
+<file path=ppt/slides/slide4.xml><?xml version="1.0" encoding="utf-8"?>
+<p:sld xmlns:a="http://schemas.openxmlformats.org/drawingml/2006/main" xmlns:r="http://schemas.openxmlformats.org/officeDocument/2006/relationships" xmlns:p="http://schemas.openxmlformats.org/presentationml/2006/main">
+  <p:cSld>
+    <p:spTree>
+      <p:nvGrpSpPr>
+        <p:cNvPr id="1" name="">
+          <a:extLst>
+            <a:ext uri="{FF2B5EF4-FFF2-40B4-BE49-F238E27FC236}">
               <a16:creationId xmlns:a16="http://schemas.microsoft.com/office/drawing/2014/main" id="{8E4FF55A-6F71-5966-0F2E-D2FE6D61F4C2}"/>
             </a:ext>
           </a:extLst>
@@ -27703,7 +29467,7 @@
           <a:p>
             <a:fld id="{E32394A6-AED1-4B79-B4B6-933D748A7F18}" type="slidenum">
               <a:rPr lang="en-US" smtClean="0"/>
-              <a:t>3</a:t>
+              <a:t>4</a:t>
             </a:fld>
             <a:endParaRPr lang="en-US"/>
           </a:p>
@@ -27915,1021 +29679,6 @@
     <p:extLst>
       <p:ext uri="{BB962C8B-B14F-4D97-AF65-F5344CB8AC3E}">
         <p14:creationId xmlns:p14="http://schemas.microsoft.com/office/powerpoint/2010/main" val="1296884621"/>
-      </p:ext>
-    </p:extLst>
-  </p:cSld>
-  <p:clrMapOvr>
-    <a:masterClrMapping/>
-  </p:clrMapOvr>
-</p:sld>
-</file>
-
-<file path=ppt/slides/slide4.xml><?xml version="1.0" encoding="utf-8"?>
-<p:sld xmlns:a="http://schemas.openxmlformats.org/drawingml/2006/main" xmlns:r="http://schemas.openxmlformats.org/officeDocument/2006/relationships" xmlns:p="http://schemas.openxmlformats.org/presentationml/2006/main">
-  <p:cSld>
-    <p:spTree>
-      <p:nvGrpSpPr>
-        <p:cNvPr id="1" name=""/>
-        <p:cNvGrpSpPr/>
-        <p:nvPr/>
-      </p:nvGrpSpPr>
-      <p:grpSpPr>
-        <a:xfrm>
-          <a:off x="0" y="0"/>
-          <a:ext cx="0" cy="0"/>
-          <a:chOff x="0" y="0"/>
-          <a:chExt cx="0" cy="0"/>
-        </a:xfrm>
-      </p:grpSpPr>
-      <p:sp>
-        <p:nvSpPr>
-          <p:cNvPr id="2" name="Titolo 1">
-            <a:extLst>
-              <a:ext uri="{FF2B5EF4-FFF2-40B4-BE49-F238E27FC236}">
-                <a16:creationId xmlns:a16="http://schemas.microsoft.com/office/drawing/2014/main" id="{DE8B02C8-E9DD-FEB7-83F7-AFA304EA5A69}"/>
-              </a:ext>
-            </a:extLst>
-          </p:cNvPr>
-          <p:cNvSpPr>
-            <a:spLocks noGrp="1"/>
-          </p:cNvSpPr>
-          <p:nvPr>
-            <p:ph type="title"/>
-          </p:nvPr>
-        </p:nvSpPr>
-        <p:spPr>
-          <a:xfrm>
-            <a:off x="571500" y="191123"/>
-            <a:ext cx="4530852" cy="759853"/>
-          </a:xfrm>
-        </p:spPr>
-        <p:txBody>
-          <a:bodyPr/>
-          <a:lstStyle/>
-          <a:p>
-            <a:r>
-              <a:rPr lang="it-IT" sz="4000" dirty="0" err="1"/>
-              <a:t>Entity</a:t>
-            </a:r>
-            <a:r>
-              <a:rPr lang="it-IT" sz="4000" dirty="0"/>
-              <a:t> Framework</a:t>
-            </a:r>
-          </a:p>
-        </p:txBody>
-      </p:sp>
-      <p:sp>
-        <p:nvSpPr>
-          <p:cNvPr id="3" name="Segnaposto contenuto 2">
-            <a:extLst>
-              <a:ext uri="{FF2B5EF4-FFF2-40B4-BE49-F238E27FC236}">
-                <a16:creationId xmlns:a16="http://schemas.microsoft.com/office/drawing/2014/main" id="{5482C3BE-9936-E301-AF99-F4C3455EAD50}"/>
-              </a:ext>
-            </a:extLst>
-          </p:cNvPr>
-          <p:cNvSpPr>
-            <a:spLocks noGrp="1"/>
-          </p:cNvSpPr>
-          <p:nvPr>
-            <p:ph sz="quarter" idx="13"/>
-          </p:nvPr>
-        </p:nvSpPr>
-        <p:spPr>
-          <a:xfrm>
-            <a:off x="571500" y="1101309"/>
-            <a:ext cx="10319004" cy="2556292"/>
-          </a:xfrm>
-        </p:spPr>
-        <p:txBody>
-          <a:bodyPr>
-            <a:normAutofit/>
-          </a:bodyPr>
-          <a:lstStyle/>
-          <a:p>
-            <a:pPr marL="342900" indent="-342900">
-              <a:buFont typeface="Arial" panose="020B0604020202020204" pitchFamily="34" charset="0"/>
-              <a:buChar char="•"/>
-            </a:pPr>
-            <a:r>
-              <a:rPr lang="it-IT" sz="1800" dirty="0"/>
-              <a:t>ORM (Object-Relation Mapper)</a:t>
-            </a:r>
-          </a:p>
-          <a:p>
-            <a:pPr marL="342900" indent="-342900">
-              <a:buFont typeface="Arial" panose="020B0604020202020204" pitchFamily="34" charset="0"/>
-              <a:buChar char="•"/>
-            </a:pPr>
-            <a:r>
-              <a:rPr lang="it-IT" sz="1800" dirty="0"/>
-              <a:t>Permette di lavorare con il database usando oggetti C# invece di SQL</a:t>
-            </a:r>
-          </a:p>
-          <a:p>
-            <a:pPr marL="342900" indent="-342900">
-              <a:buFont typeface="Arial" panose="020B0604020202020204" pitchFamily="34" charset="0"/>
-              <a:buChar char="•"/>
-            </a:pPr>
-            <a:r>
-              <a:rPr lang="it-IT" sz="1800" dirty="0"/>
-              <a:t>Traduce il mondo degli oggetti e il mondo relazionale</a:t>
-            </a:r>
-          </a:p>
-          <a:p>
-            <a:pPr marL="342900" indent="-342900">
-              <a:buFont typeface="Arial" panose="020B0604020202020204" pitchFamily="34" charset="0"/>
-              <a:buChar char="•"/>
-            </a:pPr>
-            <a:r>
-              <a:rPr lang="it-IT" sz="1800" dirty="0"/>
-              <a:t>Gestisce automaticamente la connessione al database, query e tracking delle modifiche</a:t>
-            </a:r>
-          </a:p>
-        </p:txBody>
-      </p:sp>
-      <p:sp>
-        <p:nvSpPr>
-          <p:cNvPr id="4" name="Segnaposto numero diapositiva 3">
-            <a:extLst>
-              <a:ext uri="{FF2B5EF4-FFF2-40B4-BE49-F238E27FC236}">
-                <a16:creationId xmlns:a16="http://schemas.microsoft.com/office/drawing/2014/main" id="{CDF108BF-C237-D2B8-56C9-F98393A32C23}"/>
-              </a:ext>
-            </a:extLst>
-          </p:cNvPr>
-          <p:cNvSpPr>
-            <a:spLocks noGrp="1"/>
-          </p:cNvSpPr>
-          <p:nvPr>
-            <p:ph type="sldNum" sz="quarter" idx="16"/>
-          </p:nvPr>
-        </p:nvSpPr>
-        <p:spPr/>
-        <p:txBody>
-          <a:bodyPr/>
-          <a:lstStyle/>
-          <a:p>
-            <a:fld id="{E32394A6-AED1-4B79-B4B6-933D748A7F18}" type="slidenum">
-              <a:rPr lang="en-US" smtClean="0"/>
-              <a:t>4</a:t>
-            </a:fld>
-            <a:endParaRPr lang="en-US"/>
-          </a:p>
-        </p:txBody>
-      </p:sp>
-      <p:sp>
-        <p:nvSpPr>
-          <p:cNvPr id="5" name="CasellaDiTesto 4">
-            <a:extLst>
-              <a:ext uri="{FF2B5EF4-FFF2-40B4-BE49-F238E27FC236}">
-                <a16:creationId xmlns:a16="http://schemas.microsoft.com/office/drawing/2014/main" id="{26EC3661-29EF-7548-2983-ACF25C3A52BC}"/>
-              </a:ext>
-            </a:extLst>
-          </p:cNvPr>
-          <p:cNvSpPr txBox="1"/>
-          <p:nvPr/>
-        </p:nvSpPr>
-        <p:spPr>
-          <a:xfrm>
-            <a:off x="905256" y="3931920"/>
-            <a:ext cx="10149840" cy="2331720"/>
-          </a:xfrm>
-          <a:prstGeom prst="rect">
-            <a:avLst/>
-          </a:prstGeom>
-          <a:effectLst/>
-        </p:spPr>
-        <p:txBody>
-          <a:bodyPr vert="horz" wrap="square" lIns="0" tIns="192024" rIns="0" bIns="0" rtlCol="0" anchor="t" anchorCtr="0">
-            <a:noAutofit/>
-          </a:bodyPr>
-          <a:lstStyle/>
-          <a:p>
-            <a:pPr algn="l"/>
-            <a:endParaRPr lang="it-IT" sz="4400" dirty="0">
-              <a:latin typeface="Mathilde" panose="03050500000000020004" pitchFamily="66" charset="0"/>
-            </a:endParaRPr>
-          </a:p>
-        </p:txBody>
-      </p:sp>
-      <p:sp>
-        <p:nvSpPr>
-          <p:cNvPr id="6" name="CasellaDiTesto 5">
-            <a:extLst>
-              <a:ext uri="{FF2B5EF4-FFF2-40B4-BE49-F238E27FC236}">
-                <a16:creationId xmlns:a16="http://schemas.microsoft.com/office/drawing/2014/main" id="{C4FFECEF-6242-3161-2C8B-0805895BE14F}"/>
-              </a:ext>
-            </a:extLst>
-          </p:cNvPr>
-          <p:cNvSpPr txBox="1"/>
-          <p:nvPr/>
-        </p:nvSpPr>
-        <p:spPr>
-          <a:xfrm>
-            <a:off x="571500" y="3657601"/>
-            <a:ext cx="10715244" cy="2478023"/>
-          </a:xfrm>
-          <a:prstGeom prst="rect">
-            <a:avLst/>
-          </a:prstGeom>
-          <a:effectLst/>
-        </p:spPr>
-        <p:txBody>
-          <a:bodyPr vert="horz" wrap="square" lIns="0" tIns="192024" rIns="0" bIns="0" rtlCol="0" anchor="t" anchorCtr="0">
-            <a:noAutofit/>
-          </a:bodyPr>
-          <a:lstStyle/>
-          <a:p>
-            <a:pPr algn="l"/>
-            <a:endParaRPr lang="it-IT" sz="4400" dirty="0">
-              <a:latin typeface="Mathilde" panose="03050500000000020004" pitchFamily="66" charset="0"/>
-            </a:endParaRPr>
-          </a:p>
-        </p:txBody>
-      </p:sp>
-      <p:sp>
-        <p:nvSpPr>
-          <p:cNvPr id="8" name="CasellaDiTesto 7">
-            <a:extLst>
-              <a:ext uri="{FF2B5EF4-FFF2-40B4-BE49-F238E27FC236}">
-                <a16:creationId xmlns:a16="http://schemas.microsoft.com/office/drawing/2014/main" id="{332DF58A-8D94-0B62-497F-6FE0BD089833}"/>
-              </a:ext>
-            </a:extLst>
-          </p:cNvPr>
-          <p:cNvSpPr txBox="1"/>
-          <p:nvPr/>
-        </p:nvSpPr>
-        <p:spPr>
-          <a:xfrm>
-            <a:off x="571500" y="3657601"/>
-            <a:ext cx="11257788" cy="2585323"/>
-          </a:xfrm>
-          <a:prstGeom prst="rect">
-            <a:avLst/>
-          </a:prstGeom>
-          <a:solidFill>
-            <a:schemeClr val="accent4">
-              <a:lumMod val="50000"/>
-            </a:schemeClr>
-          </a:solidFill>
-          <a:effectLst>
-            <a:glow rad="63500">
-              <a:schemeClr val="accent3">
-                <a:satMod val="175000"/>
-                <a:alpha val="40000"/>
-              </a:schemeClr>
-            </a:glow>
-          </a:effectLst>
-        </p:spPr>
-        <p:txBody>
-          <a:bodyPr wrap="square">
-            <a:spAutoFit/>
-          </a:bodyPr>
-          <a:lstStyle/>
-          <a:p>
-            <a:r>
-              <a:rPr lang="it-IT" i="1" dirty="0">
-                <a:solidFill>
-                  <a:srgbClr val="5C6370"/>
-                </a:solidFill>
-                <a:effectLst/>
-                <a:latin typeface="Consolas" panose="020B0609020204030204" pitchFamily="49" charset="0"/>
-              </a:rPr>
-              <a:t>// Senza EF - ADO.NET</a:t>
-            </a:r>
-            <a:r>
-              <a:rPr lang="it-IT" dirty="0">
-                <a:latin typeface="Consolas" panose="020B0609020204030204" pitchFamily="49" charset="0"/>
-              </a:rPr>
-              <a:t> </a:t>
-            </a:r>
-          </a:p>
-          <a:p>
-            <a:r>
-              <a:rPr lang="it-IT" dirty="0">
-                <a:solidFill>
-                  <a:srgbClr val="C678DD"/>
-                </a:solidFill>
-                <a:effectLst/>
-                <a:latin typeface="Consolas" panose="020B0609020204030204" pitchFamily="49" charset="0"/>
-              </a:rPr>
-              <a:t>var</a:t>
-            </a:r>
-            <a:r>
-              <a:rPr lang="it-IT" dirty="0">
-                <a:latin typeface="Consolas" panose="020B0609020204030204" pitchFamily="49" charset="0"/>
-              </a:rPr>
-              <a:t> </a:t>
-            </a:r>
-            <a:r>
-              <a:rPr lang="it-IT" dirty="0">
-                <a:solidFill>
-                  <a:schemeClr val="bg1"/>
-                </a:solidFill>
-                <a:latin typeface="Consolas" panose="020B0609020204030204" pitchFamily="49" charset="0"/>
-              </a:rPr>
-              <a:t>connection</a:t>
-            </a:r>
-            <a:r>
-              <a:rPr lang="it-IT" dirty="0">
-                <a:latin typeface="Consolas" panose="020B0609020204030204" pitchFamily="49" charset="0"/>
-              </a:rPr>
-              <a:t> </a:t>
-            </a:r>
-            <a:r>
-              <a:rPr lang="it-IT" dirty="0">
-                <a:solidFill>
-                  <a:srgbClr val="61AFEF"/>
-                </a:solidFill>
-                <a:effectLst/>
-                <a:latin typeface="Consolas" panose="020B0609020204030204" pitchFamily="49" charset="0"/>
-              </a:rPr>
-              <a:t>=</a:t>
-            </a:r>
-            <a:r>
-              <a:rPr lang="it-IT" dirty="0">
-                <a:latin typeface="Consolas" panose="020B0609020204030204" pitchFamily="49" charset="0"/>
-              </a:rPr>
-              <a:t> </a:t>
-            </a:r>
-            <a:r>
-              <a:rPr lang="it-IT" dirty="0">
-                <a:solidFill>
-                  <a:srgbClr val="C678DD"/>
-                </a:solidFill>
-                <a:effectLst/>
-                <a:latin typeface="Consolas" panose="020B0609020204030204" pitchFamily="49" charset="0"/>
-              </a:rPr>
-              <a:t>new</a:t>
-            </a:r>
-            <a:r>
-              <a:rPr lang="it-IT" dirty="0">
-                <a:latin typeface="Consolas" panose="020B0609020204030204" pitchFamily="49" charset="0"/>
-              </a:rPr>
-              <a:t> </a:t>
-            </a:r>
-            <a:r>
-              <a:rPr lang="it-IT" dirty="0" err="1">
-                <a:solidFill>
-                  <a:srgbClr val="D19A66"/>
-                </a:solidFill>
-                <a:effectLst/>
-                <a:latin typeface="Consolas" panose="020B0609020204030204" pitchFamily="49" charset="0"/>
-              </a:rPr>
-              <a:t>SqlConnection</a:t>
-            </a:r>
-            <a:r>
-              <a:rPr lang="it-IT" dirty="0">
-                <a:solidFill>
-                  <a:schemeClr val="bg1"/>
-                </a:solidFill>
-                <a:effectLst/>
-                <a:latin typeface="Consolas" panose="020B0609020204030204" pitchFamily="49" charset="0"/>
-              </a:rPr>
-              <a:t>(</a:t>
-            </a:r>
-            <a:r>
-              <a:rPr lang="it-IT" dirty="0" err="1">
-                <a:solidFill>
-                  <a:schemeClr val="bg1"/>
-                </a:solidFill>
-                <a:latin typeface="Consolas" panose="020B0609020204030204" pitchFamily="49" charset="0"/>
-              </a:rPr>
-              <a:t>connectionString</a:t>
-            </a:r>
-            <a:r>
-              <a:rPr lang="it-IT" dirty="0">
-                <a:solidFill>
-                  <a:srgbClr val="ABB2BF"/>
-                </a:solidFill>
-                <a:effectLst/>
-                <a:latin typeface="Consolas" panose="020B0609020204030204" pitchFamily="49" charset="0"/>
-              </a:rPr>
-              <a:t>);</a:t>
-            </a:r>
-          </a:p>
-          <a:p>
-            <a:r>
-              <a:rPr lang="it-IT" dirty="0">
-                <a:solidFill>
-                  <a:srgbClr val="C678DD"/>
-                </a:solidFill>
-                <a:effectLst/>
-                <a:latin typeface="Consolas" panose="020B0609020204030204" pitchFamily="49" charset="0"/>
-              </a:rPr>
-              <a:t>var</a:t>
-            </a:r>
-            <a:r>
-              <a:rPr lang="it-IT" dirty="0">
-                <a:latin typeface="Consolas" panose="020B0609020204030204" pitchFamily="49" charset="0"/>
-              </a:rPr>
-              <a:t> </a:t>
-            </a:r>
-            <a:r>
-              <a:rPr lang="it-IT" dirty="0" err="1">
-                <a:solidFill>
-                  <a:schemeClr val="bg1"/>
-                </a:solidFill>
-                <a:latin typeface="Consolas" panose="020B0609020204030204" pitchFamily="49" charset="0"/>
-              </a:rPr>
-              <a:t>command</a:t>
-            </a:r>
-            <a:r>
-              <a:rPr lang="it-IT" dirty="0">
-                <a:latin typeface="Consolas" panose="020B0609020204030204" pitchFamily="49" charset="0"/>
-              </a:rPr>
-              <a:t> </a:t>
-            </a:r>
-            <a:r>
-              <a:rPr lang="it-IT" dirty="0">
-                <a:solidFill>
-                  <a:srgbClr val="61AFEF"/>
-                </a:solidFill>
-                <a:effectLst/>
-                <a:latin typeface="Consolas" panose="020B0609020204030204" pitchFamily="49" charset="0"/>
-              </a:rPr>
-              <a:t>=</a:t>
-            </a:r>
-            <a:r>
-              <a:rPr lang="it-IT" dirty="0">
-                <a:latin typeface="Consolas" panose="020B0609020204030204" pitchFamily="49" charset="0"/>
-              </a:rPr>
-              <a:t> </a:t>
-            </a:r>
-            <a:r>
-              <a:rPr lang="it-IT" dirty="0">
-                <a:solidFill>
-                  <a:srgbClr val="C678DD"/>
-                </a:solidFill>
-                <a:effectLst/>
-                <a:latin typeface="Consolas" panose="020B0609020204030204" pitchFamily="49" charset="0"/>
-              </a:rPr>
-              <a:t>new</a:t>
-            </a:r>
-            <a:r>
-              <a:rPr lang="it-IT" dirty="0">
-                <a:latin typeface="Consolas" panose="020B0609020204030204" pitchFamily="49" charset="0"/>
-              </a:rPr>
-              <a:t> </a:t>
-            </a:r>
-            <a:r>
-              <a:rPr lang="it-IT" dirty="0" err="1">
-                <a:solidFill>
-                  <a:srgbClr val="D19A66"/>
-                </a:solidFill>
-                <a:effectLst/>
-                <a:latin typeface="Consolas" panose="020B0609020204030204" pitchFamily="49" charset="0"/>
-              </a:rPr>
-              <a:t>SqlCommand</a:t>
-            </a:r>
-            <a:r>
-              <a:rPr lang="it-IT" dirty="0">
-                <a:solidFill>
-                  <a:srgbClr val="ABB2BF"/>
-                </a:solidFill>
-                <a:effectLst/>
-                <a:latin typeface="Consolas" panose="020B0609020204030204" pitchFamily="49" charset="0"/>
-              </a:rPr>
-              <a:t>(</a:t>
-            </a:r>
-            <a:r>
-              <a:rPr lang="it-IT" dirty="0">
-                <a:solidFill>
-                  <a:srgbClr val="98C379"/>
-                </a:solidFill>
-                <a:effectLst/>
-                <a:latin typeface="Consolas" panose="020B0609020204030204" pitchFamily="49" charset="0"/>
-              </a:rPr>
-              <a:t>"SELECT * FROM Products WHERE Price &gt; @price"</a:t>
-            </a:r>
-            <a:r>
-              <a:rPr lang="it-IT" dirty="0">
-                <a:solidFill>
-                  <a:srgbClr val="ABB2BF"/>
-                </a:solidFill>
-                <a:effectLst/>
-                <a:latin typeface="Consolas" panose="020B0609020204030204" pitchFamily="49" charset="0"/>
-              </a:rPr>
-              <a:t>, </a:t>
-            </a:r>
-            <a:r>
-              <a:rPr lang="it-IT" dirty="0">
-                <a:solidFill>
-                  <a:schemeClr val="bg1"/>
-                </a:solidFill>
-                <a:latin typeface="Consolas" panose="020B0609020204030204" pitchFamily="49" charset="0"/>
-              </a:rPr>
-              <a:t>connection</a:t>
-            </a:r>
-            <a:r>
-              <a:rPr lang="it-IT" dirty="0">
-                <a:solidFill>
-                  <a:srgbClr val="ABB2BF"/>
-                </a:solidFill>
-                <a:effectLst/>
-                <a:latin typeface="Consolas" panose="020B0609020204030204" pitchFamily="49" charset="0"/>
-              </a:rPr>
-              <a:t>);</a:t>
-            </a:r>
-            <a:r>
-              <a:rPr lang="it-IT" dirty="0">
-                <a:latin typeface="Consolas" panose="020B0609020204030204" pitchFamily="49" charset="0"/>
-              </a:rPr>
-              <a:t> </a:t>
-            </a:r>
-            <a:r>
-              <a:rPr lang="it-IT" dirty="0" err="1">
-                <a:solidFill>
-                  <a:schemeClr val="bg1"/>
-                </a:solidFill>
-                <a:latin typeface="Consolas" panose="020B0609020204030204" pitchFamily="49" charset="0"/>
-              </a:rPr>
-              <a:t>command</a:t>
-            </a:r>
-            <a:r>
-              <a:rPr lang="it-IT" dirty="0" err="1">
-                <a:solidFill>
-                  <a:schemeClr val="bg1"/>
-                </a:solidFill>
-                <a:effectLst/>
-                <a:latin typeface="Consolas" panose="020B0609020204030204" pitchFamily="49" charset="0"/>
-              </a:rPr>
-              <a:t>.</a:t>
-            </a:r>
-            <a:r>
-              <a:rPr lang="it-IT" dirty="0" err="1">
-                <a:solidFill>
-                  <a:schemeClr val="bg1"/>
-                </a:solidFill>
-                <a:latin typeface="Consolas" panose="020B0609020204030204" pitchFamily="49" charset="0"/>
-              </a:rPr>
-              <a:t>Parameters</a:t>
-            </a:r>
-            <a:r>
-              <a:rPr lang="it-IT" dirty="0" err="1">
-                <a:solidFill>
-                  <a:srgbClr val="ABB2BF"/>
-                </a:solidFill>
-                <a:effectLst/>
-                <a:latin typeface="Consolas" panose="020B0609020204030204" pitchFamily="49" charset="0"/>
-              </a:rPr>
-              <a:t>.</a:t>
-            </a:r>
-            <a:r>
-              <a:rPr lang="it-IT" dirty="0" err="1">
-                <a:solidFill>
-                  <a:srgbClr val="61AFEF"/>
-                </a:solidFill>
-                <a:effectLst/>
-                <a:latin typeface="Consolas" panose="020B0609020204030204" pitchFamily="49" charset="0"/>
-              </a:rPr>
-              <a:t>AddWithValue</a:t>
-            </a:r>
-            <a:r>
-              <a:rPr lang="it-IT" dirty="0">
-                <a:solidFill>
-                  <a:srgbClr val="ABB2BF"/>
-                </a:solidFill>
-                <a:effectLst/>
-                <a:latin typeface="Consolas" panose="020B0609020204030204" pitchFamily="49" charset="0"/>
-              </a:rPr>
-              <a:t>(</a:t>
-            </a:r>
-            <a:r>
-              <a:rPr lang="it-IT" dirty="0">
-                <a:solidFill>
-                  <a:srgbClr val="98C379"/>
-                </a:solidFill>
-                <a:effectLst/>
-                <a:latin typeface="Consolas" panose="020B0609020204030204" pitchFamily="49" charset="0"/>
-              </a:rPr>
-              <a:t>"@price"</a:t>
-            </a:r>
-            <a:r>
-              <a:rPr lang="it-IT" dirty="0">
-                <a:solidFill>
-                  <a:srgbClr val="ABB2BF"/>
-                </a:solidFill>
-                <a:effectLst/>
-                <a:latin typeface="Consolas" panose="020B0609020204030204" pitchFamily="49" charset="0"/>
-              </a:rPr>
-              <a:t>,</a:t>
-            </a:r>
-            <a:r>
-              <a:rPr lang="it-IT" dirty="0">
-                <a:latin typeface="Consolas" panose="020B0609020204030204" pitchFamily="49" charset="0"/>
-              </a:rPr>
-              <a:t> </a:t>
-            </a:r>
-            <a:r>
-              <a:rPr lang="it-IT" dirty="0">
-                <a:solidFill>
-                  <a:srgbClr val="D19A66"/>
-                </a:solidFill>
-                <a:effectLst/>
-                <a:latin typeface="Consolas" panose="020B0609020204030204" pitchFamily="49" charset="0"/>
-              </a:rPr>
-              <a:t>100</a:t>
-            </a:r>
-            <a:r>
-              <a:rPr lang="it-IT" dirty="0">
-                <a:solidFill>
-                  <a:srgbClr val="ABB2BF"/>
-                </a:solidFill>
-                <a:effectLst/>
-                <a:latin typeface="Consolas" panose="020B0609020204030204" pitchFamily="49" charset="0"/>
-              </a:rPr>
-              <a:t>);</a:t>
-            </a:r>
-          </a:p>
-          <a:p>
-            <a:r>
-              <a:rPr lang="it-IT" dirty="0" err="1">
-                <a:solidFill>
-                  <a:schemeClr val="bg1"/>
-                </a:solidFill>
-                <a:latin typeface="Consolas" panose="020B0609020204030204" pitchFamily="49" charset="0"/>
-              </a:rPr>
-              <a:t>connection</a:t>
-            </a:r>
-            <a:r>
-              <a:rPr lang="it-IT" dirty="0" err="1">
-                <a:solidFill>
-                  <a:schemeClr val="bg1"/>
-                </a:solidFill>
-                <a:effectLst/>
-                <a:latin typeface="Consolas" panose="020B0609020204030204" pitchFamily="49" charset="0"/>
-              </a:rPr>
-              <a:t>.</a:t>
-            </a:r>
-            <a:r>
-              <a:rPr lang="it-IT" dirty="0" err="1">
-                <a:solidFill>
-                  <a:srgbClr val="61AFEF"/>
-                </a:solidFill>
-                <a:effectLst/>
-                <a:latin typeface="Consolas" panose="020B0609020204030204" pitchFamily="49" charset="0"/>
-              </a:rPr>
-              <a:t>Open</a:t>
-            </a:r>
-            <a:r>
-              <a:rPr lang="it-IT" dirty="0">
-                <a:solidFill>
-                  <a:srgbClr val="ABB2BF"/>
-                </a:solidFill>
-                <a:effectLst/>
-                <a:latin typeface="Consolas" panose="020B0609020204030204" pitchFamily="49" charset="0"/>
-              </a:rPr>
-              <a:t>();</a:t>
-            </a:r>
-          </a:p>
-          <a:p>
-            <a:r>
-              <a:rPr lang="it-IT" dirty="0">
-                <a:solidFill>
-                  <a:srgbClr val="C678DD"/>
-                </a:solidFill>
-                <a:effectLst/>
-                <a:latin typeface="Consolas" panose="020B0609020204030204" pitchFamily="49" charset="0"/>
-              </a:rPr>
-              <a:t>var</a:t>
-            </a:r>
-            <a:r>
-              <a:rPr lang="it-IT" dirty="0">
-                <a:latin typeface="Consolas" panose="020B0609020204030204" pitchFamily="49" charset="0"/>
-              </a:rPr>
-              <a:t> </a:t>
-            </a:r>
-            <a:r>
-              <a:rPr lang="it-IT" dirty="0">
-                <a:solidFill>
-                  <a:schemeClr val="bg1"/>
-                </a:solidFill>
-                <a:latin typeface="Consolas" panose="020B0609020204030204" pitchFamily="49" charset="0"/>
-              </a:rPr>
-              <a:t>reader</a:t>
-            </a:r>
-            <a:r>
-              <a:rPr lang="it-IT" dirty="0">
-                <a:latin typeface="Consolas" panose="020B0609020204030204" pitchFamily="49" charset="0"/>
-              </a:rPr>
-              <a:t> </a:t>
-            </a:r>
-            <a:r>
-              <a:rPr lang="it-IT" dirty="0">
-                <a:solidFill>
-                  <a:srgbClr val="61AFEF"/>
-                </a:solidFill>
-                <a:effectLst/>
-                <a:latin typeface="Consolas" panose="020B0609020204030204" pitchFamily="49" charset="0"/>
-              </a:rPr>
-              <a:t>=</a:t>
-            </a:r>
-            <a:r>
-              <a:rPr lang="it-IT" dirty="0">
-                <a:latin typeface="Consolas" panose="020B0609020204030204" pitchFamily="49" charset="0"/>
-              </a:rPr>
-              <a:t> </a:t>
-            </a:r>
-            <a:r>
-              <a:rPr lang="it-IT" dirty="0" err="1">
-                <a:solidFill>
-                  <a:schemeClr val="bg1"/>
-                </a:solidFill>
-                <a:latin typeface="Consolas" panose="020B0609020204030204" pitchFamily="49" charset="0"/>
-              </a:rPr>
-              <a:t>command</a:t>
-            </a:r>
-            <a:r>
-              <a:rPr lang="it-IT" dirty="0" err="1">
-                <a:solidFill>
-                  <a:srgbClr val="ABB2BF"/>
-                </a:solidFill>
-                <a:effectLst/>
-                <a:latin typeface="Consolas" panose="020B0609020204030204" pitchFamily="49" charset="0"/>
-              </a:rPr>
-              <a:t>.</a:t>
-            </a:r>
-            <a:r>
-              <a:rPr lang="it-IT" dirty="0" err="1">
-                <a:solidFill>
-                  <a:srgbClr val="61AFEF"/>
-                </a:solidFill>
-                <a:effectLst/>
-                <a:latin typeface="Consolas" panose="020B0609020204030204" pitchFamily="49" charset="0"/>
-              </a:rPr>
-              <a:t>ExecuteReader</a:t>
-            </a:r>
-            <a:r>
-              <a:rPr lang="it-IT" dirty="0">
-                <a:solidFill>
-                  <a:srgbClr val="ABB2BF"/>
-                </a:solidFill>
-                <a:effectLst/>
-                <a:latin typeface="Consolas" panose="020B0609020204030204" pitchFamily="49" charset="0"/>
-              </a:rPr>
-              <a:t>();</a:t>
-            </a:r>
-          </a:p>
-          <a:p>
-            <a:endParaRPr lang="it-IT" i="1" dirty="0">
-              <a:solidFill>
-                <a:srgbClr val="ABB2BF"/>
-              </a:solidFill>
-              <a:latin typeface="Consolas" panose="020B0609020204030204" pitchFamily="49" charset="0"/>
-            </a:endParaRPr>
-          </a:p>
-          <a:p>
-            <a:r>
-              <a:rPr lang="it-IT" i="1" dirty="0">
-                <a:solidFill>
-                  <a:srgbClr val="5C6370"/>
-                </a:solidFill>
-                <a:effectLst/>
-                <a:latin typeface="Consolas" panose="020B0609020204030204" pitchFamily="49" charset="0"/>
-              </a:rPr>
-              <a:t>// Con EF</a:t>
-            </a:r>
-          </a:p>
-          <a:p>
-            <a:r>
-              <a:rPr lang="it-IT" dirty="0">
-                <a:solidFill>
-                  <a:srgbClr val="C678DD"/>
-                </a:solidFill>
-                <a:effectLst/>
-                <a:latin typeface="Consolas" panose="020B0609020204030204" pitchFamily="49" charset="0"/>
-              </a:rPr>
-              <a:t>var</a:t>
-            </a:r>
-            <a:r>
-              <a:rPr lang="it-IT" dirty="0">
-                <a:latin typeface="Consolas" panose="020B0609020204030204" pitchFamily="49" charset="0"/>
-              </a:rPr>
-              <a:t> </a:t>
-            </a:r>
-            <a:r>
-              <a:rPr lang="it-IT" dirty="0" err="1">
-                <a:solidFill>
-                  <a:schemeClr val="bg1"/>
-                </a:solidFill>
-                <a:latin typeface="Consolas" panose="020B0609020204030204" pitchFamily="49" charset="0"/>
-              </a:rPr>
-              <a:t>expensiveProducts</a:t>
-            </a:r>
-            <a:r>
-              <a:rPr lang="it-IT" dirty="0">
-                <a:latin typeface="Consolas" panose="020B0609020204030204" pitchFamily="49" charset="0"/>
-              </a:rPr>
-              <a:t> </a:t>
-            </a:r>
-            <a:r>
-              <a:rPr lang="it-IT" dirty="0">
-                <a:solidFill>
-                  <a:srgbClr val="61AFEF"/>
-                </a:solidFill>
-                <a:effectLst/>
-                <a:latin typeface="Consolas" panose="020B0609020204030204" pitchFamily="49" charset="0"/>
-              </a:rPr>
-              <a:t>=</a:t>
-            </a:r>
-            <a:r>
-              <a:rPr lang="it-IT" dirty="0">
-                <a:latin typeface="Consolas" panose="020B0609020204030204" pitchFamily="49" charset="0"/>
-              </a:rPr>
-              <a:t> </a:t>
-            </a:r>
-            <a:r>
-              <a:rPr lang="it-IT" dirty="0" err="1">
-                <a:solidFill>
-                  <a:schemeClr val="bg1"/>
-                </a:solidFill>
-                <a:latin typeface="Consolas" panose="020B0609020204030204" pitchFamily="49" charset="0"/>
-              </a:rPr>
-              <a:t>context</a:t>
-            </a:r>
-            <a:r>
-              <a:rPr lang="it-IT" dirty="0" err="1">
-                <a:solidFill>
-                  <a:schemeClr val="bg1"/>
-                </a:solidFill>
-                <a:effectLst/>
-                <a:latin typeface="Consolas" panose="020B0609020204030204" pitchFamily="49" charset="0"/>
-              </a:rPr>
-              <a:t>.</a:t>
-            </a:r>
-            <a:r>
-              <a:rPr lang="it-IT" dirty="0" err="1">
-                <a:solidFill>
-                  <a:schemeClr val="bg1"/>
-                </a:solidFill>
-                <a:latin typeface="Consolas" panose="020B0609020204030204" pitchFamily="49" charset="0"/>
-              </a:rPr>
-              <a:t>Products</a:t>
-            </a:r>
-            <a:r>
-              <a:rPr lang="it-IT" dirty="0" err="1">
-                <a:solidFill>
-                  <a:srgbClr val="ABB2BF"/>
-                </a:solidFill>
-                <a:effectLst/>
-                <a:latin typeface="Consolas" panose="020B0609020204030204" pitchFamily="49" charset="0"/>
-              </a:rPr>
-              <a:t>.</a:t>
-            </a:r>
-            <a:r>
-              <a:rPr lang="it-IT" dirty="0" err="1">
-                <a:solidFill>
-                  <a:srgbClr val="61AFEF"/>
-                </a:solidFill>
-                <a:effectLst/>
-                <a:latin typeface="Consolas" panose="020B0609020204030204" pitchFamily="49" charset="0"/>
-              </a:rPr>
-              <a:t>Where</a:t>
-            </a:r>
-            <a:r>
-              <a:rPr lang="it-IT" dirty="0">
-                <a:solidFill>
-                  <a:srgbClr val="ABB2BF"/>
-                </a:solidFill>
-                <a:effectLst/>
-                <a:latin typeface="Consolas" panose="020B0609020204030204" pitchFamily="49" charset="0"/>
-              </a:rPr>
-              <a:t>(</a:t>
-            </a:r>
-            <a:r>
-              <a:rPr lang="it-IT" dirty="0">
-                <a:solidFill>
-                  <a:schemeClr val="bg1"/>
-                </a:solidFill>
-                <a:latin typeface="Consolas" panose="020B0609020204030204" pitchFamily="49" charset="0"/>
-              </a:rPr>
-              <a:t>p</a:t>
-            </a:r>
-            <a:r>
-              <a:rPr lang="it-IT" dirty="0">
-                <a:latin typeface="Consolas" panose="020B0609020204030204" pitchFamily="49" charset="0"/>
-              </a:rPr>
-              <a:t> </a:t>
-            </a:r>
-            <a:r>
-              <a:rPr lang="it-IT" dirty="0">
-                <a:solidFill>
-                  <a:srgbClr val="61AFEF"/>
-                </a:solidFill>
-                <a:effectLst/>
-                <a:latin typeface="Consolas" panose="020B0609020204030204" pitchFamily="49" charset="0"/>
-              </a:rPr>
-              <a:t>=&gt;</a:t>
-            </a:r>
-            <a:r>
-              <a:rPr lang="it-IT" dirty="0">
-                <a:latin typeface="Consolas" panose="020B0609020204030204" pitchFamily="49" charset="0"/>
-              </a:rPr>
-              <a:t> </a:t>
-            </a:r>
-            <a:r>
-              <a:rPr lang="it-IT" dirty="0" err="1">
-                <a:solidFill>
-                  <a:schemeClr val="bg1"/>
-                </a:solidFill>
-                <a:latin typeface="Consolas" panose="020B0609020204030204" pitchFamily="49" charset="0"/>
-              </a:rPr>
-              <a:t>p</a:t>
-            </a:r>
-            <a:r>
-              <a:rPr lang="it-IT" dirty="0" err="1">
-                <a:solidFill>
-                  <a:schemeClr val="bg1"/>
-                </a:solidFill>
-                <a:effectLst/>
-                <a:latin typeface="Consolas" panose="020B0609020204030204" pitchFamily="49" charset="0"/>
-              </a:rPr>
-              <a:t>.</a:t>
-            </a:r>
-            <a:r>
-              <a:rPr lang="it-IT" dirty="0" err="1">
-                <a:solidFill>
-                  <a:schemeClr val="bg1"/>
-                </a:solidFill>
-                <a:latin typeface="Consolas" panose="020B0609020204030204" pitchFamily="49" charset="0"/>
-              </a:rPr>
-              <a:t>Price</a:t>
-            </a:r>
-            <a:r>
-              <a:rPr lang="it-IT" dirty="0">
-                <a:solidFill>
-                  <a:schemeClr val="bg1"/>
-                </a:solidFill>
-                <a:latin typeface="Consolas" panose="020B0609020204030204" pitchFamily="49" charset="0"/>
-              </a:rPr>
-              <a:t> </a:t>
-            </a:r>
-            <a:r>
-              <a:rPr lang="it-IT" dirty="0">
-                <a:solidFill>
-                  <a:srgbClr val="61AFEF"/>
-                </a:solidFill>
-                <a:effectLst/>
-                <a:latin typeface="Consolas" panose="020B0609020204030204" pitchFamily="49" charset="0"/>
-              </a:rPr>
-              <a:t>&gt;</a:t>
-            </a:r>
-            <a:r>
-              <a:rPr lang="it-IT" dirty="0">
-                <a:latin typeface="Consolas" panose="020B0609020204030204" pitchFamily="49" charset="0"/>
-              </a:rPr>
-              <a:t> </a:t>
-            </a:r>
-            <a:r>
-              <a:rPr lang="it-IT" dirty="0">
-                <a:solidFill>
-                  <a:srgbClr val="D19A66"/>
-                </a:solidFill>
-                <a:effectLst/>
-                <a:latin typeface="Consolas" panose="020B0609020204030204" pitchFamily="49" charset="0"/>
-              </a:rPr>
-              <a:t>100</a:t>
-            </a:r>
-            <a:r>
-              <a:rPr lang="it-IT" dirty="0">
-                <a:solidFill>
-                  <a:srgbClr val="ABB2BF"/>
-                </a:solidFill>
-                <a:effectLst/>
-                <a:latin typeface="Consolas" panose="020B0609020204030204" pitchFamily="49" charset="0"/>
-              </a:rPr>
-              <a:t>).</a:t>
-            </a:r>
-            <a:r>
-              <a:rPr lang="it-IT" dirty="0" err="1">
-                <a:solidFill>
-                  <a:srgbClr val="61AFEF"/>
-                </a:solidFill>
-                <a:effectLst/>
-                <a:latin typeface="Consolas" panose="020B0609020204030204" pitchFamily="49" charset="0"/>
-              </a:rPr>
-              <a:t>ToList</a:t>
-            </a:r>
-            <a:r>
-              <a:rPr lang="it-IT" dirty="0">
-                <a:solidFill>
-                  <a:srgbClr val="ABB2BF"/>
-                </a:solidFill>
-                <a:effectLst/>
-                <a:latin typeface="Consolas" panose="020B0609020204030204" pitchFamily="49" charset="0"/>
-              </a:rPr>
-              <a:t>();</a:t>
-            </a:r>
-            <a:endParaRPr lang="it-IT" dirty="0">
-              <a:latin typeface="Consolas" panose="020B0609020204030204" pitchFamily="49" charset="0"/>
-            </a:endParaRPr>
-          </a:p>
-        </p:txBody>
-      </p:sp>
-    </p:spTree>
-    <p:extLst>
-      <p:ext uri="{BB962C8B-B14F-4D97-AF65-F5344CB8AC3E}">
-        <p14:creationId xmlns:p14="http://schemas.microsoft.com/office/powerpoint/2010/main" val="3817862813"/>
       </p:ext>
     </p:extLst>
   </p:cSld>
@@ -28961,6 +29710,1021 @@
           <p:cNvPr id="2" name="Titolo 1">
             <a:extLst>
               <a:ext uri="{FF2B5EF4-FFF2-40B4-BE49-F238E27FC236}">
+                <a16:creationId xmlns:a16="http://schemas.microsoft.com/office/drawing/2014/main" id="{DE8B02C8-E9DD-FEB7-83F7-AFA304EA5A69}"/>
+              </a:ext>
+            </a:extLst>
+          </p:cNvPr>
+          <p:cNvSpPr>
+            <a:spLocks noGrp="1"/>
+          </p:cNvSpPr>
+          <p:nvPr>
+            <p:ph type="title"/>
+          </p:nvPr>
+        </p:nvSpPr>
+        <p:spPr>
+          <a:xfrm>
+            <a:off x="571500" y="191123"/>
+            <a:ext cx="4530852" cy="759853"/>
+          </a:xfrm>
+        </p:spPr>
+        <p:txBody>
+          <a:bodyPr/>
+          <a:lstStyle/>
+          <a:p>
+            <a:r>
+              <a:rPr lang="it-IT" sz="4000" dirty="0" err="1"/>
+              <a:t>Entity</a:t>
+            </a:r>
+            <a:r>
+              <a:rPr lang="it-IT" sz="4000" dirty="0"/>
+              <a:t> Framework</a:t>
+            </a:r>
+          </a:p>
+        </p:txBody>
+      </p:sp>
+      <p:sp>
+        <p:nvSpPr>
+          <p:cNvPr id="3" name="Segnaposto contenuto 2">
+            <a:extLst>
+              <a:ext uri="{FF2B5EF4-FFF2-40B4-BE49-F238E27FC236}">
+                <a16:creationId xmlns:a16="http://schemas.microsoft.com/office/drawing/2014/main" id="{5482C3BE-9936-E301-AF99-F4C3455EAD50}"/>
+              </a:ext>
+            </a:extLst>
+          </p:cNvPr>
+          <p:cNvSpPr>
+            <a:spLocks noGrp="1"/>
+          </p:cNvSpPr>
+          <p:nvPr>
+            <p:ph sz="quarter" idx="13"/>
+          </p:nvPr>
+        </p:nvSpPr>
+        <p:spPr>
+          <a:xfrm>
+            <a:off x="571500" y="1101309"/>
+            <a:ext cx="10319004" cy="2556292"/>
+          </a:xfrm>
+        </p:spPr>
+        <p:txBody>
+          <a:bodyPr>
+            <a:normAutofit/>
+          </a:bodyPr>
+          <a:lstStyle/>
+          <a:p>
+            <a:pPr marL="342900" indent="-342900">
+              <a:buFont typeface="Arial" panose="020B0604020202020204" pitchFamily="34" charset="0"/>
+              <a:buChar char="•"/>
+            </a:pPr>
+            <a:r>
+              <a:rPr lang="it-IT" sz="1800" dirty="0"/>
+              <a:t>ORM (Object-Relation Mapper)</a:t>
+            </a:r>
+          </a:p>
+          <a:p>
+            <a:pPr marL="342900" indent="-342900">
+              <a:buFont typeface="Arial" panose="020B0604020202020204" pitchFamily="34" charset="0"/>
+              <a:buChar char="•"/>
+            </a:pPr>
+            <a:r>
+              <a:rPr lang="it-IT" sz="1800" dirty="0"/>
+              <a:t>Permette di lavorare con il database usando oggetti C# invece di SQL</a:t>
+            </a:r>
+          </a:p>
+          <a:p>
+            <a:pPr marL="342900" indent="-342900">
+              <a:buFont typeface="Arial" panose="020B0604020202020204" pitchFamily="34" charset="0"/>
+              <a:buChar char="•"/>
+            </a:pPr>
+            <a:r>
+              <a:rPr lang="it-IT" sz="1800" dirty="0"/>
+              <a:t>Traduce il mondo degli oggetti e il mondo relazionale</a:t>
+            </a:r>
+          </a:p>
+          <a:p>
+            <a:pPr marL="342900" indent="-342900">
+              <a:buFont typeface="Arial" panose="020B0604020202020204" pitchFamily="34" charset="0"/>
+              <a:buChar char="•"/>
+            </a:pPr>
+            <a:r>
+              <a:rPr lang="it-IT" sz="1800" dirty="0"/>
+              <a:t>Gestisce automaticamente la connessione al database, query e tracking delle modifiche</a:t>
+            </a:r>
+          </a:p>
+        </p:txBody>
+      </p:sp>
+      <p:sp>
+        <p:nvSpPr>
+          <p:cNvPr id="4" name="Segnaposto numero diapositiva 3">
+            <a:extLst>
+              <a:ext uri="{FF2B5EF4-FFF2-40B4-BE49-F238E27FC236}">
+                <a16:creationId xmlns:a16="http://schemas.microsoft.com/office/drawing/2014/main" id="{CDF108BF-C237-D2B8-56C9-F98393A32C23}"/>
+              </a:ext>
+            </a:extLst>
+          </p:cNvPr>
+          <p:cNvSpPr>
+            <a:spLocks noGrp="1"/>
+          </p:cNvSpPr>
+          <p:nvPr>
+            <p:ph type="sldNum" sz="quarter" idx="16"/>
+          </p:nvPr>
+        </p:nvSpPr>
+        <p:spPr/>
+        <p:txBody>
+          <a:bodyPr/>
+          <a:lstStyle/>
+          <a:p>
+            <a:fld id="{E32394A6-AED1-4B79-B4B6-933D748A7F18}" type="slidenum">
+              <a:rPr lang="en-US" smtClean="0"/>
+              <a:t>5</a:t>
+            </a:fld>
+            <a:endParaRPr lang="en-US"/>
+          </a:p>
+        </p:txBody>
+      </p:sp>
+      <p:sp>
+        <p:nvSpPr>
+          <p:cNvPr id="5" name="CasellaDiTesto 4">
+            <a:extLst>
+              <a:ext uri="{FF2B5EF4-FFF2-40B4-BE49-F238E27FC236}">
+                <a16:creationId xmlns:a16="http://schemas.microsoft.com/office/drawing/2014/main" id="{26EC3661-29EF-7548-2983-ACF25C3A52BC}"/>
+              </a:ext>
+            </a:extLst>
+          </p:cNvPr>
+          <p:cNvSpPr txBox="1"/>
+          <p:nvPr/>
+        </p:nvSpPr>
+        <p:spPr>
+          <a:xfrm>
+            <a:off x="905256" y="3931920"/>
+            <a:ext cx="10149840" cy="2331720"/>
+          </a:xfrm>
+          <a:prstGeom prst="rect">
+            <a:avLst/>
+          </a:prstGeom>
+          <a:effectLst/>
+        </p:spPr>
+        <p:txBody>
+          <a:bodyPr vert="horz" wrap="square" lIns="0" tIns="192024" rIns="0" bIns="0" rtlCol="0" anchor="t" anchorCtr="0">
+            <a:noAutofit/>
+          </a:bodyPr>
+          <a:lstStyle/>
+          <a:p>
+            <a:pPr algn="l"/>
+            <a:endParaRPr lang="it-IT" sz="4400" dirty="0">
+              <a:latin typeface="Mathilde" panose="03050500000000020004" pitchFamily="66" charset="0"/>
+            </a:endParaRPr>
+          </a:p>
+        </p:txBody>
+      </p:sp>
+      <p:sp>
+        <p:nvSpPr>
+          <p:cNvPr id="6" name="CasellaDiTesto 5">
+            <a:extLst>
+              <a:ext uri="{FF2B5EF4-FFF2-40B4-BE49-F238E27FC236}">
+                <a16:creationId xmlns:a16="http://schemas.microsoft.com/office/drawing/2014/main" id="{C4FFECEF-6242-3161-2C8B-0805895BE14F}"/>
+              </a:ext>
+            </a:extLst>
+          </p:cNvPr>
+          <p:cNvSpPr txBox="1"/>
+          <p:nvPr/>
+        </p:nvSpPr>
+        <p:spPr>
+          <a:xfrm>
+            <a:off x="571500" y="3657601"/>
+            <a:ext cx="10715244" cy="2478023"/>
+          </a:xfrm>
+          <a:prstGeom prst="rect">
+            <a:avLst/>
+          </a:prstGeom>
+          <a:effectLst/>
+        </p:spPr>
+        <p:txBody>
+          <a:bodyPr vert="horz" wrap="square" lIns="0" tIns="192024" rIns="0" bIns="0" rtlCol="0" anchor="t" anchorCtr="0">
+            <a:noAutofit/>
+          </a:bodyPr>
+          <a:lstStyle/>
+          <a:p>
+            <a:pPr algn="l"/>
+            <a:endParaRPr lang="it-IT" sz="4400" dirty="0">
+              <a:latin typeface="Mathilde" panose="03050500000000020004" pitchFamily="66" charset="0"/>
+            </a:endParaRPr>
+          </a:p>
+        </p:txBody>
+      </p:sp>
+      <p:sp>
+        <p:nvSpPr>
+          <p:cNvPr id="8" name="CasellaDiTesto 7">
+            <a:extLst>
+              <a:ext uri="{FF2B5EF4-FFF2-40B4-BE49-F238E27FC236}">
+                <a16:creationId xmlns:a16="http://schemas.microsoft.com/office/drawing/2014/main" id="{332DF58A-8D94-0B62-497F-6FE0BD089833}"/>
+              </a:ext>
+            </a:extLst>
+          </p:cNvPr>
+          <p:cNvSpPr txBox="1"/>
+          <p:nvPr/>
+        </p:nvSpPr>
+        <p:spPr>
+          <a:xfrm>
+            <a:off x="571500" y="3657601"/>
+            <a:ext cx="11257788" cy="2585323"/>
+          </a:xfrm>
+          <a:prstGeom prst="rect">
+            <a:avLst/>
+          </a:prstGeom>
+          <a:solidFill>
+            <a:schemeClr val="accent4">
+              <a:lumMod val="50000"/>
+            </a:schemeClr>
+          </a:solidFill>
+          <a:effectLst>
+            <a:glow rad="63500">
+              <a:schemeClr val="accent3">
+                <a:satMod val="175000"/>
+                <a:alpha val="40000"/>
+              </a:schemeClr>
+            </a:glow>
+          </a:effectLst>
+        </p:spPr>
+        <p:txBody>
+          <a:bodyPr wrap="square">
+            <a:spAutoFit/>
+          </a:bodyPr>
+          <a:lstStyle/>
+          <a:p>
+            <a:r>
+              <a:rPr lang="it-IT" i="1" dirty="0">
+                <a:solidFill>
+                  <a:srgbClr val="5C6370"/>
+                </a:solidFill>
+                <a:effectLst/>
+                <a:latin typeface="Consolas" panose="020B0609020204030204" pitchFamily="49" charset="0"/>
+              </a:rPr>
+              <a:t>// Senza EF - ADO.NET</a:t>
+            </a:r>
+            <a:r>
+              <a:rPr lang="it-IT" dirty="0">
+                <a:latin typeface="Consolas" panose="020B0609020204030204" pitchFamily="49" charset="0"/>
+              </a:rPr>
+              <a:t> </a:t>
+            </a:r>
+          </a:p>
+          <a:p>
+            <a:r>
+              <a:rPr lang="it-IT" dirty="0">
+                <a:solidFill>
+                  <a:srgbClr val="C678DD"/>
+                </a:solidFill>
+                <a:effectLst/>
+                <a:latin typeface="Consolas" panose="020B0609020204030204" pitchFamily="49" charset="0"/>
+              </a:rPr>
+              <a:t>var</a:t>
+            </a:r>
+            <a:r>
+              <a:rPr lang="it-IT" dirty="0">
+                <a:latin typeface="Consolas" panose="020B0609020204030204" pitchFamily="49" charset="0"/>
+              </a:rPr>
+              <a:t> </a:t>
+            </a:r>
+            <a:r>
+              <a:rPr lang="it-IT" dirty="0">
+                <a:solidFill>
+                  <a:schemeClr val="bg1"/>
+                </a:solidFill>
+                <a:latin typeface="Consolas" panose="020B0609020204030204" pitchFamily="49" charset="0"/>
+              </a:rPr>
+              <a:t>connection</a:t>
+            </a:r>
+            <a:r>
+              <a:rPr lang="it-IT" dirty="0">
+                <a:latin typeface="Consolas" panose="020B0609020204030204" pitchFamily="49" charset="0"/>
+              </a:rPr>
+              <a:t> </a:t>
+            </a:r>
+            <a:r>
+              <a:rPr lang="it-IT" dirty="0">
+                <a:solidFill>
+                  <a:srgbClr val="61AFEF"/>
+                </a:solidFill>
+                <a:effectLst/>
+                <a:latin typeface="Consolas" panose="020B0609020204030204" pitchFamily="49" charset="0"/>
+              </a:rPr>
+              <a:t>=</a:t>
+            </a:r>
+            <a:r>
+              <a:rPr lang="it-IT" dirty="0">
+                <a:latin typeface="Consolas" panose="020B0609020204030204" pitchFamily="49" charset="0"/>
+              </a:rPr>
+              <a:t> </a:t>
+            </a:r>
+            <a:r>
+              <a:rPr lang="it-IT" dirty="0">
+                <a:solidFill>
+                  <a:srgbClr val="C678DD"/>
+                </a:solidFill>
+                <a:effectLst/>
+                <a:latin typeface="Consolas" panose="020B0609020204030204" pitchFamily="49" charset="0"/>
+              </a:rPr>
+              <a:t>new</a:t>
+            </a:r>
+            <a:r>
+              <a:rPr lang="it-IT" dirty="0">
+                <a:latin typeface="Consolas" panose="020B0609020204030204" pitchFamily="49" charset="0"/>
+              </a:rPr>
+              <a:t> </a:t>
+            </a:r>
+            <a:r>
+              <a:rPr lang="it-IT" dirty="0" err="1">
+                <a:solidFill>
+                  <a:srgbClr val="D19A66"/>
+                </a:solidFill>
+                <a:effectLst/>
+                <a:latin typeface="Consolas" panose="020B0609020204030204" pitchFamily="49" charset="0"/>
+              </a:rPr>
+              <a:t>SqlConnection</a:t>
+            </a:r>
+            <a:r>
+              <a:rPr lang="it-IT" dirty="0">
+                <a:solidFill>
+                  <a:schemeClr val="bg1"/>
+                </a:solidFill>
+                <a:effectLst/>
+                <a:latin typeface="Consolas" panose="020B0609020204030204" pitchFamily="49" charset="0"/>
+              </a:rPr>
+              <a:t>(</a:t>
+            </a:r>
+            <a:r>
+              <a:rPr lang="it-IT" dirty="0" err="1">
+                <a:solidFill>
+                  <a:schemeClr val="bg1"/>
+                </a:solidFill>
+                <a:latin typeface="Consolas" panose="020B0609020204030204" pitchFamily="49" charset="0"/>
+              </a:rPr>
+              <a:t>connectionString</a:t>
+            </a:r>
+            <a:r>
+              <a:rPr lang="it-IT" dirty="0">
+                <a:solidFill>
+                  <a:srgbClr val="ABB2BF"/>
+                </a:solidFill>
+                <a:effectLst/>
+                <a:latin typeface="Consolas" panose="020B0609020204030204" pitchFamily="49" charset="0"/>
+              </a:rPr>
+              <a:t>);</a:t>
+            </a:r>
+          </a:p>
+          <a:p>
+            <a:r>
+              <a:rPr lang="it-IT" dirty="0">
+                <a:solidFill>
+                  <a:srgbClr val="C678DD"/>
+                </a:solidFill>
+                <a:effectLst/>
+                <a:latin typeface="Consolas" panose="020B0609020204030204" pitchFamily="49" charset="0"/>
+              </a:rPr>
+              <a:t>var</a:t>
+            </a:r>
+            <a:r>
+              <a:rPr lang="it-IT" dirty="0">
+                <a:latin typeface="Consolas" panose="020B0609020204030204" pitchFamily="49" charset="0"/>
+              </a:rPr>
+              <a:t> </a:t>
+            </a:r>
+            <a:r>
+              <a:rPr lang="it-IT" dirty="0" err="1">
+                <a:solidFill>
+                  <a:schemeClr val="bg1"/>
+                </a:solidFill>
+                <a:latin typeface="Consolas" panose="020B0609020204030204" pitchFamily="49" charset="0"/>
+              </a:rPr>
+              <a:t>command</a:t>
+            </a:r>
+            <a:r>
+              <a:rPr lang="it-IT" dirty="0">
+                <a:latin typeface="Consolas" panose="020B0609020204030204" pitchFamily="49" charset="0"/>
+              </a:rPr>
+              <a:t> </a:t>
+            </a:r>
+            <a:r>
+              <a:rPr lang="it-IT" dirty="0">
+                <a:solidFill>
+                  <a:srgbClr val="61AFEF"/>
+                </a:solidFill>
+                <a:effectLst/>
+                <a:latin typeface="Consolas" panose="020B0609020204030204" pitchFamily="49" charset="0"/>
+              </a:rPr>
+              <a:t>=</a:t>
+            </a:r>
+            <a:r>
+              <a:rPr lang="it-IT" dirty="0">
+                <a:latin typeface="Consolas" panose="020B0609020204030204" pitchFamily="49" charset="0"/>
+              </a:rPr>
+              <a:t> </a:t>
+            </a:r>
+            <a:r>
+              <a:rPr lang="it-IT" dirty="0">
+                <a:solidFill>
+                  <a:srgbClr val="C678DD"/>
+                </a:solidFill>
+                <a:effectLst/>
+                <a:latin typeface="Consolas" panose="020B0609020204030204" pitchFamily="49" charset="0"/>
+              </a:rPr>
+              <a:t>new</a:t>
+            </a:r>
+            <a:r>
+              <a:rPr lang="it-IT" dirty="0">
+                <a:latin typeface="Consolas" panose="020B0609020204030204" pitchFamily="49" charset="0"/>
+              </a:rPr>
+              <a:t> </a:t>
+            </a:r>
+            <a:r>
+              <a:rPr lang="it-IT" dirty="0" err="1">
+                <a:solidFill>
+                  <a:srgbClr val="D19A66"/>
+                </a:solidFill>
+                <a:effectLst/>
+                <a:latin typeface="Consolas" panose="020B0609020204030204" pitchFamily="49" charset="0"/>
+              </a:rPr>
+              <a:t>SqlCommand</a:t>
+            </a:r>
+            <a:r>
+              <a:rPr lang="it-IT" dirty="0">
+                <a:solidFill>
+                  <a:srgbClr val="ABB2BF"/>
+                </a:solidFill>
+                <a:effectLst/>
+                <a:latin typeface="Consolas" panose="020B0609020204030204" pitchFamily="49" charset="0"/>
+              </a:rPr>
+              <a:t>(</a:t>
+            </a:r>
+            <a:r>
+              <a:rPr lang="it-IT" dirty="0">
+                <a:solidFill>
+                  <a:srgbClr val="98C379"/>
+                </a:solidFill>
+                <a:effectLst/>
+                <a:latin typeface="Consolas" panose="020B0609020204030204" pitchFamily="49" charset="0"/>
+              </a:rPr>
+              <a:t>"SELECT * FROM Products WHERE Price &gt; @price"</a:t>
+            </a:r>
+            <a:r>
+              <a:rPr lang="it-IT" dirty="0">
+                <a:solidFill>
+                  <a:srgbClr val="ABB2BF"/>
+                </a:solidFill>
+                <a:effectLst/>
+                <a:latin typeface="Consolas" panose="020B0609020204030204" pitchFamily="49" charset="0"/>
+              </a:rPr>
+              <a:t>, </a:t>
+            </a:r>
+            <a:r>
+              <a:rPr lang="it-IT" dirty="0">
+                <a:solidFill>
+                  <a:schemeClr val="bg1"/>
+                </a:solidFill>
+                <a:latin typeface="Consolas" panose="020B0609020204030204" pitchFamily="49" charset="0"/>
+              </a:rPr>
+              <a:t>connection</a:t>
+            </a:r>
+            <a:r>
+              <a:rPr lang="it-IT" dirty="0">
+                <a:solidFill>
+                  <a:srgbClr val="ABB2BF"/>
+                </a:solidFill>
+                <a:effectLst/>
+                <a:latin typeface="Consolas" panose="020B0609020204030204" pitchFamily="49" charset="0"/>
+              </a:rPr>
+              <a:t>);</a:t>
+            </a:r>
+            <a:r>
+              <a:rPr lang="it-IT" dirty="0">
+                <a:latin typeface="Consolas" panose="020B0609020204030204" pitchFamily="49" charset="0"/>
+              </a:rPr>
+              <a:t> </a:t>
+            </a:r>
+            <a:r>
+              <a:rPr lang="it-IT" dirty="0" err="1">
+                <a:solidFill>
+                  <a:schemeClr val="bg1"/>
+                </a:solidFill>
+                <a:latin typeface="Consolas" panose="020B0609020204030204" pitchFamily="49" charset="0"/>
+              </a:rPr>
+              <a:t>command</a:t>
+            </a:r>
+            <a:r>
+              <a:rPr lang="it-IT" dirty="0" err="1">
+                <a:solidFill>
+                  <a:schemeClr val="bg1"/>
+                </a:solidFill>
+                <a:effectLst/>
+                <a:latin typeface="Consolas" panose="020B0609020204030204" pitchFamily="49" charset="0"/>
+              </a:rPr>
+              <a:t>.</a:t>
+            </a:r>
+            <a:r>
+              <a:rPr lang="it-IT" dirty="0" err="1">
+                <a:solidFill>
+                  <a:schemeClr val="bg1"/>
+                </a:solidFill>
+                <a:latin typeface="Consolas" panose="020B0609020204030204" pitchFamily="49" charset="0"/>
+              </a:rPr>
+              <a:t>Parameters</a:t>
+            </a:r>
+            <a:r>
+              <a:rPr lang="it-IT" dirty="0" err="1">
+                <a:solidFill>
+                  <a:srgbClr val="ABB2BF"/>
+                </a:solidFill>
+                <a:effectLst/>
+                <a:latin typeface="Consolas" panose="020B0609020204030204" pitchFamily="49" charset="0"/>
+              </a:rPr>
+              <a:t>.</a:t>
+            </a:r>
+            <a:r>
+              <a:rPr lang="it-IT" dirty="0" err="1">
+                <a:solidFill>
+                  <a:srgbClr val="61AFEF"/>
+                </a:solidFill>
+                <a:effectLst/>
+                <a:latin typeface="Consolas" panose="020B0609020204030204" pitchFamily="49" charset="0"/>
+              </a:rPr>
+              <a:t>AddWithValue</a:t>
+            </a:r>
+            <a:r>
+              <a:rPr lang="it-IT" dirty="0">
+                <a:solidFill>
+                  <a:srgbClr val="ABB2BF"/>
+                </a:solidFill>
+                <a:effectLst/>
+                <a:latin typeface="Consolas" panose="020B0609020204030204" pitchFamily="49" charset="0"/>
+              </a:rPr>
+              <a:t>(</a:t>
+            </a:r>
+            <a:r>
+              <a:rPr lang="it-IT" dirty="0">
+                <a:solidFill>
+                  <a:srgbClr val="98C379"/>
+                </a:solidFill>
+                <a:effectLst/>
+                <a:latin typeface="Consolas" panose="020B0609020204030204" pitchFamily="49" charset="0"/>
+              </a:rPr>
+              <a:t>"@price"</a:t>
+            </a:r>
+            <a:r>
+              <a:rPr lang="it-IT" dirty="0">
+                <a:solidFill>
+                  <a:srgbClr val="ABB2BF"/>
+                </a:solidFill>
+                <a:effectLst/>
+                <a:latin typeface="Consolas" panose="020B0609020204030204" pitchFamily="49" charset="0"/>
+              </a:rPr>
+              <a:t>,</a:t>
+            </a:r>
+            <a:r>
+              <a:rPr lang="it-IT" dirty="0">
+                <a:latin typeface="Consolas" panose="020B0609020204030204" pitchFamily="49" charset="0"/>
+              </a:rPr>
+              <a:t> </a:t>
+            </a:r>
+            <a:r>
+              <a:rPr lang="it-IT" dirty="0">
+                <a:solidFill>
+                  <a:srgbClr val="D19A66"/>
+                </a:solidFill>
+                <a:effectLst/>
+                <a:latin typeface="Consolas" panose="020B0609020204030204" pitchFamily="49" charset="0"/>
+              </a:rPr>
+              <a:t>100</a:t>
+            </a:r>
+            <a:r>
+              <a:rPr lang="it-IT" dirty="0">
+                <a:solidFill>
+                  <a:srgbClr val="ABB2BF"/>
+                </a:solidFill>
+                <a:effectLst/>
+                <a:latin typeface="Consolas" panose="020B0609020204030204" pitchFamily="49" charset="0"/>
+              </a:rPr>
+              <a:t>);</a:t>
+            </a:r>
+          </a:p>
+          <a:p>
+            <a:r>
+              <a:rPr lang="it-IT" dirty="0" err="1">
+                <a:solidFill>
+                  <a:schemeClr val="bg1"/>
+                </a:solidFill>
+                <a:latin typeface="Consolas" panose="020B0609020204030204" pitchFamily="49" charset="0"/>
+              </a:rPr>
+              <a:t>connection</a:t>
+            </a:r>
+            <a:r>
+              <a:rPr lang="it-IT" dirty="0" err="1">
+                <a:solidFill>
+                  <a:schemeClr val="bg1"/>
+                </a:solidFill>
+                <a:effectLst/>
+                <a:latin typeface="Consolas" panose="020B0609020204030204" pitchFamily="49" charset="0"/>
+              </a:rPr>
+              <a:t>.</a:t>
+            </a:r>
+            <a:r>
+              <a:rPr lang="it-IT" dirty="0" err="1">
+                <a:solidFill>
+                  <a:srgbClr val="61AFEF"/>
+                </a:solidFill>
+                <a:effectLst/>
+                <a:latin typeface="Consolas" panose="020B0609020204030204" pitchFamily="49" charset="0"/>
+              </a:rPr>
+              <a:t>Open</a:t>
+            </a:r>
+            <a:r>
+              <a:rPr lang="it-IT" dirty="0">
+                <a:solidFill>
+                  <a:srgbClr val="ABB2BF"/>
+                </a:solidFill>
+                <a:effectLst/>
+                <a:latin typeface="Consolas" panose="020B0609020204030204" pitchFamily="49" charset="0"/>
+              </a:rPr>
+              <a:t>();</a:t>
+            </a:r>
+          </a:p>
+          <a:p>
+            <a:r>
+              <a:rPr lang="it-IT" dirty="0">
+                <a:solidFill>
+                  <a:srgbClr val="C678DD"/>
+                </a:solidFill>
+                <a:effectLst/>
+                <a:latin typeface="Consolas" panose="020B0609020204030204" pitchFamily="49" charset="0"/>
+              </a:rPr>
+              <a:t>var</a:t>
+            </a:r>
+            <a:r>
+              <a:rPr lang="it-IT" dirty="0">
+                <a:latin typeface="Consolas" panose="020B0609020204030204" pitchFamily="49" charset="0"/>
+              </a:rPr>
+              <a:t> </a:t>
+            </a:r>
+            <a:r>
+              <a:rPr lang="it-IT" dirty="0">
+                <a:solidFill>
+                  <a:schemeClr val="bg1"/>
+                </a:solidFill>
+                <a:latin typeface="Consolas" panose="020B0609020204030204" pitchFamily="49" charset="0"/>
+              </a:rPr>
+              <a:t>reader</a:t>
+            </a:r>
+            <a:r>
+              <a:rPr lang="it-IT" dirty="0">
+                <a:latin typeface="Consolas" panose="020B0609020204030204" pitchFamily="49" charset="0"/>
+              </a:rPr>
+              <a:t> </a:t>
+            </a:r>
+            <a:r>
+              <a:rPr lang="it-IT" dirty="0">
+                <a:solidFill>
+                  <a:srgbClr val="61AFEF"/>
+                </a:solidFill>
+                <a:effectLst/>
+                <a:latin typeface="Consolas" panose="020B0609020204030204" pitchFamily="49" charset="0"/>
+              </a:rPr>
+              <a:t>=</a:t>
+            </a:r>
+            <a:r>
+              <a:rPr lang="it-IT" dirty="0">
+                <a:latin typeface="Consolas" panose="020B0609020204030204" pitchFamily="49" charset="0"/>
+              </a:rPr>
+              <a:t> </a:t>
+            </a:r>
+            <a:r>
+              <a:rPr lang="it-IT" dirty="0" err="1">
+                <a:solidFill>
+                  <a:schemeClr val="bg1"/>
+                </a:solidFill>
+                <a:latin typeface="Consolas" panose="020B0609020204030204" pitchFamily="49" charset="0"/>
+              </a:rPr>
+              <a:t>command</a:t>
+            </a:r>
+            <a:r>
+              <a:rPr lang="it-IT" dirty="0" err="1">
+                <a:solidFill>
+                  <a:srgbClr val="ABB2BF"/>
+                </a:solidFill>
+                <a:effectLst/>
+                <a:latin typeface="Consolas" panose="020B0609020204030204" pitchFamily="49" charset="0"/>
+              </a:rPr>
+              <a:t>.</a:t>
+            </a:r>
+            <a:r>
+              <a:rPr lang="it-IT" dirty="0" err="1">
+                <a:solidFill>
+                  <a:srgbClr val="61AFEF"/>
+                </a:solidFill>
+                <a:effectLst/>
+                <a:latin typeface="Consolas" panose="020B0609020204030204" pitchFamily="49" charset="0"/>
+              </a:rPr>
+              <a:t>ExecuteReader</a:t>
+            </a:r>
+            <a:r>
+              <a:rPr lang="it-IT" dirty="0">
+                <a:solidFill>
+                  <a:srgbClr val="ABB2BF"/>
+                </a:solidFill>
+                <a:effectLst/>
+                <a:latin typeface="Consolas" panose="020B0609020204030204" pitchFamily="49" charset="0"/>
+              </a:rPr>
+              <a:t>();</a:t>
+            </a:r>
+          </a:p>
+          <a:p>
+            <a:endParaRPr lang="it-IT" i="1" dirty="0">
+              <a:solidFill>
+                <a:srgbClr val="ABB2BF"/>
+              </a:solidFill>
+              <a:latin typeface="Consolas" panose="020B0609020204030204" pitchFamily="49" charset="0"/>
+            </a:endParaRPr>
+          </a:p>
+          <a:p>
+            <a:r>
+              <a:rPr lang="it-IT" i="1" dirty="0">
+                <a:solidFill>
+                  <a:srgbClr val="5C6370"/>
+                </a:solidFill>
+                <a:effectLst/>
+                <a:latin typeface="Consolas" panose="020B0609020204030204" pitchFamily="49" charset="0"/>
+              </a:rPr>
+              <a:t>// Con EF</a:t>
+            </a:r>
+          </a:p>
+          <a:p>
+            <a:r>
+              <a:rPr lang="it-IT" dirty="0">
+                <a:solidFill>
+                  <a:srgbClr val="C678DD"/>
+                </a:solidFill>
+                <a:effectLst/>
+                <a:latin typeface="Consolas" panose="020B0609020204030204" pitchFamily="49" charset="0"/>
+              </a:rPr>
+              <a:t>var</a:t>
+            </a:r>
+            <a:r>
+              <a:rPr lang="it-IT" dirty="0">
+                <a:latin typeface="Consolas" panose="020B0609020204030204" pitchFamily="49" charset="0"/>
+              </a:rPr>
+              <a:t> </a:t>
+            </a:r>
+            <a:r>
+              <a:rPr lang="it-IT" dirty="0" err="1">
+                <a:solidFill>
+                  <a:schemeClr val="bg1"/>
+                </a:solidFill>
+                <a:latin typeface="Consolas" panose="020B0609020204030204" pitchFamily="49" charset="0"/>
+              </a:rPr>
+              <a:t>expensiveProducts</a:t>
+            </a:r>
+            <a:r>
+              <a:rPr lang="it-IT" dirty="0">
+                <a:latin typeface="Consolas" panose="020B0609020204030204" pitchFamily="49" charset="0"/>
+              </a:rPr>
+              <a:t> </a:t>
+            </a:r>
+            <a:r>
+              <a:rPr lang="it-IT" dirty="0">
+                <a:solidFill>
+                  <a:srgbClr val="61AFEF"/>
+                </a:solidFill>
+                <a:effectLst/>
+                <a:latin typeface="Consolas" panose="020B0609020204030204" pitchFamily="49" charset="0"/>
+              </a:rPr>
+              <a:t>=</a:t>
+            </a:r>
+            <a:r>
+              <a:rPr lang="it-IT" dirty="0">
+                <a:latin typeface="Consolas" panose="020B0609020204030204" pitchFamily="49" charset="0"/>
+              </a:rPr>
+              <a:t> </a:t>
+            </a:r>
+            <a:r>
+              <a:rPr lang="it-IT" dirty="0" err="1">
+                <a:solidFill>
+                  <a:schemeClr val="bg1"/>
+                </a:solidFill>
+                <a:latin typeface="Consolas" panose="020B0609020204030204" pitchFamily="49" charset="0"/>
+              </a:rPr>
+              <a:t>context</a:t>
+            </a:r>
+            <a:r>
+              <a:rPr lang="it-IT" dirty="0" err="1">
+                <a:solidFill>
+                  <a:schemeClr val="bg1"/>
+                </a:solidFill>
+                <a:effectLst/>
+                <a:latin typeface="Consolas" panose="020B0609020204030204" pitchFamily="49" charset="0"/>
+              </a:rPr>
+              <a:t>.</a:t>
+            </a:r>
+            <a:r>
+              <a:rPr lang="it-IT" dirty="0" err="1">
+                <a:solidFill>
+                  <a:schemeClr val="bg1"/>
+                </a:solidFill>
+                <a:latin typeface="Consolas" panose="020B0609020204030204" pitchFamily="49" charset="0"/>
+              </a:rPr>
+              <a:t>Products</a:t>
+            </a:r>
+            <a:r>
+              <a:rPr lang="it-IT" dirty="0" err="1">
+                <a:solidFill>
+                  <a:srgbClr val="ABB2BF"/>
+                </a:solidFill>
+                <a:effectLst/>
+                <a:latin typeface="Consolas" panose="020B0609020204030204" pitchFamily="49" charset="0"/>
+              </a:rPr>
+              <a:t>.</a:t>
+            </a:r>
+            <a:r>
+              <a:rPr lang="it-IT" dirty="0" err="1">
+                <a:solidFill>
+                  <a:srgbClr val="61AFEF"/>
+                </a:solidFill>
+                <a:effectLst/>
+                <a:latin typeface="Consolas" panose="020B0609020204030204" pitchFamily="49" charset="0"/>
+              </a:rPr>
+              <a:t>Where</a:t>
+            </a:r>
+            <a:r>
+              <a:rPr lang="it-IT" dirty="0">
+                <a:solidFill>
+                  <a:srgbClr val="ABB2BF"/>
+                </a:solidFill>
+                <a:effectLst/>
+                <a:latin typeface="Consolas" panose="020B0609020204030204" pitchFamily="49" charset="0"/>
+              </a:rPr>
+              <a:t>(</a:t>
+            </a:r>
+            <a:r>
+              <a:rPr lang="it-IT" dirty="0">
+                <a:solidFill>
+                  <a:schemeClr val="bg1"/>
+                </a:solidFill>
+                <a:latin typeface="Consolas" panose="020B0609020204030204" pitchFamily="49" charset="0"/>
+              </a:rPr>
+              <a:t>p</a:t>
+            </a:r>
+            <a:r>
+              <a:rPr lang="it-IT" dirty="0">
+                <a:latin typeface="Consolas" panose="020B0609020204030204" pitchFamily="49" charset="0"/>
+              </a:rPr>
+              <a:t> </a:t>
+            </a:r>
+            <a:r>
+              <a:rPr lang="it-IT" dirty="0">
+                <a:solidFill>
+                  <a:srgbClr val="61AFEF"/>
+                </a:solidFill>
+                <a:effectLst/>
+                <a:latin typeface="Consolas" panose="020B0609020204030204" pitchFamily="49" charset="0"/>
+              </a:rPr>
+              <a:t>=&gt;</a:t>
+            </a:r>
+            <a:r>
+              <a:rPr lang="it-IT" dirty="0">
+                <a:latin typeface="Consolas" panose="020B0609020204030204" pitchFamily="49" charset="0"/>
+              </a:rPr>
+              <a:t> </a:t>
+            </a:r>
+            <a:r>
+              <a:rPr lang="it-IT" dirty="0" err="1">
+                <a:solidFill>
+                  <a:schemeClr val="bg1"/>
+                </a:solidFill>
+                <a:latin typeface="Consolas" panose="020B0609020204030204" pitchFamily="49" charset="0"/>
+              </a:rPr>
+              <a:t>p</a:t>
+            </a:r>
+            <a:r>
+              <a:rPr lang="it-IT" dirty="0" err="1">
+                <a:solidFill>
+                  <a:schemeClr val="bg1"/>
+                </a:solidFill>
+                <a:effectLst/>
+                <a:latin typeface="Consolas" panose="020B0609020204030204" pitchFamily="49" charset="0"/>
+              </a:rPr>
+              <a:t>.</a:t>
+            </a:r>
+            <a:r>
+              <a:rPr lang="it-IT" dirty="0" err="1">
+                <a:solidFill>
+                  <a:schemeClr val="bg1"/>
+                </a:solidFill>
+                <a:latin typeface="Consolas" panose="020B0609020204030204" pitchFamily="49" charset="0"/>
+              </a:rPr>
+              <a:t>Price</a:t>
+            </a:r>
+            <a:r>
+              <a:rPr lang="it-IT" dirty="0">
+                <a:solidFill>
+                  <a:schemeClr val="bg1"/>
+                </a:solidFill>
+                <a:latin typeface="Consolas" panose="020B0609020204030204" pitchFamily="49" charset="0"/>
+              </a:rPr>
+              <a:t> </a:t>
+            </a:r>
+            <a:r>
+              <a:rPr lang="it-IT" dirty="0">
+                <a:solidFill>
+                  <a:srgbClr val="61AFEF"/>
+                </a:solidFill>
+                <a:effectLst/>
+                <a:latin typeface="Consolas" panose="020B0609020204030204" pitchFamily="49" charset="0"/>
+              </a:rPr>
+              <a:t>&gt;</a:t>
+            </a:r>
+            <a:r>
+              <a:rPr lang="it-IT" dirty="0">
+                <a:latin typeface="Consolas" panose="020B0609020204030204" pitchFamily="49" charset="0"/>
+              </a:rPr>
+              <a:t> </a:t>
+            </a:r>
+            <a:r>
+              <a:rPr lang="it-IT" dirty="0">
+                <a:solidFill>
+                  <a:srgbClr val="D19A66"/>
+                </a:solidFill>
+                <a:effectLst/>
+                <a:latin typeface="Consolas" panose="020B0609020204030204" pitchFamily="49" charset="0"/>
+              </a:rPr>
+              <a:t>100</a:t>
+            </a:r>
+            <a:r>
+              <a:rPr lang="it-IT" dirty="0">
+                <a:solidFill>
+                  <a:srgbClr val="ABB2BF"/>
+                </a:solidFill>
+                <a:effectLst/>
+                <a:latin typeface="Consolas" panose="020B0609020204030204" pitchFamily="49" charset="0"/>
+              </a:rPr>
+              <a:t>).</a:t>
+            </a:r>
+            <a:r>
+              <a:rPr lang="it-IT" dirty="0" err="1">
+                <a:solidFill>
+                  <a:srgbClr val="61AFEF"/>
+                </a:solidFill>
+                <a:effectLst/>
+                <a:latin typeface="Consolas" panose="020B0609020204030204" pitchFamily="49" charset="0"/>
+              </a:rPr>
+              <a:t>ToList</a:t>
+            </a:r>
+            <a:r>
+              <a:rPr lang="it-IT" dirty="0">
+                <a:solidFill>
+                  <a:srgbClr val="ABB2BF"/>
+                </a:solidFill>
+                <a:effectLst/>
+                <a:latin typeface="Consolas" panose="020B0609020204030204" pitchFamily="49" charset="0"/>
+              </a:rPr>
+              <a:t>();</a:t>
+            </a:r>
+            <a:endParaRPr lang="it-IT" dirty="0">
+              <a:latin typeface="Consolas" panose="020B0609020204030204" pitchFamily="49" charset="0"/>
+            </a:endParaRPr>
+          </a:p>
+        </p:txBody>
+      </p:sp>
+    </p:spTree>
+    <p:extLst>
+      <p:ext uri="{BB962C8B-B14F-4D97-AF65-F5344CB8AC3E}">
+        <p14:creationId xmlns:p14="http://schemas.microsoft.com/office/powerpoint/2010/main" val="3817862813"/>
+      </p:ext>
+    </p:extLst>
+  </p:cSld>
+  <p:clrMapOvr>
+    <a:masterClrMapping/>
+  </p:clrMapOvr>
+</p:sld>
+</file>
+
+<file path=ppt/slides/slide6.xml><?xml version="1.0" encoding="utf-8"?>
+<p:sld xmlns:a="http://schemas.openxmlformats.org/drawingml/2006/main" xmlns:r="http://schemas.openxmlformats.org/officeDocument/2006/relationships" xmlns:p="http://schemas.openxmlformats.org/presentationml/2006/main">
+  <p:cSld>
+    <p:spTree>
+      <p:nvGrpSpPr>
+        <p:cNvPr id="1" name=""/>
+        <p:cNvGrpSpPr/>
+        <p:nvPr/>
+      </p:nvGrpSpPr>
+      <p:grpSpPr>
+        <a:xfrm>
+          <a:off x="0" y="0"/>
+          <a:ext cx="0" cy="0"/>
+          <a:chOff x="0" y="0"/>
+          <a:chExt cx="0" cy="0"/>
+        </a:xfrm>
+      </p:grpSpPr>
+      <p:sp>
+        <p:nvSpPr>
+          <p:cNvPr id="2" name="Titolo 1">
+            <a:extLst>
+              <a:ext uri="{FF2B5EF4-FFF2-40B4-BE49-F238E27FC236}">
                 <a16:creationId xmlns:a16="http://schemas.microsoft.com/office/drawing/2014/main" id="{7F653C52-32F4-7FE3-D4A9-59ECEBE94920}"/>
               </a:ext>
             </a:extLst>
@@ -29117,7 +30881,7 @@
           <a:p>
             <a:fld id="{2EF81360-97CB-4A43-A0EB-C1B998444415}" type="slidenum">
               <a:rPr lang="en-US" smtClean="0"/>
-              <a:t>5</a:t>
+              <a:t>6</a:t>
             </a:fld>
             <a:endParaRPr lang="en-US"/>
           </a:p>
@@ -29418,7 +31182,7 @@
 </p:sld>
 </file>
 
-<file path=ppt/slides/slide6.xml><?xml version="1.0" encoding="utf-8"?>
+<file path=ppt/slides/slide7.xml><?xml version="1.0" encoding="utf-8"?>
 <p:sld xmlns:a="http://schemas.openxmlformats.org/drawingml/2006/main" xmlns:r="http://schemas.openxmlformats.org/officeDocument/2006/relationships" xmlns:p="http://schemas.openxmlformats.org/presentationml/2006/main">
   <p:cSld>
     <p:spTree>
@@ -29584,7 +31348,7 @@
           <a:p>
             <a:fld id="{2EF81360-97CB-4A43-A0EB-C1B998444415}" type="slidenum">
               <a:rPr lang="en-US" smtClean="0"/>
-              <a:t>6</a:t>
+              <a:t>7</a:t>
             </a:fld>
             <a:endParaRPr lang="en-US" dirty="0"/>
           </a:p>
@@ -29954,7 +31718,111 @@
 </p:sld>
 </file>
 
-<file path=ppt/slides/slide7.xml><?xml version="1.0" encoding="utf-8"?>
+<file path=ppt/slides/slide8.xml><?xml version="1.0" encoding="utf-8"?>
+<p:sld xmlns:a="http://schemas.openxmlformats.org/drawingml/2006/main" xmlns:r="http://schemas.openxmlformats.org/officeDocument/2006/relationships" xmlns:p="http://schemas.openxmlformats.org/presentationml/2006/main">
+  <p:cSld>
+    <p:spTree>
+      <p:nvGrpSpPr>
+        <p:cNvPr id="1" name="">
+          <a:extLst>
+            <a:ext uri="{FF2B5EF4-FFF2-40B4-BE49-F238E27FC236}">
+              <a16:creationId xmlns:a16="http://schemas.microsoft.com/office/drawing/2014/main" id="{13289E6C-8041-C732-1F36-E9B24AA797B5}"/>
+            </a:ext>
+          </a:extLst>
+        </p:cNvPr>
+        <p:cNvGrpSpPr/>
+        <p:nvPr/>
+      </p:nvGrpSpPr>
+      <p:grpSpPr>
+        <a:xfrm>
+          <a:off x="0" y="0"/>
+          <a:ext cx="0" cy="0"/>
+          <a:chOff x="0" y="0"/>
+          <a:chExt cx="0" cy="0"/>
+        </a:xfrm>
+      </p:grpSpPr>
+      <p:sp>
+        <p:nvSpPr>
+          <p:cNvPr id="2" name="Titolo 1">
+            <a:extLst>
+              <a:ext uri="{FF2B5EF4-FFF2-40B4-BE49-F238E27FC236}">
+                <a16:creationId xmlns:a16="http://schemas.microsoft.com/office/drawing/2014/main" id="{1A8D1675-AD61-954D-EA69-8F25AA01EF29}"/>
+              </a:ext>
+            </a:extLst>
+          </p:cNvPr>
+          <p:cNvSpPr>
+            <a:spLocks noGrp="1"/>
+          </p:cNvSpPr>
+          <p:nvPr>
+            <p:ph type="title"/>
+          </p:nvPr>
+        </p:nvSpPr>
+        <p:spPr>
+          <a:xfrm>
+            <a:off x="1459611" y="2985065"/>
+            <a:ext cx="9272778" cy="887869"/>
+          </a:xfrm>
+        </p:spPr>
+        <p:txBody>
+          <a:bodyPr/>
+          <a:lstStyle/>
+          <a:p>
+            <a:pPr algn="ctr"/>
+            <a:r>
+              <a:rPr lang="it-IT" sz="4800" dirty="0"/>
+              <a:t>2. Code First e </a:t>
+            </a:r>
+            <a:r>
+              <a:rPr lang="it-IT" sz="4800" dirty="0" err="1"/>
+              <a:t>DbContext</a:t>
+            </a:r>
+            <a:endParaRPr lang="it-IT" sz="4800" dirty="0"/>
+          </a:p>
+        </p:txBody>
+      </p:sp>
+      <p:sp>
+        <p:nvSpPr>
+          <p:cNvPr id="4" name="Segnaposto numero diapositiva 3">
+            <a:extLst>
+              <a:ext uri="{FF2B5EF4-FFF2-40B4-BE49-F238E27FC236}">
+                <a16:creationId xmlns:a16="http://schemas.microsoft.com/office/drawing/2014/main" id="{7170BBA5-C841-A3A4-6E00-1EDCA1BA43F0}"/>
+              </a:ext>
+            </a:extLst>
+          </p:cNvPr>
+          <p:cNvSpPr>
+            <a:spLocks noGrp="1"/>
+          </p:cNvSpPr>
+          <p:nvPr>
+            <p:ph type="sldNum" sz="quarter" idx="16"/>
+          </p:nvPr>
+        </p:nvSpPr>
+        <p:spPr/>
+        <p:txBody>
+          <a:bodyPr/>
+          <a:lstStyle/>
+          <a:p>
+            <a:fld id="{E32394A6-AED1-4B79-B4B6-933D748A7F18}" type="slidenum">
+              <a:rPr lang="en-US" smtClean="0"/>
+              <a:t>8</a:t>
+            </a:fld>
+            <a:endParaRPr lang="en-US"/>
+          </a:p>
+        </p:txBody>
+      </p:sp>
+    </p:spTree>
+    <p:extLst>
+      <p:ext uri="{BB962C8B-B14F-4D97-AF65-F5344CB8AC3E}">
+        <p14:creationId xmlns:p14="http://schemas.microsoft.com/office/powerpoint/2010/main" val="2174923466"/>
+      </p:ext>
+    </p:extLst>
+  </p:cSld>
+  <p:clrMapOvr>
+    <a:masterClrMapping/>
+  </p:clrMapOvr>
+</p:sld>
+</file>
+
+<file path=ppt/slides/slide9.xml><?xml version="1.0" encoding="utf-8"?>
 <p:sld xmlns:a="http://schemas.openxmlformats.org/drawingml/2006/main" xmlns:r="http://schemas.openxmlformats.org/officeDocument/2006/relationships" xmlns:p="http://schemas.openxmlformats.org/presentationml/2006/main">
   <p:cSld>
     <p:spTree>
@@ -30035,7 +31903,7 @@
           <a:p>
             <a:fld id="{2EF81360-97CB-4A43-A0EB-C1B998444415}" type="slidenum">
               <a:rPr lang="en-US" smtClean="0"/>
-              <a:t>7</a:t>
+              <a:t>9</a:t>
             </a:fld>
             <a:endParaRPr lang="en-US" dirty="0"/>
           </a:p>
@@ -30109,7 +31977,7 @@
               <a:rPr lang="it-IT" dirty="0">
                 <a:latin typeface="Mathilde" panose="03050500000000020004" pitchFamily="66" charset="0"/>
               </a:rPr>
-              <a:t>Il modello database viene definito a livello DB definendo in un progetto SQL le varie query di create.</a:t>
+              <a:t>Il modello database viene definito a livello DB con un progetto SQL specificando le varie query di create.</a:t>
             </a:r>
           </a:p>
           <a:p>
@@ -30223,14 +32091,26 @@
               <a:rPr lang="it-IT" dirty="0">
                 <a:latin typeface="Mathilde" panose="03050500000000020004" pitchFamily="66" charset="0"/>
               </a:rPr>
-              <a:t>Minor supporto alla </a:t>
-            </a:r>
-            <a:r>
-              <a:rPr lang="it-IT">
+              <a:t>Minor supporto alla multi tecnologia DB</a:t>
+            </a:r>
+          </a:p>
+          <a:p>
+            <a:pPr marL="285750" indent="-285750" algn="l">
+              <a:buFont typeface="Arial" panose="020B0604020202020204" pitchFamily="34" charset="0"/>
+              <a:buChar char="•"/>
+            </a:pPr>
+            <a:r>
+              <a:rPr lang="it-IT" dirty="0">
                 <a:latin typeface="Mathilde" panose="03050500000000020004" pitchFamily="66" charset="0"/>
               </a:rPr>
-              <a:t>multi tecnologia DB</a:t>
-            </a:r>
+              <a:t>Niente generazione automatica del DB</a:t>
+            </a:r>
+          </a:p>
+          <a:p>
+            <a:pPr algn="l"/>
+            <a:endParaRPr lang="it-IT" dirty="0">
+              <a:latin typeface="Mathilde" panose="03050500000000020004" pitchFamily="66" charset="0"/>
+            </a:endParaRPr>
           </a:p>
           <a:p>
             <a:pPr marL="285750" indent="-285750" algn="l">
@@ -30248,6 +32128,169 @@
             </a:pPr>
             <a:endParaRPr lang="it-IT" dirty="0">
               <a:latin typeface="Mathilde" panose="03050500000000020004" pitchFamily="66" charset="0"/>
+            </a:endParaRPr>
+          </a:p>
+        </p:txBody>
+      </p:sp>
+      <p:sp>
+        <p:nvSpPr>
+          <p:cNvPr id="5" name="CasellaDiTesto 4">
+            <a:extLst>
+              <a:ext uri="{FF2B5EF4-FFF2-40B4-BE49-F238E27FC236}">
+                <a16:creationId xmlns:a16="http://schemas.microsoft.com/office/drawing/2014/main" id="{51B0DD91-2D27-95AB-AE86-52F1D706AB4C}"/>
+              </a:ext>
+            </a:extLst>
+          </p:cNvPr>
+          <p:cNvSpPr txBox="1"/>
+          <p:nvPr/>
+        </p:nvSpPr>
+        <p:spPr>
+          <a:xfrm>
+            <a:off x="635508" y="5421105"/>
+            <a:ext cx="11160252" cy="369332"/>
+          </a:xfrm>
+          <a:prstGeom prst="rect">
+            <a:avLst/>
+          </a:prstGeom>
+          <a:solidFill>
+            <a:schemeClr val="accent4">
+              <a:lumMod val="50000"/>
+            </a:schemeClr>
+          </a:solidFill>
+          <a:effectLst>
+            <a:glow rad="63500">
+              <a:schemeClr val="accent3">
+                <a:satMod val="175000"/>
+                <a:alpha val="40000"/>
+              </a:schemeClr>
+            </a:glow>
+          </a:effectLst>
+        </p:spPr>
+        <p:txBody>
+          <a:bodyPr wrap="square">
+            <a:spAutoFit/>
+          </a:bodyPr>
+          <a:lstStyle/>
+          <a:p>
+            <a:pPr algn="l" rtl="0" latinLnBrk="0">
+              <a:buNone/>
+            </a:pPr>
+            <a:r>
+              <a:rPr lang="it-IT" dirty="0" err="1">
+                <a:solidFill>
+                  <a:schemeClr val="bg1"/>
+                </a:solidFill>
+                <a:effectLst/>
+                <a:latin typeface="Consolas" panose="020B0609020204030204" pitchFamily="49" charset="0"/>
+              </a:rPr>
+              <a:t>dotnet</a:t>
+            </a:r>
+            <a:r>
+              <a:rPr lang="it-IT" dirty="0">
+                <a:solidFill>
+                  <a:schemeClr val="bg1"/>
+                </a:solidFill>
+                <a:effectLst/>
+                <a:latin typeface="Consolas" panose="020B0609020204030204" pitchFamily="49" charset="0"/>
+              </a:rPr>
+              <a:t> </a:t>
+            </a:r>
+            <a:r>
+              <a:rPr lang="it-IT" dirty="0" err="1">
+                <a:solidFill>
+                  <a:schemeClr val="bg1"/>
+                </a:solidFill>
+                <a:effectLst/>
+                <a:latin typeface="Consolas" panose="020B0609020204030204" pitchFamily="49" charset="0"/>
+              </a:rPr>
+              <a:t>ef</a:t>
+            </a:r>
+            <a:r>
+              <a:rPr lang="it-IT" dirty="0">
+                <a:solidFill>
+                  <a:schemeClr val="bg1"/>
+                </a:solidFill>
+                <a:effectLst/>
+                <a:latin typeface="Consolas" panose="020B0609020204030204" pitchFamily="49" charset="0"/>
+              </a:rPr>
+              <a:t> </a:t>
+            </a:r>
+            <a:r>
+              <a:rPr lang="it-IT" dirty="0" err="1">
+                <a:solidFill>
+                  <a:schemeClr val="bg1"/>
+                </a:solidFill>
+                <a:effectLst/>
+                <a:latin typeface="Consolas" panose="020B0609020204030204" pitchFamily="49" charset="0"/>
+              </a:rPr>
+              <a:t>dbcontext</a:t>
+            </a:r>
+            <a:r>
+              <a:rPr lang="it-IT" dirty="0">
+                <a:solidFill>
+                  <a:schemeClr val="bg1"/>
+                </a:solidFill>
+                <a:effectLst/>
+                <a:latin typeface="Consolas" panose="020B0609020204030204" pitchFamily="49" charset="0"/>
+              </a:rPr>
+              <a:t> scaffold </a:t>
+            </a:r>
+            <a:r>
+              <a:rPr lang="it-IT" dirty="0">
+                <a:solidFill>
+                  <a:srgbClr val="98C379"/>
+                </a:solidFill>
+                <a:effectLst/>
+                <a:latin typeface="Consolas" panose="020B0609020204030204" pitchFamily="49" charset="0"/>
+              </a:rPr>
+              <a:t>"</a:t>
+            </a:r>
+            <a:r>
+              <a:rPr lang="it-IT" dirty="0" err="1">
+                <a:solidFill>
+                  <a:srgbClr val="98C379"/>
+                </a:solidFill>
+                <a:effectLst/>
+                <a:latin typeface="Consolas" panose="020B0609020204030204" pitchFamily="49" charset="0"/>
+              </a:rPr>
+              <a:t>ConnectionString</a:t>
+            </a:r>
+            <a:r>
+              <a:rPr lang="it-IT" dirty="0">
+                <a:solidFill>
+                  <a:srgbClr val="98C379"/>
+                </a:solidFill>
+                <a:effectLst/>
+                <a:latin typeface="Consolas" panose="020B0609020204030204" pitchFamily="49" charset="0"/>
+              </a:rPr>
+              <a:t>"</a:t>
+            </a:r>
+            <a:r>
+              <a:rPr lang="it-IT" dirty="0">
+                <a:solidFill>
+                  <a:srgbClr val="ABB2BF"/>
+                </a:solidFill>
+                <a:effectLst/>
+                <a:latin typeface="Consolas" panose="020B0609020204030204" pitchFamily="49" charset="0"/>
+              </a:rPr>
+              <a:t> </a:t>
+            </a:r>
+            <a:r>
+              <a:rPr lang="it-IT" dirty="0" err="1">
+                <a:solidFill>
+                  <a:schemeClr val="bg1"/>
+                </a:solidFill>
+                <a:effectLst/>
+                <a:latin typeface="Consolas" panose="020B0609020204030204" pitchFamily="49" charset="0"/>
+              </a:rPr>
+              <a:t>Npgsql.EntityFrameworkCore.PostgreSQL</a:t>
+            </a:r>
+            <a:endParaRPr lang="it-IT" dirty="0">
+              <a:solidFill>
+                <a:schemeClr val="bg1"/>
+              </a:solidFill>
+              <a:effectLst/>
+              <a:latin typeface="Consolas" panose="020B0609020204030204" pitchFamily="49" charset="0"/>
             </a:endParaRPr>
           </a:p>
         </p:txBody>
@@ -31109,9 +33152,12 @@
 </file>
 
 <file path=customXml/item1.xml><?xml version="1.0" encoding="utf-8"?>
-<p:properties xmlns:p="http://schemas.microsoft.com/office/2006/metadata/properties" xmlns:xsi="http://www.w3.org/2001/XMLSchema-instance" xmlns:pc="http://schemas.microsoft.com/office/infopath/2007/PartnerControls">
-  <documentManagement/>
-</p:properties>
+<?mso-contentType ?>
+<FormTemplates xmlns="http://schemas.microsoft.com/sharepoint/v3/contenttype/forms">
+  <Display>DocumentLibraryForm</Display>
+  <Edit>DocumentLibraryForm</Edit>
+  <New>DocumentLibraryForm</New>
+</FormTemplates>
 </file>
 
 <file path=customXml/item2.xml><?xml version="1.0" encoding="utf-8"?>
@@ -31229,25 +33275,15 @@
 </file>
 
 <file path=customXml/item3.xml><?xml version="1.0" encoding="utf-8"?>
-<?mso-contentType ?>
-<FormTemplates xmlns="http://schemas.microsoft.com/sharepoint/v3/contenttype/forms">
-  <Display>DocumentLibraryForm</Display>
-  <Edit>DocumentLibraryForm</Edit>
-  <New>DocumentLibraryForm</New>
-</FormTemplates>
+<p:properties xmlns:p="http://schemas.microsoft.com/office/2006/metadata/properties" xmlns:xsi="http://www.w3.org/2001/XMLSchema-instance" xmlns:pc="http://schemas.microsoft.com/office/infopath/2007/PartnerControls">
+  <documentManagement/>
+</p:properties>
 </file>
 
 <file path=customXml/itemProps1.xml><?xml version="1.0" encoding="utf-8"?>
-<ds:datastoreItem xmlns:ds="http://schemas.openxmlformats.org/officeDocument/2006/customXml" ds:itemID="{301BBD3C-30E8-41E0-AB1E-71FEAFFDF248}">
+<ds:datastoreItem xmlns:ds="http://schemas.openxmlformats.org/officeDocument/2006/customXml" ds:itemID="{4BE2EC42-D943-4272-A3C2-57D6A083BDF7}">
   <ds:schemaRefs>
-    <ds:schemaRef ds:uri="http://purl.org/dc/terms/"/>
-    <ds:schemaRef ds:uri="http://schemas.openxmlformats.org/package/2006/metadata/core-properties"/>
-    <ds:schemaRef ds:uri="http://schemas.microsoft.com/office/2006/documentManagement/types"/>
-    <ds:schemaRef ds:uri="http://schemas.microsoft.com/office/infopath/2007/PartnerControls"/>
-    <ds:schemaRef ds:uri="http://purl.org/dc/elements/1.1/"/>
-    <ds:schemaRef ds:uri="http://schemas.microsoft.com/office/2006/metadata/properties"/>
-    <ds:schemaRef ds:uri="http://www.w3.org/XML/1998/namespace"/>
-    <ds:schemaRef ds:uri="http://purl.org/dc/dcmitype/"/>
+    <ds:schemaRef ds:uri="http://schemas.microsoft.com/sharepoint/v3/contenttype/forms"/>
   </ds:schemaRefs>
 </ds:datastoreItem>
 </file>
@@ -31269,9 +33305,16 @@
 </file>
 
 <file path=customXml/itemProps3.xml><?xml version="1.0" encoding="utf-8"?>
-<ds:datastoreItem xmlns:ds="http://schemas.openxmlformats.org/officeDocument/2006/customXml" ds:itemID="{4BE2EC42-D943-4272-A3C2-57D6A083BDF7}">
+<ds:datastoreItem xmlns:ds="http://schemas.openxmlformats.org/officeDocument/2006/customXml" ds:itemID="{301BBD3C-30E8-41E0-AB1E-71FEAFFDF248}">
   <ds:schemaRefs>
-    <ds:schemaRef ds:uri="http://schemas.microsoft.com/sharepoint/v3/contenttype/forms"/>
+    <ds:schemaRef ds:uri="http://purl.org/dc/terms/"/>
+    <ds:schemaRef ds:uri="http://schemas.openxmlformats.org/package/2006/metadata/core-properties"/>
+    <ds:schemaRef ds:uri="http://schemas.microsoft.com/office/2006/documentManagement/types"/>
+    <ds:schemaRef ds:uri="http://schemas.microsoft.com/office/infopath/2007/PartnerControls"/>
+    <ds:schemaRef ds:uri="http://purl.org/dc/elements/1.1/"/>
+    <ds:schemaRef ds:uri="http://schemas.microsoft.com/office/2006/metadata/properties"/>
+    <ds:schemaRef ds:uri="http://www.w3.org/XML/1998/namespace"/>
+    <ds:schemaRef ds:uri="http://purl.org/dc/dcmitype/"/>
   </ds:schemaRefs>
 </ds:datastoreItem>
 </file>
--- a/EntityFramework tip&tricks.pptx
+++ b/EntityFramework tip&tricks.pptx
@@ -5,10 +5,10 @@
     <p:sldMasterId id="2147484005" r:id="rId4"/>
   </p:sldMasterIdLst>
   <p:notesMasterIdLst>
-    <p:notesMasterId r:id="rId16"/>
+    <p:notesMasterId r:id="rId17"/>
   </p:notesMasterIdLst>
   <p:handoutMasterIdLst>
-    <p:handoutMasterId r:id="rId17"/>
+    <p:handoutMasterId r:id="rId18"/>
   </p:handoutMasterIdLst>
   <p:sldIdLst>
     <p:sldId id="4334" r:id="rId5"/>
@@ -22,6 +22,7 @@
     <p:sldId id="4358" r:id="rId13"/>
     <p:sldId id="4363" r:id="rId14"/>
     <p:sldId id="4359" r:id="rId15"/>
+    <p:sldId id="4364" r:id="rId16"/>
   </p:sldIdLst>
   <p:sldSz cx="12192000" cy="6858000"/>
   <p:notesSz cx="6858000" cy="9144000"/>
@@ -28143,7 +28144,13 @@
               <a:lumMod val="50000"/>
             </a:schemeClr>
           </a:solidFill>
-          <a:effectLst/>
+          <a:effectLst>
+            <a:outerShdw blurRad="50800" dist="38100" dir="5400000" algn="t" rotWithShape="0">
+              <a:prstClr val="black">
+                <a:alpha val="40000"/>
+              </a:prstClr>
+            </a:outerShdw>
+          </a:effectLst>
         </p:spPr>
         <p:txBody>
           <a:bodyPr wrap="square">
@@ -29136,6 +29143,1670 @@
     <p:extLst>
       <p:ext uri="{BB962C8B-B14F-4D97-AF65-F5344CB8AC3E}">
         <p14:creationId xmlns:p14="http://schemas.microsoft.com/office/powerpoint/2010/main" val="949185704"/>
+      </p:ext>
+    </p:extLst>
+  </p:cSld>
+  <p:clrMapOvr>
+    <a:masterClrMapping/>
+  </p:clrMapOvr>
+</p:sld>
+</file>
+
+<file path=ppt/slides/slide12.xml><?xml version="1.0" encoding="utf-8"?>
+<p:sld xmlns:a="http://schemas.openxmlformats.org/drawingml/2006/main" xmlns:r="http://schemas.openxmlformats.org/officeDocument/2006/relationships" xmlns:p="http://schemas.openxmlformats.org/presentationml/2006/main">
+  <p:cSld>
+    <p:spTree>
+      <p:nvGrpSpPr>
+        <p:cNvPr id="1" name="">
+          <a:extLst>
+            <a:ext uri="{FF2B5EF4-FFF2-40B4-BE49-F238E27FC236}">
+              <a16:creationId xmlns:a16="http://schemas.microsoft.com/office/drawing/2014/main" id="{1FBBA6FF-810B-6B9E-2F7B-F0B64F2BBA4B}"/>
+            </a:ext>
+          </a:extLst>
+        </p:cNvPr>
+        <p:cNvGrpSpPr/>
+        <p:nvPr/>
+      </p:nvGrpSpPr>
+      <p:grpSpPr>
+        <a:xfrm>
+          <a:off x="0" y="0"/>
+          <a:ext cx="0" cy="0"/>
+          <a:chOff x="0" y="0"/>
+          <a:chExt cx="0" cy="0"/>
+        </a:xfrm>
+      </p:grpSpPr>
+      <p:sp>
+        <p:nvSpPr>
+          <p:cNvPr id="2" name="Titolo 1">
+            <a:extLst>
+              <a:ext uri="{FF2B5EF4-FFF2-40B4-BE49-F238E27FC236}">
+                <a16:creationId xmlns:a16="http://schemas.microsoft.com/office/drawing/2014/main" id="{211DFD30-3311-7CCF-C34B-9EE4E2A6A157}"/>
+              </a:ext>
+            </a:extLst>
+          </p:cNvPr>
+          <p:cNvSpPr>
+            <a:spLocks noGrp="1"/>
+          </p:cNvSpPr>
+          <p:nvPr>
+            <p:ph type="title"/>
+          </p:nvPr>
+        </p:nvSpPr>
+        <p:spPr>
+          <a:xfrm>
+            <a:off x="537210" y="577972"/>
+            <a:ext cx="11013948" cy="900683"/>
+          </a:xfrm>
+        </p:spPr>
+        <p:txBody>
+          <a:bodyPr>
+            <a:normAutofit/>
+          </a:bodyPr>
+          <a:lstStyle/>
+          <a:p>
+            <a:r>
+              <a:rPr lang="it-IT" dirty="0"/>
+              <a:t>Classi </a:t>
+            </a:r>
+            <a:r>
+              <a:rPr lang="it-IT" dirty="0" err="1"/>
+              <a:t>Entity</a:t>
+            </a:r>
+            <a:endParaRPr lang="it-IT" dirty="0"/>
+          </a:p>
+        </p:txBody>
+      </p:sp>
+      <p:sp>
+        <p:nvSpPr>
+          <p:cNvPr id="4" name="Segnaposto numero diapositiva 3">
+            <a:extLst>
+              <a:ext uri="{FF2B5EF4-FFF2-40B4-BE49-F238E27FC236}">
+                <a16:creationId xmlns:a16="http://schemas.microsoft.com/office/drawing/2014/main" id="{E3909057-FA29-9F43-6CA9-17C032E4E61F}"/>
+              </a:ext>
+            </a:extLst>
+          </p:cNvPr>
+          <p:cNvSpPr>
+            <a:spLocks noGrp="1"/>
+          </p:cNvSpPr>
+          <p:nvPr>
+            <p:ph type="sldNum" sz="quarter" idx="12"/>
+          </p:nvPr>
+        </p:nvSpPr>
+        <p:spPr/>
+        <p:txBody>
+          <a:bodyPr/>
+          <a:lstStyle/>
+          <a:p>
+            <a:fld id="{2EF81360-97CB-4A43-A0EB-C1B998444415}" type="slidenum">
+              <a:rPr lang="en-US" smtClean="0"/>
+              <a:t>12</a:t>
+            </a:fld>
+            <a:endParaRPr lang="en-US" dirty="0"/>
+          </a:p>
+        </p:txBody>
+      </p:sp>
+      <p:sp>
+        <p:nvSpPr>
+          <p:cNvPr id="6" name="CasellaDiTesto 5">
+            <a:extLst>
+              <a:ext uri="{FF2B5EF4-FFF2-40B4-BE49-F238E27FC236}">
+                <a16:creationId xmlns:a16="http://schemas.microsoft.com/office/drawing/2014/main" id="{3E07DE2B-2F4A-4F62-C32D-3A4C7FBF55BD}"/>
+              </a:ext>
+            </a:extLst>
+          </p:cNvPr>
+          <p:cNvSpPr txBox="1"/>
+          <p:nvPr/>
+        </p:nvSpPr>
+        <p:spPr>
+          <a:xfrm>
+            <a:off x="768096" y="4325112"/>
+            <a:ext cx="10552176" cy="969264"/>
+          </a:xfrm>
+          <a:prstGeom prst="rect">
+            <a:avLst/>
+          </a:prstGeom>
+          <a:effectLst/>
+        </p:spPr>
+        <p:txBody>
+          <a:bodyPr vert="horz" wrap="square" lIns="0" tIns="192024" rIns="0" bIns="0" rtlCol="0" anchor="t" anchorCtr="0">
+            <a:noAutofit/>
+          </a:bodyPr>
+          <a:lstStyle/>
+          <a:p>
+            <a:pPr algn="l"/>
+            <a:endParaRPr lang="it-IT" sz="4400" dirty="0">
+              <a:latin typeface="Mathilde" panose="03050500000000020004" pitchFamily="66" charset="0"/>
+            </a:endParaRPr>
+          </a:p>
+        </p:txBody>
+      </p:sp>
+      <p:sp>
+        <p:nvSpPr>
+          <p:cNvPr id="7" name="CasellaDiTesto 6">
+            <a:extLst>
+              <a:ext uri="{FF2B5EF4-FFF2-40B4-BE49-F238E27FC236}">
+                <a16:creationId xmlns:a16="http://schemas.microsoft.com/office/drawing/2014/main" id="{F4E3B64E-1371-5519-BD04-0B494ACD8650}"/>
+              </a:ext>
+            </a:extLst>
+          </p:cNvPr>
+          <p:cNvSpPr txBox="1"/>
+          <p:nvPr/>
+        </p:nvSpPr>
+        <p:spPr>
+          <a:xfrm>
+            <a:off x="635508" y="1517269"/>
+            <a:ext cx="10915650" cy="1745869"/>
+          </a:xfrm>
+          <a:prstGeom prst="rect">
+            <a:avLst/>
+          </a:prstGeom>
+          <a:effectLst/>
+        </p:spPr>
+        <p:txBody>
+          <a:bodyPr vert="horz" wrap="square" lIns="0" tIns="192024" rIns="0" bIns="0" rtlCol="0" anchor="t" anchorCtr="0">
+            <a:noAutofit/>
+          </a:bodyPr>
+          <a:lstStyle/>
+          <a:p>
+            <a:pPr algn="l"/>
+            <a:r>
+              <a:rPr lang="it-IT" dirty="0">
+                <a:latin typeface="Mathilde" panose="03050500000000020004" pitchFamily="66" charset="0"/>
+              </a:rPr>
+              <a:t>La classe </a:t>
+            </a:r>
+            <a:r>
+              <a:rPr lang="it-IT" dirty="0" err="1">
+                <a:latin typeface="Mathilde" panose="03050500000000020004" pitchFamily="66" charset="0"/>
+              </a:rPr>
+              <a:t>entity</a:t>
+            </a:r>
+            <a:r>
+              <a:rPr lang="it-IT" dirty="0">
+                <a:latin typeface="Mathilde" panose="03050500000000020004" pitchFamily="66" charset="0"/>
+              </a:rPr>
+              <a:t> rappresenta una classe del modello. Sono le fondamenta della persistenza e verranno convertite da </a:t>
+            </a:r>
+            <a:r>
+              <a:rPr lang="it-IT" dirty="0" err="1">
+                <a:latin typeface="Mathilde" panose="03050500000000020004" pitchFamily="66" charset="0"/>
+              </a:rPr>
+              <a:t>Entity</a:t>
+            </a:r>
+            <a:r>
+              <a:rPr lang="it-IT" dirty="0">
+                <a:latin typeface="Mathilde" panose="03050500000000020004" pitchFamily="66" charset="0"/>
+              </a:rPr>
+              <a:t> Framework in query di create </a:t>
+            </a:r>
+            <a:r>
+              <a:rPr lang="it-IT" dirty="0" err="1">
+                <a:latin typeface="Mathilde" panose="03050500000000020004" pitchFamily="66" charset="0"/>
+              </a:rPr>
+              <a:t>table</a:t>
+            </a:r>
+            <a:r>
+              <a:rPr lang="it-IT" dirty="0">
+                <a:latin typeface="Mathilde" panose="03050500000000020004" pitchFamily="66" charset="0"/>
+              </a:rPr>
+              <a:t>. Le classi </a:t>
+            </a:r>
+            <a:r>
+              <a:rPr lang="it-IT" dirty="0" err="1">
+                <a:latin typeface="Mathilde" panose="03050500000000020004" pitchFamily="66" charset="0"/>
+              </a:rPr>
+              <a:t>entity</a:t>
+            </a:r>
+            <a:r>
+              <a:rPr lang="it-IT" dirty="0">
+                <a:latin typeface="Mathilde" panose="03050500000000020004" pitchFamily="66" charset="0"/>
+              </a:rPr>
+              <a:t> saranno poi inserite nelle </a:t>
+            </a:r>
+            <a:r>
+              <a:rPr lang="it-IT" dirty="0" err="1">
+                <a:latin typeface="Mathilde" panose="03050500000000020004" pitchFamily="66" charset="0"/>
+              </a:rPr>
+              <a:t>collection</a:t>
+            </a:r>
+            <a:r>
+              <a:rPr lang="it-IT" dirty="0">
+                <a:latin typeface="Mathilde" panose="03050500000000020004" pitchFamily="66" charset="0"/>
+              </a:rPr>
+              <a:t> </a:t>
+            </a:r>
+            <a:r>
+              <a:rPr lang="it-IT" dirty="0" err="1">
+                <a:latin typeface="Mathilde" panose="03050500000000020004" pitchFamily="66" charset="0"/>
+              </a:rPr>
+              <a:t>DbSet</a:t>
+            </a:r>
+            <a:r>
+              <a:rPr lang="it-IT" dirty="0">
+                <a:latin typeface="Mathilde" panose="03050500000000020004" pitchFamily="66" charset="0"/>
+              </a:rPr>
+              <a:t> del </a:t>
+            </a:r>
+            <a:r>
+              <a:rPr lang="it-IT" dirty="0" err="1">
+                <a:latin typeface="Mathilde" panose="03050500000000020004" pitchFamily="66" charset="0"/>
+              </a:rPr>
+              <a:t>DbContext</a:t>
+            </a:r>
+            <a:endParaRPr lang="it-IT" dirty="0">
+              <a:latin typeface="Mathilde" panose="03050500000000020004" pitchFamily="66" charset="0"/>
+            </a:endParaRPr>
+          </a:p>
+          <a:p>
+            <a:pPr algn="l"/>
+            <a:endParaRPr lang="it-IT" dirty="0">
+              <a:latin typeface="Mathilde" panose="03050500000000020004" pitchFamily="66" charset="0"/>
+            </a:endParaRPr>
+          </a:p>
+          <a:p>
+            <a:pPr algn="l"/>
+            <a:r>
+              <a:rPr lang="it-IT" dirty="0">
+                <a:latin typeface="Mathilde" panose="03050500000000020004" pitchFamily="66" charset="0"/>
+              </a:rPr>
+              <a:t>Le classi </a:t>
+            </a:r>
+            <a:r>
+              <a:rPr lang="it-IT" dirty="0" err="1">
+                <a:latin typeface="Mathilde" panose="03050500000000020004" pitchFamily="66" charset="0"/>
+              </a:rPr>
+              <a:t>entity</a:t>
+            </a:r>
+            <a:r>
+              <a:rPr lang="it-IT" dirty="0">
+                <a:latin typeface="Mathilde" panose="03050500000000020004" pitchFamily="66" charset="0"/>
+              </a:rPr>
+              <a:t> mappano anche le relazioni tra le varie </a:t>
+            </a:r>
+            <a:r>
+              <a:rPr lang="it-IT" dirty="0" err="1">
+                <a:latin typeface="Mathilde" panose="03050500000000020004" pitchFamily="66" charset="0"/>
+              </a:rPr>
+              <a:t>entity</a:t>
+            </a:r>
+            <a:r>
+              <a:rPr lang="it-IT" dirty="0">
+                <a:latin typeface="Mathilde" panose="03050500000000020004" pitchFamily="66" charset="0"/>
+              </a:rPr>
+              <a:t> (1 : m, m : m)</a:t>
+            </a:r>
+          </a:p>
+          <a:p>
+            <a:pPr algn="l"/>
+            <a:endParaRPr lang="it-IT" dirty="0">
+              <a:latin typeface="Mathilde" panose="03050500000000020004" pitchFamily="66" charset="0"/>
+            </a:endParaRPr>
+          </a:p>
+          <a:p>
+            <a:pPr algn="l"/>
+            <a:endParaRPr lang="it-IT" dirty="0">
+              <a:latin typeface="Mathilde" panose="03050500000000020004" pitchFamily="66" charset="0"/>
+            </a:endParaRPr>
+          </a:p>
+        </p:txBody>
+      </p:sp>
+      <p:sp>
+        <p:nvSpPr>
+          <p:cNvPr id="8" name="CasellaDiTesto 7">
+            <a:extLst>
+              <a:ext uri="{FF2B5EF4-FFF2-40B4-BE49-F238E27FC236}">
+                <a16:creationId xmlns:a16="http://schemas.microsoft.com/office/drawing/2014/main" id="{8A9621BA-DE3F-26FD-36C2-0758B47F7558}"/>
+              </a:ext>
+            </a:extLst>
+          </p:cNvPr>
+          <p:cNvSpPr txBox="1"/>
+          <p:nvPr/>
+        </p:nvSpPr>
+        <p:spPr>
+          <a:xfrm>
+            <a:off x="635508" y="3171485"/>
+            <a:ext cx="6094476" cy="3108543"/>
+          </a:xfrm>
+          <a:prstGeom prst="rect">
+            <a:avLst/>
+          </a:prstGeom>
+          <a:solidFill>
+            <a:schemeClr val="accent4">
+              <a:lumMod val="50000"/>
+            </a:schemeClr>
+          </a:solidFill>
+          <a:effectLst>
+            <a:outerShdw blurRad="50800" dist="38100" dir="2700000" algn="tl" rotWithShape="0">
+              <a:prstClr val="black">
+                <a:alpha val="40000"/>
+              </a:prstClr>
+            </a:outerShdw>
+          </a:effectLst>
+        </p:spPr>
+        <p:txBody>
+          <a:bodyPr wrap="square">
+            <a:spAutoFit/>
+          </a:bodyPr>
+          <a:lstStyle/>
+          <a:p>
+            <a:r>
+              <a:rPr lang="it-IT" sz="1400" dirty="0">
+                <a:solidFill>
+                  <a:srgbClr val="C678DD"/>
+                </a:solidFill>
+                <a:effectLst/>
+                <a:latin typeface="Consolas" panose="020B0609020204030204" pitchFamily="49" charset="0"/>
+              </a:rPr>
+              <a:t>public</a:t>
+            </a:r>
+            <a:r>
+              <a:rPr lang="it-IT" sz="1400" dirty="0">
+                <a:latin typeface="Consolas" panose="020B0609020204030204" pitchFamily="49" charset="0"/>
+              </a:rPr>
+              <a:t> </a:t>
+            </a:r>
+            <a:r>
+              <a:rPr lang="it-IT" sz="1400" dirty="0">
+                <a:solidFill>
+                  <a:srgbClr val="C678DD"/>
+                </a:solidFill>
+                <a:effectLst/>
+                <a:latin typeface="Consolas" panose="020B0609020204030204" pitchFamily="49" charset="0"/>
+              </a:rPr>
+              <a:t>class</a:t>
+            </a:r>
+            <a:r>
+              <a:rPr lang="it-IT" sz="1400" dirty="0">
+                <a:latin typeface="Consolas" panose="020B0609020204030204" pitchFamily="49" charset="0"/>
+              </a:rPr>
+              <a:t> </a:t>
+            </a:r>
+            <a:r>
+              <a:rPr lang="it-IT" sz="1400" dirty="0">
+                <a:solidFill>
+                  <a:srgbClr val="D19A66"/>
+                </a:solidFill>
+                <a:effectLst/>
+                <a:latin typeface="Consolas" panose="020B0609020204030204" pitchFamily="49" charset="0"/>
+              </a:rPr>
+              <a:t>Product</a:t>
+            </a:r>
+            <a:r>
+              <a:rPr lang="it-IT" sz="1400" dirty="0">
+                <a:latin typeface="Consolas" panose="020B0609020204030204" pitchFamily="49" charset="0"/>
+              </a:rPr>
+              <a:t> </a:t>
+            </a:r>
+            <a:r>
+              <a:rPr lang="it-IT" sz="1400" dirty="0">
+                <a:solidFill>
+                  <a:srgbClr val="ABB2BF"/>
+                </a:solidFill>
+                <a:effectLst/>
+                <a:latin typeface="Consolas" panose="020B0609020204030204" pitchFamily="49" charset="0"/>
+              </a:rPr>
+              <a:t>{</a:t>
+            </a:r>
+            <a:r>
+              <a:rPr lang="it-IT" sz="1400" dirty="0">
+                <a:latin typeface="Consolas" panose="020B0609020204030204" pitchFamily="49" charset="0"/>
+              </a:rPr>
+              <a:t> </a:t>
+            </a:r>
+          </a:p>
+          <a:p>
+            <a:r>
+              <a:rPr lang="it-IT" sz="1400" dirty="0">
+                <a:solidFill>
+                  <a:srgbClr val="C678DD"/>
+                </a:solidFill>
+                <a:effectLst/>
+                <a:latin typeface="Consolas" panose="020B0609020204030204" pitchFamily="49" charset="0"/>
+              </a:rPr>
+              <a:t>  public</a:t>
+            </a:r>
+            <a:r>
+              <a:rPr lang="it-IT" sz="1400" dirty="0">
+                <a:latin typeface="Consolas" panose="020B0609020204030204" pitchFamily="49" charset="0"/>
+              </a:rPr>
+              <a:t> </a:t>
+            </a:r>
+            <a:r>
+              <a:rPr lang="it-IT" sz="1400" dirty="0" err="1">
+                <a:solidFill>
+                  <a:srgbClr val="C678DD"/>
+                </a:solidFill>
+                <a:effectLst/>
+                <a:latin typeface="Consolas" panose="020B0609020204030204" pitchFamily="49" charset="0"/>
+              </a:rPr>
+              <a:t>int</a:t>
+            </a:r>
+            <a:r>
+              <a:rPr lang="it-IT" sz="1400" dirty="0">
+                <a:latin typeface="Consolas" panose="020B0609020204030204" pitchFamily="49" charset="0"/>
+              </a:rPr>
+              <a:t> </a:t>
+            </a:r>
+            <a:r>
+              <a:rPr lang="it-IT" sz="1400" dirty="0">
+                <a:solidFill>
+                  <a:schemeClr val="bg1"/>
+                </a:solidFill>
+                <a:latin typeface="Consolas" panose="020B0609020204030204" pitchFamily="49" charset="0"/>
+              </a:rPr>
+              <a:t>Id</a:t>
+            </a:r>
+            <a:r>
+              <a:rPr lang="it-IT" sz="1400" dirty="0">
+                <a:latin typeface="Consolas" panose="020B0609020204030204" pitchFamily="49" charset="0"/>
+              </a:rPr>
+              <a:t> </a:t>
+            </a:r>
+            <a:r>
+              <a:rPr lang="it-IT" sz="1400" dirty="0">
+                <a:solidFill>
+                  <a:srgbClr val="ABB2BF"/>
+                </a:solidFill>
+                <a:effectLst/>
+                <a:latin typeface="Consolas" panose="020B0609020204030204" pitchFamily="49" charset="0"/>
+              </a:rPr>
+              <a:t>{</a:t>
+            </a:r>
+            <a:r>
+              <a:rPr lang="it-IT" sz="1400" dirty="0">
+                <a:latin typeface="Consolas" panose="020B0609020204030204" pitchFamily="49" charset="0"/>
+              </a:rPr>
+              <a:t> </a:t>
+            </a:r>
+            <a:r>
+              <a:rPr lang="it-IT" sz="1400" dirty="0" err="1">
+                <a:solidFill>
+                  <a:srgbClr val="C678DD"/>
+                </a:solidFill>
+                <a:effectLst/>
+                <a:latin typeface="Consolas" panose="020B0609020204030204" pitchFamily="49" charset="0"/>
+              </a:rPr>
+              <a:t>get</a:t>
+            </a:r>
+            <a:r>
+              <a:rPr lang="it-IT" sz="1400" dirty="0">
+                <a:solidFill>
+                  <a:srgbClr val="ABB2BF"/>
+                </a:solidFill>
+                <a:effectLst/>
+                <a:latin typeface="Consolas" panose="020B0609020204030204" pitchFamily="49" charset="0"/>
+              </a:rPr>
+              <a:t>;</a:t>
+            </a:r>
+            <a:r>
+              <a:rPr lang="it-IT" sz="1400" dirty="0">
+                <a:latin typeface="Consolas" panose="020B0609020204030204" pitchFamily="49" charset="0"/>
+              </a:rPr>
+              <a:t> </a:t>
+            </a:r>
+            <a:r>
+              <a:rPr lang="it-IT" sz="1400" dirty="0">
+                <a:solidFill>
+                  <a:srgbClr val="C678DD"/>
+                </a:solidFill>
+                <a:effectLst/>
+                <a:latin typeface="Consolas" panose="020B0609020204030204" pitchFamily="49" charset="0"/>
+              </a:rPr>
+              <a:t>set</a:t>
+            </a:r>
+            <a:r>
+              <a:rPr lang="it-IT" sz="1400" dirty="0">
+                <a:solidFill>
+                  <a:srgbClr val="ABB2BF"/>
+                </a:solidFill>
+                <a:effectLst/>
+                <a:latin typeface="Consolas" panose="020B0609020204030204" pitchFamily="49" charset="0"/>
+              </a:rPr>
+              <a:t>;</a:t>
+            </a:r>
+            <a:r>
+              <a:rPr lang="it-IT" sz="1400" dirty="0">
+                <a:latin typeface="Consolas" panose="020B0609020204030204" pitchFamily="49" charset="0"/>
+              </a:rPr>
+              <a:t> </a:t>
+            </a:r>
+            <a:r>
+              <a:rPr lang="it-IT" sz="1400" dirty="0">
+                <a:solidFill>
+                  <a:srgbClr val="ABB2BF"/>
+                </a:solidFill>
+                <a:effectLst/>
+                <a:latin typeface="Consolas" panose="020B0609020204030204" pitchFamily="49" charset="0"/>
+              </a:rPr>
+              <a:t>}</a:t>
+            </a:r>
+          </a:p>
+          <a:p>
+            <a:r>
+              <a:rPr lang="it-IT" sz="1400" dirty="0">
+                <a:solidFill>
+                  <a:srgbClr val="C678DD"/>
+                </a:solidFill>
+                <a:effectLst/>
+                <a:latin typeface="Consolas" panose="020B0609020204030204" pitchFamily="49" charset="0"/>
+              </a:rPr>
+              <a:t>  public</a:t>
+            </a:r>
+            <a:r>
+              <a:rPr lang="it-IT" sz="1400" dirty="0">
+                <a:latin typeface="Consolas" panose="020B0609020204030204" pitchFamily="49" charset="0"/>
+              </a:rPr>
+              <a:t> </a:t>
+            </a:r>
+            <a:r>
+              <a:rPr lang="it-IT" sz="1400" dirty="0" err="1">
+                <a:solidFill>
+                  <a:srgbClr val="C678DD"/>
+                </a:solidFill>
+                <a:effectLst/>
+                <a:latin typeface="Consolas" panose="020B0609020204030204" pitchFamily="49" charset="0"/>
+              </a:rPr>
+              <a:t>string</a:t>
+            </a:r>
+            <a:r>
+              <a:rPr lang="it-IT" sz="1400" dirty="0">
+                <a:latin typeface="Consolas" panose="020B0609020204030204" pitchFamily="49" charset="0"/>
+              </a:rPr>
+              <a:t> </a:t>
+            </a:r>
+            <a:r>
+              <a:rPr lang="it-IT" sz="1400" dirty="0">
+                <a:solidFill>
+                  <a:schemeClr val="bg1"/>
+                </a:solidFill>
+                <a:latin typeface="Consolas" panose="020B0609020204030204" pitchFamily="49" charset="0"/>
+              </a:rPr>
+              <a:t>Name</a:t>
+            </a:r>
+            <a:r>
+              <a:rPr lang="it-IT" sz="1400" dirty="0">
+                <a:latin typeface="Consolas" panose="020B0609020204030204" pitchFamily="49" charset="0"/>
+              </a:rPr>
+              <a:t> </a:t>
+            </a:r>
+            <a:r>
+              <a:rPr lang="it-IT" sz="1400" dirty="0">
+                <a:solidFill>
+                  <a:srgbClr val="ABB2BF"/>
+                </a:solidFill>
+                <a:effectLst/>
+                <a:latin typeface="Consolas" panose="020B0609020204030204" pitchFamily="49" charset="0"/>
+              </a:rPr>
+              <a:t>{</a:t>
+            </a:r>
+            <a:r>
+              <a:rPr lang="it-IT" sz="1400" dirty="0">
+                <a:latin typeface="Consolas" panose="020B0609020204030204" pitchFamily="49" charset="0"/>
+              </a:rPr>
+              <a:t> </a:t>
+            </a:r>
+            <a:r>
+              <a:rPr lang="it-IT" sz="1400" dirty="0" err="1">
+                <a:solidFill>
+                  <a:srgbClr val="C678DD"/>
+                </a:solidFill>
+                <a:effectLst/>
+                <a:latin typeface="Consolas" panose="020B0609020204030204" pitchFamily="49" charset="0"/>
+              </a:rPr>
+              <a:t>get</a:t>
+            </a:r>
+            <a:r>
+              <a:rPr lang="it-IT" sz="1400" dirty="0">
+                <a:solidFill>
+                  <a:srgbClr val="ABB2BF"/>
+                </a:solidFill>
+                <a:effectLst/>
+                <a:latin typeface="Consolas" panose="020B0609020204030204" pitchFamily="49" charset="0"/>
+              </a:rPr>
+              <a:t>;</a:t>
+            </a:r>
+            <a:r>
+              <a:rPr lang="it-IT" sz="1400" dirty="0">
+                <a:latin typeface="Consolas" panose="020B0609020204030204" pitchFamily="49" charset="0"/>
+              </a:rPr>
+              <a:t> </a:t>
+            </a:r>
+            <a:r>
+              <a:rPr lang="it-IT" sz="1400" dirty="0">
+                <a:solidFill>
+                  <a:srgbClr val="C678DD"/>
+                </a:solidFill>
+                <a:effectLst/>
+                <a:latin typeface="Consolas" panose="020B0609020204030204" pitchFamily="49" charset="0"/>
+              </a:rPr>
+              <a:t>set</a:t>
+            </a:r>
+            <a:r>
+              <a:rPr lang="it-IT" sz="1400" dirty="0">
+                <a:solidFill>
+                  <a:srgbClr val="ABB2BF"/>
+                </a:solidFill>
+                <a:effectLst/>
+                <a:latin typeface="Consolas" panose="020B0609020204030204" pitchFamily="49" charset="0"/>
+              </a:rPr>
+              <a:t>;</a:t>
+            </a:r>
+            <a:r>
+              <a:rPr lang="it-IT" sz="1400" dirty="0">
+                <a:latin typeface="Consolas" panose="020B0609020204030204" pitchFamily="49" charset="0"/>
+              </a:rPr>
+              <a:t> </a:t>
+            </a:r>
+            <a:r>
+              <a:rPr lang="it-IT" sz="1400" dirty="0">
+                <a:solidFill>
+                  <a:srgbClr val="ABB2BF"/>
+                </a:solidFill>
+                <a:effectLst/>
+                <a:latin typeface="Consolas" panose="020B0609020204030204" pitchFamily="49" charset="0"/>
+              </a:rPr>
+              <a:t>}</a:t>
+            </a:r>
+          </a:p>
+          <a:p>
+            <a:r>
+              <a:rPr lang="it-IT" sz="1400" dirty="0">
+                <a:solidFill>
+                  <a:srgbClr val="C678DD"/>
+                </a:solidFill>
+                <a:effectLst/>
+                <a:latin typeface="Consolas" panose="020B0609020204030204" pitchFamily="49" charset="0"/>
+              </a:rPr>
+              <a:t>  public</a:t>
+            </a:r>
+            <a:r>
+              <a:rPr lang="it-IT" sz="1400" dirty="0">
+                <a:latin typeface="Consolas" panose="020B0609020204030204" pitchFamily="49" charset="0"/>
+              </a:rPr>
+              <a:t> </a:t>
+            </a:r>
+            <a:r>
+              <a:rPr lang="it-IT" sz="1400" dirty="0" err="1">
+                <a:solidFill>
+                  <a:srgbClr val="C678DD"/>
+                </a:solidFill>
+                <a:effectLst/>
+                <a:latin typeface="Consolas" panose="020B0609020204030204" pitchFamily="49" charset="0"/>
+              </a:rPr>
+              <a:t>string</a:t>
+            </a:r>
+            <a:r>
+              <a:rPr lang="it-IT" sz="1400" dirty="0">
+                <a:latin typeface="Consolas" panose="020B0609020204030204" pitchFamily="49" charset="0"/>
+              </a:rPr>
+              <a:t> </a:t>
+            </a:r>
+            <a:r>
+              <a:rPr lang="it-IT" sz="1400" dirty="0" err="1">
+                <a:solidFill>
+                  <a:schemeClr val="bg1"/>
+                </a:solidFill>
+                <a:latin typeface="Consolas" panose="020B0609020204030204" pitchFamily="49" charset="0"/>
+              </a:rPr>
+              <a:t>Description</a:t>
+            </a:r>
+            <a:r>
+              <a:rPr lang="it-IT" sz="1400" dirty="0">
+                <a:latin typeface="Consolas" panose="020B0609020204030204" pitchFamily="49" charset="0"/>
+              </a:rPr>
+              <a:t> </a:t>
+            </a:r>
+            <a:r>
+              <a:rPr lang="it-IT" sz="1400" dirty="0">
+                <a:solidFill>
+                  <a:srgbClr val="ABB2BF"/>
+                </a:solidFill>
+                <a:effectLst/>
+                <a:latin typeface="Consolas" panose="020B0609020204030204" pitchFamily="49" charset="0"/>
+              </a:rPr>
+              <a:t>{</a:t>
+            </a:r>
+            <a:r>
+              <a:rPr lang="it-IT" sz="1400" dirty="0">
+                <a:latin typeface="Consolas" panose="020B0609020204030204" pitchFamily="49" charset="0"/>
+              </a:rPr>
+              <a:t> </a:t>
+            </a:r>
+            <a:r>
+              <a:rPr lang="it-IT" sz="1400" dirty="0" err="1">
+                <a:solidFill>
+                  <a:srgbClr val="C678DD"/>
+                </a:solidFill>
+                <a:effectLst/>
+                <a:latin typeface="Consolas" panose="020B0609020204030204" pitchFamily="49" charset="0"/>
+              </a:rPr>
+              <a:t>get</a:t>
+            </a:r>
+            <a:r>
+              <a:rPr lang="it-IT" sz="1400" dirty="0">
+                <a:solidFill>
+                  <a:srgbClr val="ABB2BF"/>
+                </a:solidFill>
+                <a:effectLst/>
+                <a:latin typeface="Consolas" panose="020B0609020204030204" pitchFamily="49" charset="0"/>
+              </a:rPr>
+              <a:t>;</a:t>
+            </a:r>
+            <a:r>
+              <a:rPr lang="it-IT" sz="1400" dirty="0">
+                <a:latin typeface="Consolas" panose="020B0609020204030204" pitchFamily="49" charset="0"/>
+              </a:rPr>
+              <a:t> </a:t>
+            </a:r>
+            <a:r>
+              <a:rPr lang="it-IT" sz="1400" dirty="0">
+                <a:solidFill>
+                  <a:srgbClr val="C678DD"/>
+                </a:solidFill>
+                <a:effectLst/>
+                <a:latin typeface="Consolas" panose="020B0609020204030204" pitchFamily="49" charset="0"/>
+              </a:rPr>
+              <a:t>set</a:t>
+            </a:r>
+            <a:r>
+              <a:rPr lang="it-IT" sz="1400" dirty="0">
+                <a:solidFill>
+                  <a:srgbClr val="ABB2BF"/>
+                </a:solidFill>
+                <a:effectLst/>
+                <a:latin typeface="Consolas" panose="020B0609020204030204" pitchFamily="49" charset="0"/>
+              </a:rPr>
+              <a:t>;</a:t>
+            </a:r>
+            <a:r>
+              <a:rPr lang="it-IT" sz="1400" dirty="0">
+                <a:latin typeface="Consolas" panose="020B0609020204030204" pitchFamily="49" charset="0"/>
+              </a:rPr>
+              <a:t> </a:t>
+            </a:r>
+            <a:r>
+              <a:rPr lang="it-IT" sz="1400" dirty="0">
+                <a:solidFill>
+                  <a:srgbClr val="ABB2BF"/>
+                </a:solidFill>
+                <a:effectLst/>
+                <a:latin typeface="Consolas" panose="020B0609020204030204" pitchFamily="49" charset="0"/>
+              </a:rPr>
+              <a:t>}</a:t>
+            </a:r>
+          </a:p>
+          <a:p>
+            <a:r>
+              <a:rPr lang="it-IT" sz="1400" dirty="0">
+                <a:solidFill>
+                  <a:srgbClr val="C678DD"/>
+                </a:solidFill>
+                <a:effectLst/>
+                <a:latin typeface="Consolas" panose="020B0609020204030204" pitchFamily="49" charset="0"/>
+              </a:rPr>
+              <a:t>  public</a:t>
+            </a:r>
+            <a:r>
+              <a:rPr lang="it-IT" sz="1400" dirty="0">
+                <a:latin typeface="Consolas" panose="020B0609020204030204" pitchFamily="49" charset="0"/>
+              </a:rPr>
+              <a:t> </a:t>
+            </a:r>
+            <a:r>
+              <a:rPr lang="it-IT" sz="1400" dirty="0" err="1">
+                <a:solidFill>
+                  <a:srgbClr val="C678DD"/>
+                </a:solidFill>
+                <a:effectLst/>
+                <a:latin typeface="Consolas" panose="020B0609020204030204" pitchFamily="49" charset="0"/>
+              </a:rPr>
+              <a:t>decimal</a:t>
+            </a:r>
+            <a:r>
+              <a:rPr lang="it-IT" sz="1400" dirty="0">
+                <a:latin typeface="Consolas" panose="020B0609020204030204" pitchFamily="49" charset="0"/>
+              </a:rPr>
+              <a:t> </a:t>
+            </a:r>
+            <a:r>
+              <a:rPr lang="it-IT" sz="1400" dirty="0">
+                <a:solidFill>
+                  <a:schemeClr val="bg1"/>
+                </a:solidFill>
+                <a:latin typeface="Consolas" panose="020B0609020204030204" pitchFamily="49" charset="0"/>
+              </a:rPr>
+              <a:t>Price</a:t>
+            </a:r>
+            <a:r>
+              <a:rPr lang="it-IT" sz="1400" dirty="0">
+                <a:latin typeface="Consolas" panose="020B0609020204030204" pitchFamily="49" charset="0"/>
+              </a:rPr>
+              <a:t> </a:t>
+            </a:r>
+            <a:r>
+              <a:rPr lang="it-IT" sz="1400" dirty="0">
+                <a:solidFill>
+                  <a:srgbClr val="ABB2BF"/>
+                </a:solidFill>
+                <a:effectLst/>
+                <a:latin typeface="Consolas" panose="020B0609020204030204" pitchFamily="49" charset="0"/>
+              </a:rPr>
+              <a:t>{</a:t>
+            </a:r>
+            <a:r>
+              <a:rPr lang="it-IT" sz="1400" dirty="0">
+                <a:latin typeface="Consolas" panose="020B0609020204030204" pitchFamily="49" charset="0"/>
+              </a:rPr>
+              <a:t> </a:t>
+            </a:r>
+            <a:r>
+              <a:rPr lang="it-IT" sz="1400" dirty="0" err="1">
+                <a:solidFill>
+                  <a:srgbClr val="C678DD"/>
+                </a:solidFill>
+                <a:effectLst/>
+                <a:latin typeface="Consolas" panose="020B0609020204030204" pitchFamily="49" charset="0"/>
+              </a:rPr>
+              <a:t>get</a:t>
+            </a:r>
+            <a:r>
+              <a:rPr lang="it-IT" sz="1400" dirty="0">
+                <a:solidFill>
+                  <a:srgbClr val="ABB2BF"/>
+                </a:solidFill>
+                <a:effectLst/>
+                <a:latin typeface="Consolas" panose="020B0609020204030204" pitchFamily="49" charset="0"/>
+              </a:rPr>
+              <a:t>;</a:t>
+            </a:r>
+            <a:r>
+              <a:rPr lang="it-IT" sz="1400" dirty="0">
+                <a:latin typeface="Consolas" panose="020B0609020204030204" pitchFamily="49" charset="0"/>
+              </a:rPr>
+              <a:t> </a:t>
+            </a:r>
+            <a:r>
+              <a:rPr lang="it-IT" sz="1400" dirty="0">
+                <a:solidFill>
+                  <a:srgbClr val="C678DD"/>
+                </a:solidFill>
+                <a:effectLst/>
+                <a:latin typeface="Consolas" panose="020B0609020204030204" pitchFamily="49" charset="0"/>
+              </a:rPr>
+              <a:t>set</a:t>
+            </a:r>
+            <a:r>
+              <a:rPr lang="it-IT" sz="1400" dirty="0">
+                <a:solidFill>
+                  <a:srgbClr val="ABB2BF"/>
+                </a:solidFill>
+                <a:effectLst/>
+                <a:latin typeface="Consolas" panose="020B0609020204030204" pitchFamily="49" charset="0"/>
+              </a:rPr>
+              <a:t>;</a:t>
+            </a:r>
+            <a:r>
+              <a:rPr lang="it-IT" sz="1400" dirty="0">
+                <a:latin typeface="Consolas" panose="020B0609020204030204" pitchFamily="49" charset="0"/>
+              </a:rPr>
+              <a:t> </a:t>
+            </a:r>
+            <a:r>
+              <a:rPr lang="it-IT" sz="1400" dirty="0">
+                <a:solidFill>
+                  <a:srgbClr val="ABB2BF"/>
+                </a:solidFill>
+                <a:effectLst/>
+                <a:latin typeface="Consolas" panose="020B0609020204030204" pitchFamily="49" charset="0"/>
+              </a:rPr>
+              <a:t>}</a:t>
+            </a:r>
+          </a:p>
+          <a:p>
+            <a:r>
+              <a:rPr lang="it-IT" sz="1400" dirty="0">
+                <a:solidFill>
+                  <a:srgbClr val="C678DD"/>
+                </a:solidFill>
+                <a:effectLst/>
+                <a:latin typeface="Consolas" panose="020B0609020204030204" pitchFamily="49" charset="0"/>
+              </a:rPr>
+              <a:t>  public</a:t>
+            </a:r>
+            <a:r>
+              <a:rPr lang="it-IT" sz="1400" dirty="0">
+                <a:latin typeface="Consolas" panose="020B0609020204030204" pitchFamily="49" charset="0"/>
+              </a:rPr>
+              <a:t> </a:t>
+            </a:r>
+            <a:r>
+              <a:rPr lang="it-IT" sz="1400" dirty="0" err="1">
+                <a:solidFill>
+                  <a:srgbClr val="C678DD"/>
+                </a:solidFill>
+                <a:effectLst/>
+                <a:latin typeface="Consolas" panose="020B0609020204030204" pitchFamily="49" charset="0"/>
+              </a:rPr>
+              <a:t>int</a:t>
+            </a:r>
+            <a:r>
+              <a:rPr lang="it-IT" sz="1400" dirty="0">
+                <a:latin typeface="Consolas" panose="020B0609020204030204" pitchFamily="49" charset="0"/>
+              </a:rPr>
+              <a:t> </a:t>
+            </a:r>
+            <a:r>
+              <a:rPr lang="it-IT" sz="1400" dirty="0">
+                <a:solidFill>
+                  <a:schemeClr val="bg1"/>
+                </a:solidFill>
+                <a:latin typeface="Consolas" panose="020B0609020204030204" pitchFamily="49" charset="0"/>
+              </a:rPr>
+              <a:t>Stock</a:t>
+            </a:r>
+            <a:r>
+              <a:rPr lang="it-IT" sz="1400" dirty="0">
+                <a:latin typeface="Consolas" panose="020B0609020204030204" pitchFamily="49" charset="0"/>
+              </a:rPr>
+              <a:t> </a:t>
+            </a:r>
+            <a:r>
+              <a:rPr lang="it-IT" sz="1400" dirty="0">
+                <a:solidFill>
+                  <a:srgbClr val="ABB2BF"/>
+                </a:solidFill>
+                <a:effectLst/>
+                <a:latin typeface="Consolas" panose="020B0609020204030204" pitchFamily="49" charset="0"/>
+              </a:rPr>
+              <a:t>{</a:t>
+            </a:r>
+            <a:r>
+              <a:rPr lang="it-IT" sz="1400" dirty="0">
+                <a:latin typeface="Consolas" panose="020B0609020204030204" pitchFamily="49" charset="0"/>
+              </a:rPr>
+              <a:t> </a:t>
+            </a:r>
+            <a:r>
+              <a:rPr lang="it-IT" sz="1400" dirty="0" err="1">
+                <a:solidFill>
+                  <a:srgbClr val="C678DD"/>
+                </a:solidFill>
+                <a:effectLst/>
+                <a:latin typeface="Consolas" panose="020B0609020204030204" pitchFamily="49" charset="0"/>
+              </a:rPr>
+              <a:t>get</a:t>
+            </a:r>
+            <a:r>
+              <a:rPr lang="it-IT" sz="1400" dirty="0">
+                <a:solidFill>
+                  <a:srgbClr val="ABB2BF"/>
+                </a:solidFill>
+                <a:effectLst/>
+                <a:latin typeface="Consolas" panose="020B0609020204030204" pitchFamily="49" charset="0"/>
+              </a:rPr>
+              <a:t>;</a:t>
+            </a:r>
+            <a:r>
+              <a:rPr lang="it-IT" sz="1400" dirty="0">
+                <a:latin typeface="Consolas" panose="020B0609020204030204" pitchFamily="49" charset="0"/>
+              </a:rPr>
+              <a:t> </a:t>
+            </a:r>
+            <a:r>
+              <a:rPr lang="it-IT" sz="1400" dirty="0">
+                <a:solidFill>
+                  <a:srgbClr val="C678DD"/>
+                </a:solidFill>
+                <a:effectLst/>
+                <a:latin typeface="Consolas" panose="020B0609020204030204" pitchFamily="49" charset="0"/>
+              </a:rPr>
+              <a:t>set</a:t>
+            </a:r>
+            <a:r>
+              <a:rPr lang="it-IT" sz="1400" dirty="0">
+                <a:solidFill>
+                  <a:srgbClr val="ABB2BF"/>
+                </a:solidFill>
+                <a:effectLst/>
+                <a:latin typeface="Consolas" panose="020B0609020204030204" pitchFamily="49" charset="0"/>
+              </a:rPr>
+              <a:t>;</a:t>
+            </a:r>
+            <a:r>
+              <a:rPr lang="it-IT" sz="1400" dirty="0">
+                <a:latin typeface="Consolas" panose="020B0609020204030204" pitchFamily="49" charset="0"/>
+              </a:rPr>
+              <a:t> </a:t>
+            </a:r>
+            <a:r>
+              <a:rPr lang="it-IT" sz="1400" dirty="0">
+                <a:solidFill>
+                  <a:srgbClr val="ABB2BF"/>
+                </a:solidFill>
+                <a:effectLst/>
+                <a:latin typeface="Consolas" panose="020B0609020204030204" pitchFamily="49" charset="0"/>
+              </a:rPr>
+              <a:t>}</a:t>
+            </a:r>
+          </a:p>
+          <a:p>
+            <a:r>
+              <a:rPr lang="it-IT" sz="1400" dirty="0">
+                <a:solidFill>
+                  <a:srgbClr val="C678DD"/>
+                </a:solidFill>
+                <a:effectLst/>
+                <a:latin typeface="Consolas" panose="020B0609020204030204" pitchFamily="49" charset="0"/>
+              </a:rPr>
+              <a:t>  public</a:t>
+            </a:r>
+            <a:r>
+              <a:rPr lang="it-IT" sz="1400" dirty="0">
+                <a:latin typeface="Consolas" panose="020B0609020204030204" pitchFamily="49" charset="0"/>
+              </a:rPr>
+              <a:t> </a:t>
+            </a:r>
+            <a:r>
+              <a:rPr lang="it-IT" sz="1400" dirty="0" err="1">
+                <a:solidFill>
+                  <a:srgbClr val="D19A66"/>
+                </a:solidFill>
+                <a:effectLst/>
+                <a:latin typeface="Consolas" panose="020B0609020204030204" pitchFamily="49" charset="0"/>
+              </a:rPr>
+              <a:t>DateTime</a:t>
+            </a:r>
+            <a:r>
+              <a:rPr lang="it-IT" sz="1400" dirty="0">
+                <a:latin typeface="Consolas" panose="020B0609020204030204" pitchFamily="49" charset="0"/>
+              </a:rPr>
+              <a:t> </a:t>
+            </a:r>
+            <a:r>
+              <a:rPr lang="it-IT" sz="1400" dirty="0" err="1">
+                <a:solidFill>
+                  <a:schemeClr val="bg1"/>
+                </a:solidFill>
+                <a:latin typeface="Consolas" panose="020B0609020204030204" pitchFamily="49" charset="0"/>
+              </a:rPr>
+              <a:t>CreatedAt</a:t>
+            </a:r>
+            <a:r>
+              <a:rPr lang="it-IT" sz="1400" dirty="0">
+                <a:latin typeface="Consolas" panose="020B0609020204030204" pitchFamily="49" charset="0"/>
+              </a:rPr>
+              <a:t> </a:t>
+            </a:r>
+            <a:r>
+              <a:rPr lang="it-IT" sz="1400" dirty="0">
+                <a:solidFill>
+                  <a:srgbClr val="ABB2BF"/>
+                </a:solidFill>
+                <a:effectLst/>
+                <a:latin typeface="Consolas" panose="020B0609020204030204" pitchFamily="49" charset="0"/>
+              </a:rPr>
+              <a:t>{</a:t>
+            </a:r>
+            <a:r>
+              <a:rPr lang="it-IT" sz="1400" dirty="0">
+                <a:latin typeface="Consolas" panose="020B0609020204030204" pitchFamily="49" charset="0"/>
+              </a:rPr>
+              <a:t> </a:t>
+            </a:r>
+            <a:r>
+              <a:rPr lang="it-IT" sz="1400" dirty="0" err="1">
+                <a:solidFill>
+                  <a:srgbClr val="C678DD"/>
+                </a:solidFill>
+                <a:effectLst/>
+                <a:latin typeface="Consolas" panose="020B0609020204030204" pitchFamily="49" charset="0"/>
+              </a:rPr>
+              <a:t>get</a:t>
+            </a:r>
+            <a:r>
+              <a:rPr lang="it-IT" sz="1400" dirty="0">
+                <a:solidFill>
+                  <a:srgbClr val="ABB2BF"/>
+                </a:solidFill>
+                <a:effectLst/>
+                <a:latin typeface="Consolas" panose="020B0609020204030204" pitchFamily="49" charset="0"/>
+              </a:rPr>
+              <a:t>;</a:t>
+            </a:r>
+            <a:r>
+              <a:rPr lang="it-IT" sz="1400" dirty="0">
+                <a:latin typeface="Consolas" panose="020B0609020204030204" pitchFamily="49" charset="0"/>
+              </a:rPr>
+              <a:t> </a:t>
+            </a:r>
+            <a:r>
+              <a:rPr lang="it-IT" sz="1400" dirty="0">
+                <a:solidFill>
+                  <a:srgbClr val="C678DD"/>
+                </a:solidFill>
+                <a:effectLst/>
+                <a:latin typeface="Consolas" panose="020B0609020204030204" pitchFamily="49" charset="0"/>
+              </a:rPr>
+              <a:t>set</a:t>
+            </a:r>
+            <a:r>
+              <a:rPr lang="it-IT" sz="1400" dirty="0">
+                <a:solidFill>
+                  <a:srgbClr val="ABB2BF"/>
+                </a:solidFill>
+                <a:effectLst/>
+                <a:latin typeface="Consolas" panose="020B0609020204030204" pitchFamily="49" charset="0"/>
+              </a:rPr>
+              <a:t>;</a:t>
+            </a:r>
+            <a:r>
+              <a:rPr lang="it-IT" sz="1400" dirty="0">
+                <a:latin typeface="Consolas" panose="020B0609020204030204" pitchFamily="49" charset="0"/>
+              </a:rPr>
+              <a:t> </a:t>
+            </a:r>
+            <a:r>
+              <a:rPr lang="it-IT" sz="1400" dirty="0">
+                <a:solidFill>
+                  <a:srgbClr val="ABB2BF"/>
+                </a:solidFill>
+                <a:effectLst/>
+                <a:latin typeface="Consolas" panose="020B0609020204030204" pitchFamily="49" charset="0"/>
+              </a:rPr>
+              <a:t>}</a:t>
+            </a:r>
+          </a:p>
+          <a:p>
+            <a:r>
+              <a:rPr lang="it-IT" sz="1400" dirty="0">
+                <a:solidFill>
+                  <a:srgbClr val="C678DD"/>
+                </a:solidFill>
+                <a:effectLst/>
+                <a:latin typeface="Consolas" panose="020B0609020204030204" pitchFamily="49" charset="0"/>
+              </a:rPr>
+              <a:t>  public</a:t>
+            </a:r>
+            <a:r>
+              <a:rPr lang="it-IT" sz="1400" dirty="0">
+                <a:latin typeface="Consolas" panose="020B0609020204030204" pitchFamily="49" charset="0"/>
+              </a:rPr>
+              <a:t> </a:t>
+            </a:r>
+            <a:r>
+              <a:rPr lang="it-IT" sz="1400" dirty="0" err="1">
+                <a:solidFill>
+                  <a:srgbClr val="C678DD"/>
+                </a:solidFill>
+                <a:effectLst/>
+                <a:latin typeface="Consolas" panose="020B0609020204030204" pitchFamily="49" charset="0"/>
+              </a:rPr>
+              <a:t>int</a:t>
+            </a:r>
+            <a:r>
+              <a:rPr lang="it-IT" sz="1400" dirty="0">
+                <a:latin typeface="Consolas" panose="020B0609020204030204" pitchFamily="49" charset="0"/>
+              </a:rPr>
+              <a:t> </a:t>
+            </a:r>
+            <a:r>
+              <a:rPr lang="it-IT" sz="1400" dirty="0" err="1">
+                <a:solidFill>
+                  <a:schemeClr val="bg1"/>
+                </a:solidFill>
+                <a:latin typeface="Consolas" panose="020B0609020204030204" pitchFamily="49" charset="0"/>
+              </a:rPr>
+              <a:t>CategoryId</a:t>
+            </a:r>
+            <a:r>
+              <a:rPr lang="it-IT" sz="1400" dirty="0">
+                <a:latin typeface="Consolas" panose="020B0609020204030204" pitchFamily="49" charset="0"/>
+              </a:rPr>
+              <a:t> </a:t>
+            </a:r>
+            <a:r>
+              <a:rPr lang="it-IT" sz="1400" dirty="0">
+                <a:solidFill>
+                  <a:srgbClr val="ABB2BF"/>
+                </a:solidFill>
+                <a:effectLst/>
+                <a:latin typeface="Consolas" panose="020B0609020204030204" pitchFamily="49" charset="0"/>
+              </a:rPr>
+              <a:t>{</a:t>
+            </a:r>
+            <a:r>
+              <a:rPr lang="it-IT" sz="1400" dirty="0">
+                <a:latin typeface="Consolas" panose="020B0609020204030204" pitchFamily="49" charset="0"/>
+              </a:rPr>
+              <a:t> </a:t>
+            </a:r>
+            <a:r>
+              <a:rPr lang="it-IT" sz="1400" dirty="0" err="1">
+                <a:solidFill>
+                  <a:srgbClr val="C678DD"/>
+                </a:solidFill>
+                <a:effectLst/>
+                <a:latin typeface="Consolas" panose="020B0609020204030204" pitchFamily="49" charset="0"/>
+              </a:rPr>
+              <a:t>get</a:t>
+            </a:r>
+            <a:r>
+              <a:rPr lang="it-IT" sz="1400" dirty="0">
+                <a:solidFill>
+                  <a:srgbClr val="ABB2BF"/>
+                </a:solidFill>
+                <a:effectLst/>
+                <a:latin typeface="Consolas" panose="020B0609020204030204" pitchFamily="49" charset="0"/>
+              </a:rPr>
+              <a:t>;</a:t>
+            </a:r>
+            <a:r>
+              <a:rPr lang="it-IT" sz="1400" dirty="0">
+                <a:latin typeface="Consolas" panose="020B0609020204030204" pitchFamily="49" charset="0"/>
+              </a:rPr>
+              <a:t> </a:t>
+            </a:r>
+            <a:r>
+              <a:rPr lang="it-IT" sz="1400" dirty="0">
+                <a:solidFill>
+                  <a:srgbClr val="C678DD"/>
+                </a:solidFill>
+                <a:effectLst/>
+                <a:latin typeface="Consolas" panose="020B0609020204030204" pitchFamily="49" charset="0"/>
+              </a:rPr>
+              <a:t>set</a:t>
+            </a:r>
+            <a:r>
+              <a:rPr lang="it-IT" sz="1400" dirty="0">
+                <a:solidFill>
+                  <a:srgbClr val="ABB2BF"/>
+                </a:solidFill>
+                <a:effectLst/>
+                <a:latin typeface="Consolas" panose="020B0609020204030204" pitchFamily="49" charset="0"/>
+              </a:rPr>
+              <a:t>;</a:t>
+            </a:r>
+            <a:r>
+              <a:rPr lang="it-IT" sz="1400" dirty="0">
+                <a:latin typeface="Consolas" panose="020B0609020204030204" pitchFamily="49" charset="0"/>
+              </a:rPr>
+              <a:t> </a:t>
+            </a:r>
+            <a:r>
+              <a:rPr lang="it-IT" sz="1400" dirty="0">
+                <a:solidFill>
+                  <a:srgbClr val="ABB2BF"/>
+                </a:solidFill>
+                <a:effectLst/>
+                <a:latin typeface="Consolas" panose="020B0609020204030204" pitchFamily="49" charset="0"/>
+              </a:rPr>
+              <a:t>}</a:t>
+            </a:r>
+          </a:p>
+          <a:p>
+            <a:endParaRPr lang="it-IT" sz="1400" dirty="0">
+              <a:solidFill>
+                <a:srgbClr val="ABB2BF"/>
+              </a:solidFill>
+              <a:effectLst/>
+              <a:latin typeface="Consolas" panose="020B0609020204030204" pitchFamily="49" charset="0"/>
+            </a:endParaRPr>
+          </a:p>
+          <a:p>
+            <a:r>
+              <a:rPr lang="it-IT" sz="1400" dirty="0">
+                <a:solidFill>
+                  <a:srgbClr val="ABB2BF"/>
+                </a:solidFill>
+                <a:latin typeface="Consolas" panose="020B0609020204030204" pitchFamily="49" charset="0"/>
+              </a:rPr>
+              <a:t>  // 1 : 1 , 1 : m</a:t>
+            </a:r>
+            <a:endParaRPr lang="it-IT" sz="1400" dirty="0">
+              <a:solidFill>
+                <a:srgbClr val="ABB2BF"/>
+              </a:solidFill>
+              <a:effectLst/>
+              <a:latin typeface="Consolas" panose="020B0609020204030204" pitchFamily="49" charset="0"/>
+            </a:endParaRPr>
+          </a:p>
+          <a:p>
+            <a:r>
+              <a:rPr lang="it-IT" sz="1400" dirty="0">
+                <a:solidFill>
+                  <a:srgbClr val="C678DD"/>
+                </a:solidFill>
+                <a:effectLst/>
+                <a:latin typeface="Consolas" panose="020B0609020204030204" pitchFamily="49" charset="0"/>
+              </a:rPr>
+              <a:t>  public</a:t>
+            </a:r>
+            <a:r>
+              <a:rPr lang="it-IT" sz="1400" dirty="0">
+                <a:latin typeface="Consolas" panose="020B0609020204030204" pitchFamily="49" charset="0"/>
+              </a:rPr>
+              <a:t> </a:t>
+            </a:r>
+            <a:r>
+              <a:rPr lang="it-IT" sz="1400" dirty="0">
+                <a:solidFill>
+                  <a:srgbClr val="D19A66"/>
+                </a:solidFill>
+                <a:effectLst/>
+                <a:latin typeface="Consolas" panose="020B0609020204030204" pitchFamily="49" charset="0"/>
+              </a:rPr>
+              <a:t>Category</a:t>
+            </a:r>
+            <a:r>
+              <a:rPr lang="it-IT" sz="1400" dirty="0">
+                <a:latin typeface="Consolas" panose="020B0609020204030204" pitchFamily="49" charset="0"/>
+              </a:rPr>
+              <a:t> </a:t>
+            </a:r>
+            <a:r>
+              <a:rPr lang="it-IT" sz="1400" dirty="0" err="1">
+                <a:solidFill>
+                  <a:schemeClr val="bg1"/>
+                </a:solidFill>
+                <a:latin typeface="Consolas" panose="020B0609020204030204" pitchFamily="49" charset="0"/>
+              </a:rPr>
+              <a:t>Category</a:t>
+            </a:r>
+            <a:r>
+              <a:rPr lang="it-IT" sz="1400" dirty="0">
+                <a:latin typeface="Consolas" panose="020B0609020204030204" pitchFamily="49" charset="0"/>
+              </a:rPr>
+              <a:t> </a:t>
+            </a:r>
+            <a:r>
+              <a:rPr lang="it-IT" sz="1400" dirty="0">
+                <a:solidFill>
+                  <a:srgbClr val="ABB2BF"/>
+                </a:solidFill>
+                <a:effectLst/>
+                <a:latin typeface="Consolas" panose="020B0609020204030204" pitchFamily="49" charset="0"/>
+              </a:rPr>
+              <a:t>{</a:t>
+            </a:r>
+            <a:r>
+              <a:rPr lang="it-IT" sz="1400" dirty="0">
+                <a:latin typeface="Consolas" panose="020B0609020204030204" pitchFamily="49" charset="0"/>
+              </a:rPr>
+              <a:t> </a:t>
+            </a:r>
+            <a:r>
+              <a:rPr lang="it-IT" sz="1400" dirty="0" err="1">
+                <a:solidFill>
+                  <a:srgbClr val="C678DD"/>
+                </a:solidFill>
+                <a:effectLst/>
+                <a:latin typeface="Consolas" panose="020B0609020204030204" pitchFamily="49" charset="0"/>
+              </a:rPr>
+              <a:t>get</a:t>
+            </a:r>
+            <a:r>
+              <a:rPr lang="it-IT" sz="1400" dirty="0">
+                <a:solidFill>
+                  <a:srgbClr val="ABB2BF"/>
+                </a:solidFill>
+                <a:effectLst/>
+                <a:latin typeface="Consolas" panose="020B0609020204030204" pitchFamily="49" charset="0"/>
+              </a:rPr>
+              <a:t>;</a:t>
+            </a:r>
+            <a:r>
+              <a:rPr lang="it-IT" sz="1400" dirty="0">
+                <a:latin typeface="Consolas" panose="020B0609020204030204" pitchFamily="49" charset="0"/>
+              </a:rPr>
+              <a:t> </a:t>
+            </a:r>
+            <a:r>
+              <a:rPr lang="it-IT" sz="1400" dirty="0">
+                <a:solidFill>
+                  <a:srgbClr val="C678DD"/>
+                </a:solidFill>
+                <a:effectLst/>
+                <a:latin typeface="Consolas" panose="020B0609020204030204" pitchFamily="49" charset="0"/>
+              </a:rPr>
+              <a:t>set</a:t>
+            </a:r>
+            <a:r>
+              <a:rPr lang="it-IT" sz="1400" dirty="0">
+                <a:solidFill>
+                  <a:srgbClr val="ABB2BF"/>
+                </a:solidFill>
+                <a:effectLst/>
+                <a:latin typeface="Consolas" panose="020B0609020204030204" pitchFamily="49" charset="0"/>
+              </a:rPr>
+              <a:t>;</a:t>
+            </a:r>
+            <a:r>
+              <a:rPr lang="it-IT" sz="1400" dirty="0">
+                <a:latin typeface="Consolas" panose="020B0609020204030204" pitchFamily="49" charset="0"/>
+              </a:rPr>
+              <a:t> </a:t>
+            </a:r>
+            <a:r>
+              <a:rPr lang="it-IT" sz="1400" dirty="0">
+                <a:solidFill>
+                  <a:srgbClr val="ABB2BF"/>
+                </a:solidFill>
+                <a:effectLst/>
+                <a:latin typeface="Consolas" panose="020B0609020204030204" pitchFamily="49" charset="0"/>
+              </a:rPr>
+              <a:t>}</a:t>
+            </a:r>
+          </a:p>
+          <a:p>
+            <a:r>
+              <a:rPr lang="it-IT" sz="1400" dirty="0">
+                <a:solidFill>
+                  <a:srgbClr val="C678DD"/>
+                </a:solidFill>
+                <a:effectLst/>
+                <a:latin typeface="Consolas" panose="020B0609020204030204" pitchFamily="49" charset="0"/>
+              </a:rPr>
+              <a:t>  </a:t>
+            </a:r>
+            <a:r>
+              <a:rPr lang="it-IT" sz="1400" dirty="0">
+                <a:solidFill>
+                  <a:srgbClr val="ABB2BF"/>
+                </a:solidFill>
+                <a:latin typeface="Consolas" panose="020B0609020204030204" pitchFamily="49" charset="0"/>
+              </a:rPr>
+              <a:t>// m : m</a:t>
+            </a:r>
+          </a:p>
+          <a:p>
+            <a:r>
+              <a:rPr lang="it-IT" sz="1400" dirty="0">
+                <a:solidFill>
+                  <a:srgbClr val="C678DD"/>
+                </a:solidFill>
+                <a:latin typeface="Consolas" panose="020B0609020204030204" pitchFamily="49" charset="0"/>
+              </a:rPr>
+              <a:t>  </a:t>
+            </a:r>
+            <a:r>
+              <a:rPr lang="it-IT" sz="1400" dirty="0">
+                <a:solidFill>
+                  <a:srgbClr val="C678DD"/>
+                </a:solidFill>
+                <a:effectLst/>
+                <a:latin typeface="Consolas" panose="020B0609020204030204" pitchFamily="49" charset="0"/>
+              </a:rPr>
+              <a:t>public</a:t>
+            </a:r>
+            <a:r>
+              <a:rPr lang="it-IT" sz="1400" dirty="0">
+                <a:latin typeface="Consolas" panose="020B0609020204030204" pitchFamily="49" charset="0"/>
+              </a:rPr>
+              <a:t> </a:t>
+            </a:r>
+            <a:r>
+              <a:rPr lang="it-IT" sz="1400" dirty="0" err="1">
+                <a:solidFill>
+                  <a:srgbClr val="D19A66"/>
+                </a:solidFill>
+                <a:effectLst/>
+                <a:latin typeface="Consolas" panose="020B0609020204030204" pitchFamily="49" charset="0"/>
+              </a:rPr>
+              <a:t>ICollection</a:t>
+            </a:r>
+            <a:r>
+              <a:rPr lang="it-IT" sz="1400" dirty="0">
+                <a:solidFill>
+                  <a:srgbClr val="ABB2BF"/>
+                </a:solidFill>
+                <a:effectLst/>
+                <a:latin typeface="Consolas" panose="020B0609020204030204" pitchFamily="49" charset="0"/>
+              </a:rPr>
+              <a:t>&lt;</a:t>
+            </a:r>
+            <a:r>
+              <a:rPr lang="it-IT" sz="1400" dirty="0" err="1">
+                <a:solidFill>
+                  <a:srgbClr val="D19A66"/>
+                </a:solidFill>
+                <a:effectLst/>
+                <a:latin typeface="Consolas" panose="020B0609020204030204" pitchFamily="49" charset="0"/>
+              </a:rPr>
+              <a:t>OrderItem</a:t>
+            </a:r>
+            <a:r>
+              <a:rPr lang="it-IT" sz="1400" dirty="0">
+                <a:solidFill>
+                  <a:srgbClr val="ABB2BF"/>
+                </a:solidFill>
+                <a:effectLst/>
+                <a:latin typeface="Consolas" panose="020B0609020204030204" pitchFamily="49" charset="0"/>
+              </a:rPr>
+              <a:t>&gt;</a:t>
+            </a:r>
+            <a:r>
+              <a:rPr lang="it-IT" sz="1400" dirty="0">
+                <a:latin typeface="Consolas" panose="020B0609020204030204" pitchFamily="49" charset="0"/>
+              </a:rPr>
+              <a:t> </a:t>
+            </a:r>
+            <a:r>
+              <a:rPr lang="it-IT" sz="1400" dirty="0" err="1">
+                <a:solidFill>
+                  <a:schemeClr val="bg1"/>
+                </a:solidFill>
+                <a:latin typeface="Consolas" panose="020B0609020204030204" pitchFamily="49" charset="0"/>
+              </a:rPr>
+              <a:t>OrderItems</a:t>
+            </a:r>
+            <a:r>
+              <a:rPr lang="it-IT" sz="1400" dirty="0">
+                <a:latin typeface="Consolas" panose="020B0609020204030204" pitchFamily="49" charset="0"/>
+              </a:rPr>
+              <a:t> </a:t>
+            </a:r>
+            <a:r>
+              <a:rPr lang="it-IT" sz="1400" dirty="0">
+                <a:solidFill>
+                  <a:srgbClr val="ABB2BF"/>
+                </a:solidFill>
+                <a:effectLst/>
+                <a:latin typeface="Consolas" panose="020B0609020204030204" pitchFamily="49" charset="0"/>
+              </a:rPr>
+              <a:t>{</a:t>
+            </a:r>
+            <a:r>
+              <a:rPr lang="it-IT" sz="1400" dirty="0">
+                <a:latin typeface="Consolas" panose="020B0609020204030204" pitchFamily="49" charset="0"/>
+              </a:rPr>
+              <a:t> </a:t>
+            </a:r>
+            <a:r>
+              <a:rPr lang="it-IT" sz="1400" dirty="0" err="1">
+                <a:solidFill>
+                  <a:srgbClr val="C678DD"/>
+                </a:solidFill>
+                <a:effectLst/>
+                <a:latin typeface="Consolas" panose="020B0609020204030204" pitchFamily="49" charset="0"/>
+              </a:rPr>
+              <a:t>get</a:t>
+            </a:r>
+            <a:r>
+              <a:rPr lang="it-IT" sz="1400" dirty="0">
+                <a:solidFill>
+                  <a:srgbClr val="ABB2BF"/>
+                </a:solidFill>
+                <a:effectLst/>
+                <a:latin typeface="Consolas" panose="020B0609020204030204" pitchFamily="49" charset="0"/>
+              </a:rPr>
+              <a:t>;</a:t>
+            </a:r>
+            <a:r>
+              <a:rPr lang="it-IT" sz="1400" dirty="0">
+                <a:latin typeface="Consolas" panose="020B0609020204030204" pitchFamily="49" charset="0"/>
+              </a:rPr>
+              <a:t> </a:t>
+            </a:r>
+            <a:r>
+              <a:rPr lang="it-IT" sz="1400" dirty="0">
+                <a:solidFill>
+                  <a:srgbClr val="C678DD"/>
+                </a:solidFill>
+                <a:effectLst/>
+                <a:latin typeface="Consolas" panose="020B0609020204030204" pitchFamily="49" charset="0"/>
+              </a:rPr>
+              <a:t>set</a:t>
+            </a:r>
+            <a:r>
+              <a:rPr lang="it-IT" sz="1400" dirty="0">
+                <a:solidFill>
+                  <a:srgbClr val="ABB2BF"/>
+                </a:solidFill>
+                <a:effectLst/>
+                <a:latin typeface="Consolas" panose="020B0609020204030204" pitchFamily="49" charset="0"/>
+              </a:rPr>
+              <a:t>;</a:t>
+            </a:r>
+            <a:r>
+              <a:rPr lang="it-IT" sz="1400" dirty="0">
+                <a:latin typeface="Consolas" panose="020B0609020204030204" pitchFamily="49" charset="0"/>
+              </a:rPr>
+              <a:t> </a:t>
+            </a:r>
+            <a:r>
+              <a:rPr lang="it-IT" sz="1400" dirty="0">
+                <a:solidFill>
+                  <a:srgbClr val="ABB2BF"/>
+                </a:solidFill>
+                <a:effectLst/>
+                <a:latin typeface="Consolas" panose="020B0609020204030204" pitchFamily="49" charset="0"/>
+              </a:rPr>
+              <a:t>}</a:t>
+            </a:r>
+            <a:endParaRPr lang="it-IT" sz="1400" dirty="0">
+              <a:latin typeface="Consolas" panose="020B0609020204030204" pitchFamily="49" charset="0"/>
+            </a:endParaRPr>
+          </a:p>
+          <a:p>
+            <a:r>
+              <a:rPr lang="it-IT" sz="1400" dirty="0">
+                <a:solidFill>
+                  <a:srgbClr val="ABB2BF"/>
+                </a:solidFill>
+                <a:effectLst/>
+                <a:latin typeface="Consolas" panose="020B0609020204030204" pitchFamily="49" charset="0"/>
+              </a:rPr>
+              <a:t>}</a:t>
+            </a:r>
+            <a:endParaRPr lang="it-IT" sz="1400" dirty="0">
+              <a:latin typeface="Consolas" panose="020B0609020204030204" pitchFamily="49" charset="0"/>
+            </a:endParaRPr>
+          </a:p>
+        </p:txBody>
+      </p:sp>
+    </p:spTree>
+    <p:extLst>
+      <p:ext uri="{BB962C8B-B14F-4D97-AF65-F5344CB8AC3E}">
+        <p14:creationId xmlns:p14="http://schemas.microsoft.com/office/powerpoint/2010/main" val="65607089"/>
       </p:ext>
     </p:extLst>
   </p:cSld>
